--- a/스토리보드/3학년/4차/박만구/suhi_p_0301_06_0001_v3.pptx
+++ b/스토리보드/3학년/4차/박만구/suhi_p_0301_06_0001_v3.pptx
@@ -149,7 +149,7 @@
   </p:defaultTextStyle>
   <p:extLst>
     <p:ext uri="{EFAFB233-063F-42B5-8137-9DF3F51BA10A}">
-      <p15:sldGuideLst xmlns="" xmlns:p15="http://schemas.microsoft.com/office/powerpoint/2012/main">
+      <p15:sldGuideLst xmlns:p15="http://schemas.microsoft.com/office/powerpoint/2012/main">
         <p15:guide id="1" orient="horz" pos="4292">
           <p15:clr>
             <a:srgbClr val="A4A3A4"/>
@@ -163,7 +163,7 @@
       </p15:sldGuideLst>
     </p:ext>
     <p:ext uri="{2D200454-40CA-4A62-9FC3-DE9A4176ACB9}">
-      <p15:notesGuideLst xmlns="" xmlns:p15="http://schemas.microsoft.com/office/powerpoint/2012/main">
+      <p15:notesGuideLst xmlns:p15="http://schemas.microsoft.com/office/powerpoint/2012/main">
         <p15:guide id="1" orient="horz" pos="3127">
           <p15:clr>
             <a:srgbClr val="A4A3A4"/>
@@ -626,35 +626,35 @@
           <a:p>
             <a:pPr lvl="0"/>
             <a:r>
-              <a:rPr lang="ko-KR" altLang="en-US" noProof="0" smtClean="0"/>
+              <a:rPr lang="ko-KR" altLang="en-US" noProof="0"/>
               <a:t>마스터 텍스트 스타일을 편집합니다</a:t>
             </a:r>
           </a:p>
           <a:p>
             <a:pPr lvl="1"/>
             <a:r>
-              <a:rPr lang="ko-KR" altLang="en-US" noProof="0" smtClean="0"/>
+              <a:rPr lang="ko-KR" altLang="en-US" noProof="0"/>
               <a:t>둘째 수준</a:t>
             </a:r>
           </a:p>
           <a:p>
             <a:pPr lvl="2"/>
             <a:r>
-              <a:rPr lang="ko-KR" altLang="en-US" noProof="0" smtClean="0"/>
+              <a:rPr lang="ko-KR" altLang="en-US" noProof="0"/>
               <a:t>셋째 수준</a:t>
             </a:r>
           </a:p>
           <a:p>
             <a:pPr lvl="3"/>
             <a:r>
-              <a:rPr lang="ko-KR" altLang="en-US" noProof="0" smtClean="0"/>
+              <a:rPr lang="ko-KR" altLang="en-US" noProof="0"/>
               <a:t>넷째 수준</a:t>
             </a:r>
           </a:p>
           <a:p>
             <a:pPr lvl="4"/>
             <a:r>
-              <a:rPr lang="ko-KR" altLang="en-US" noProof="0" smtClean="0"/>
+              <a:rPr lang="ko-KR" altLang="en-US" noProof="0"/>
               <a:t>다섯째 수준</a:t>
             </a:r>
           </a:p>
@@ -991,23 +991,19 @@
           <a:p>
             <a:pPr algn="ctr"/>
             <a:r>
-              <a:rPr lang="ko-KR" altLang="en-US" smtClean="0">
+              <a:rPr lang="ko-KR" altLang="en-US">
                 <a:latin typeface="맑은 고딕" panose="020B0503020000020004" pitchFamily="50" charset="-127"/>
                 <a:ea typeface="맑은 고딕" panose="020B0503020000020004" pitchFamily="50" charset="-127"/>
               </a:rPr>
               <a:t>뷰어</a:t>
             </a:r>
             <a:r>
-              <a:rPr lang="ko-KR" altLang="en-US" dirty="0" smtClean="0">
+              <a:rPr lang="ko-KR" altLang="en-US" dirty="0">
                 <a:latin typeface="맑은 고딕" panose="020B0503020000020004" pitchFamily="50" charset="-127"/>
                 <a:ea typeface="맑은 고딕" panose="020B0503020000020004" pitchFamily="50" charset="-127"/>
               </a:rPr>
               <a:t> 영역</a:t>
             </a:r>
-            <a:endParaRPr lang="ko-KR" altLang="en-US" dirty="0">
-              <a:latin typeface="맑은 고딕" panose="020B0503020000020004" pitchFamily="50" charset="-127"/>
-              <a:ea typeface="맑은 고딕" panose="020B0503020000020004" pitchFamily="50" charset="-127"/>
-            </a:endParaRPr>
           </a:p>
         </p:txBody>
       </p:sp>
@@ -1056,23 +1052,19 @@
           <a:p>
             <a:pPr algn="ctr"/>
             <a:r>
-              <a:rPr lang="ko-KR" altLang="en-US" smtClean="0">
+              <a:rPr lang="ko-KR" altLang="en-US">
                 <a:latin typeface="맑은 고딕" panose="020B0503020000020004" pitchFamily="50" charset="-127"/>
                 <a:ea typeface="맑은 고딕" panose="020B0503020000020004" pitchFamily="50" charset="-127"/>
               </a:rPr>
               <a:t>뷰어</a:t>
             </a:r>
             <a:r>
-              <a:rPr lang="ko-KR" altLang="en-US" dirty="0" smtClean="0">
+              <a:rPr lang="ko-KR" altLang="en-US" dirty="0">
                 <a:latin typeface="맑은 고딕" panose="020B0503020000020004" pitchFamily="50" charset="-127"/>
                 <a:ea typeface="맑은 고딕" panose="020B0503020000020004" pitchFamily="50" charset="-127"/>
               </a:rPr>
               <a:t> 영역</a:t>
             </a:r>
-            <a:endParaRPr lang="ko-KR" altLang="en-US" dirty="0">
-              <a:latin typeface="맑은 고딕" panose="020B0503020000020004" pitchFamily="50" charset="-127"/>
-              <a:ea typeface="맑은 고딕" panose="020B0503020000020004" pitchFamily="50" charset="-127"/>
-            </a:endParaRPr>
           </a:p>
         </p:txBody>
       </p:sp>
@@ -1243,23 +1235,19 @@
           <a:p>
             <a:pPr algn="ctr"/>
             <a:r>
-              <a:rPr lang="ko-KR" altLang="en-US" smtClean="0">
+              <a:rPr lang="ko-KR" altLang="en-US">
                 <a:latin typeface="맑은 고딕" panose="020B0503020000020004" pitchFamily="50" charset="-127"/>
                 <a:ea typeface="맑은 고딕" panose="020B0503020000020004" pitchFamily="50" charset="-127"/>
               </a:rPr>
               <a:t>뷰어</a:t>
             </a:r>
             <a:r>
-              <a:rPr lang="ko-KR" altLang="en-US" dirty="0" smtClean="0">
+              <a:rPr lang="ko-KR" altLang="en-US" dirty="0">
                 <a:latin typeface="맑은 고딕" panose="020B0503020000020004" pitchFamily="50" charset="-127"/>
                 <a:ea typeface="맑은 고딕" panose="020B0503020000020004" pitchFamily="50" charset="-127"/>
               </a:rPr>
               <a:t> 영역</a:t>
             </a:r>
-            <a:endParaRPr lang="ko-KR" altLang="en-US" dirty="0">
-              <a:latin typeface="맑은 고딕" panose="020B0503020000020004" pitchFamily="50" charset="-127"/>
-              <a:ea typeface="맑은 고딕" panose="020B0503020000020004" pitchFamily="50" charset="-127"/>
-            </a:endParaRPr>
           </a:p>
         </p:txBody>
       </p:sp>
@@ -1308,23 +1296,19 @@
           <a:p>
             <a:pPr algn="ctr"/>
             <a:r>
-              <a:rPr lang="ko-KR" altLang="en-US" smtClean="0">
+              <a:rPr lang="ko-KR" altLang="en-US">
                 <a:latin typeface="맑은 고딕" panose="020B0503020000020004" pitchFamily="50" charset="-127"/>
                 <a:ea typeface="맑은 고딕" panose="020B0503020000020004" pitchFamily="50" charset="-127"/>
               </a:rPr>
               <a:t>뷰어</a:t>
             </a:r>
             <a:r>
-              <a:rPr lang="ko-KR" altLang="en-US" dirty="0" smtClean="0">
+              <a:rPr lang="ko-KR" altLang="en-US" dirty="0">
                 <a:latin typeface="맑은 고딕" panose="020B0503020000020004" pitchFamily="50" charset="-127"/>
                 <a:ea typeface="맑은 고딕" panose="020B0503020000020004" pitchFamily="50" charset="-127"/>
               </a:rPr>
               <a:t> 영역</a:t>
             </a:r>
-            <a:endParaRPr lang="ko-KR" altLang="en-US" dirty="0">
-              <a:latin typeface="맑은 고딕" panose="020B0503020000020004" pitchFamily="50" charset="-127"/>
-              <a:ea typeface="맑은 고딕" panose="020B0503020000020004" pitchFamily="50" charset="-127"/>
-            </a:endParaRPr>
           </a:p>
         </p:txBody>
       </p:sp>
@@ -1549,23 +1533,19 @@
           <a:p>
             <a:pPr algn="ctr"/>
             <a:r>
-              <a:rPr lang="ko-KR" altLang="en-US" smtClean="0">
+              <a:rPr lang="ko-KR" altLang="en-US">
                 <a:latin typeface="맑은 고딕" panose="020B0503020000020004" pitchFamily="50" charset="-127"/>
                 <a:ea typeface="맑은 고딕" panose="020B0503020000020004" pitchFamily="50" charset="-127"/>
               </a:rPr>
               <a:t>뷰어</a:t>
             </a:r>
             <a:r>
-              <a:rPr lang="ko-KR" altLang="en-US" dirty="0" smtClean="0">
+              <a:rPr lang="ko-KR" altLang="en-US" dirty="0">
                 <a:latin typeface="맑은 고딕" panose="020B0503020000020004" pitchFamily="50" charset="-127"/>
                 <a:ea typeface="맑은 고딕" panose="020B0503020000020004" pitchFamily="50" charset="-127"/>
               </a:rPr>
               <a:t> 영역</a:t>
             </a:r>
-            <a:endParaRPr lang="ko-KR" altLang="en-US" dirty="0">
-              <a:latin typeface="맑은 고딕" panose="020B0503020000020004" pitchFamily="50" charset="-127"/>
-              <a:ea typeface="맑은 고딕" panose="020B0503020000020004" pitchFamily="50" charset="-127"/>
-            </a:endParaRPr>
           </a:p>
         </p:txBody>
       </p:sp>
@@ -1614,23 +1594,19 @@
           <a:p>
             <a:pPr algn="ctr"/>
             <a:r>
-              <a:rPr lang="ko-KR" altLang="en-US" smtClean="0">
+              <a:rPr lang="ko-KR" altLang="en-US">
                 <a:latin typeface="맑은 고딕" panose="020B0503020000020004" pitchFamily="50" charset="-127"/>
                 <a:ea typeface="맑은 고딕" panose="020B0503020000020004" pitchFamily="50" charset="-127"/>
               </a:rPr>
               <a:t>뷰어</a:t>
             </a:r>
             <a:r>
-              <a:rPr lang="ko-KR" altLang="en-US" dirty="0" smtClean="0">
+              <a:rPr lang="ko-KR" altLang="en-US" dirty="0">
                 <a:latin typeface="맑은 고딕" panose="020B0503020000020004" pitchFamily="50" charset="-127"/>
                 <a:ea typeface="맑은 고딕" panose="020B0503020000020004" pitchFamily="50" charset="-127"/>
               </a:rPr>
               <a:t> 영역</a:t>
             </a:r>
-            <a:endParaRPr lang="ko-KR" altLang="en-US" dirty="0">
-              <a:latin typeface="맑은 고딕" panose="020B0503020000020004" pitchFamily="50" charset="-127"/>
-              <a:ea typeface="맑은 고딕" panose="020B0503020000020004" pitchFamily="50" charset="-127"/>
-            </a:endParaRPr>
           </a:p>
         </p:txBody>
       </p:sp>
@@ -1734,8 +1710,20 @@
             <a:tbl>
               <a:tblPr/>
               <a:tblGrid>
-                <a:gridCol w="6938661"/>
-                <a:gridCol w="2124376"/>
+                <a:gridCol w="6938661">
+                  <a:extLst>
+                    <a:ext uri="{9D8B030D-6E8A-4147-A177-3AD203B41FA5}">
+                      <a16:colId xmlns:a16="http://schemas.microsoft.com/office/drawing/2014/main" val="20000"/>
+                    </a:ext>
+                  </a:extLst>
+                </a:gridCol>
+                <a:gridCol w="2124376">
+                  <a:extLst>
+                    <a:ext uri="{9D8B030D-6E8A-4147-A177-3AD203B41FA5}">
+                      <a16:colId xmlns:a16="http://schemas.microsoft.com/office/drawing/2014/main" val="20001"/>
+                    </a:ext>
+                  </a:extLst>
+                </a:gridCol>
               </a:tblGrid>
               <a:tr h="5948362">
                 <a:tc>
@@ -1759,7 +1747,7 @@
                         <a:buNone/>
                         <a:tabLst/>
                       </a:pPr>
-                      <a:endParaRPr kumimoji="1" lang="ko-KR" altLang="ko-KR" sz="1400" b="0" i="0" u="none" strike="noStrike" cap="none" normalizeH="0" baseline="0" dirty="0" smtClean="0">
+                      <a:endParaRPr kumimoji="1" lang="ko-KR" altLang="ko-KR" sz="1400" b="0" i="0" u="none" strike="noStrike" cap="none" normalizeH="0" baseline="0" dirty="0">
                         <a:ln>
                           <a:noFill/>
                         </a:ln>
@@ -1851,7 +1839,7 @@
                         <a:buNone/>
                         <a:tabLst/>
                       </a:pPr>
-                      <a:endParaRPr kumimoji="1" lang="ko-KR" altLang="ko-KR" sz="1000" b="0" i="0" u="none" strike="noStrike" cap="none" normalizeH="0" baseline="0" dirty="0" smtClean="0">
+                      <a:endParaRPr kumimoji="1" lang="ko-KR" altLang="ko-KR" sz="1000" b="0" i="0" u="none" strike="noStrike" cap="none" normalizeH="0" baseline="0" dirty="0">
                         <a:ln>
                           <a:noFill/>
                         </a:ln>
@@ -1913,6 +1901,11 @@
                     <a:noFill/>
                   </a:tcPr>
                 </a:tc>
+                <a:extLst>
+                  <a:ext uri="{0D108BD9-81ED-4DB2-BD59-A6C34878D82A}">
+                    <a16:rowId xmlns:a16="http://schemas.microsoft.com/office/drawing/2014/main" val="10000"/>
+                  </a:ext>
+                </a:extLst>
               </a:tr>
             </a:tbl>
           </a:graphicData>
@@ -1935,14 +1928,62 @@
             <a:tbl>
               <a:tblPr/>
               <a:tblGrid>
-                <a:gridCol w="780574"/>
-                <a:gridCol w="889949"/>
-                <a:gridCol w="540056"/>
-                <a:gridCol w="2772323"/>
-                <a:gridCol w="648072"/>
-                <a:gridCol w="1330199"/>
-                <a:gridCol w="730255"/>
-                <a:gridCol w="1350972"/>
+                <a:gridCol w="780574">
+                  <a:extLst>
+                    <a:ext uri="{9D8B030D-6E8A-4147-A177-3AD203B41FA5}">
+                      <a16:colId xmlns:a16="http://schemas.microsoft.com/office/drawing/2014/main" val="20000"/>
+                    </a:ext>
+                  </a:extLst>
+                </a:gridCol>
+                <a:gridCol w="889949">
+                  <a:extLst>
+                    <a:ext uri="{9D8B030D-6E8A-4147-A177-3AD203B41FA5}">
+                      <a16:colId xmlns:a16="http://schemas.microsoft.com/office/drawing/2014/main" val="20001"/>
+                    </a:ext>
+                  </a:extLst>
+                </a:gridCol>
+                <a:gridCol w="540056">
+                  <a:extLst>
+                    <a:ext uri="{9D8B030D-6E8A-4147-A177-3AD203B41FA5}">
+                      <a16:colId xmlns:a16="http://schemas.microsoft.com/office/drawing/2014/main" val="20002"/>
+                    </a:ext>
+                  </a:extLst>
+                </a:gridCol>
+                <a:gridCol w="2772323">
+                  <a:extLst>
+                    <a:ext uri="{9D8B030D-6E8A-4147-A177-3AD203B41FA5}">
+                      <a16:colId xmlns:a16="http://schemas.microsoft.com/office/drawing/2014/main" val="20003"/>
+                    </a:ext>
+                  </a:extLst>
+                </a:gridCol>
+                <a:gridCol w="648072">
+                  <a:extLst>
+                    <a:ext uri="{9D8B030D-6E8A-4147-A177-3AD203B41FA5}">
+                      <a16:colId xmlns:a16="http://schemas.microsoft.com/office/drawing/2014/main" val="20004"/>
+                    </a:ext>
+                  </a:extLst>
+                </a:gridCol>
+                <a:gridCol w="1330199">
+                  <a:extLst>
+                    <a:ext uri="{9D8B030D-6E8A-4147-A177-3AD203B41FA5}">
+                      <a16:colId xmlns:a16="http://schemas.microsoft.com/office/drawing/2014/main" val="20005"/>
+                    </a:ext>
+                  </a:extLst>
+                </a:gridCol>
+                <a:gridCol w="730255">
+                  <a:extLst>
+                    <a:ext uri="{9D8B030D-6E8A-4147-A177-3AD203B41FA5}">
+                      <a16:colId xmlns:a16="http://schemas.microsoft.com/office/drawing/2014/main" val="20006"/>
+                    </a:ext>
+                  </a:extLst>
+                </a:gridCol>
+                <a:gridCol w="1350972">
+                  <a:extLst>
+                    <a:ext uri="{9D8B030D-6E8A-4147-A177-3AD203B41FA5}">
+                      <a16:colId xmlns:a16="http://schemas.microsoft.com/office/drawing/2014/main" val="20007"/>
+                    </a:ext>
+                  </a:extLst>
+                </a:gridCol>
               </a:tblGrid>
               <a:tr h="244402">
                 <a:tc>
@@ -1970,7 +2011,7 @@
                         </a:tabLst>
                       </a:pPr>
                       <a:r>
-                        <a:rPr kumimoji="1" lang="ko-KR" altLang="en-US" sz="800" b="1" i="0" u="none" strike="noStrike" cap="none" normalizeH="0" baseline="0" dirty="0" smtClean="0">
+                        <a:rPr kumimoji="1" lang="ko-KR" altLang="en-US" sz="800" b="1" i="0" u="none" strike="noStrike" cap="none" normalizeH="0" baseline="0" dirty="0">
                           <a:ln>
                             <a:noFill/>
                           </a:ln>
@@ -1984,7 +2025,7 @@
                         <a:t>학년</a:t>
                       </a:r>
                       <a:r>
-                        <a:rPr kumimoji="1" lang="en-US" altLang="ko-KR" sz="800" b="1" i="0" u="none" strike="noStrike" cap="none" normalizeH="0" baseline="0" dirty="0" smtClean="0">
+                        <a:rPr kumimoji="1" lang="en-US" altLang="ko-KR" sz="800" b="1" i="0" u="none" strike="noStrike" cap="none" normalizeH="0" baseline="0" dirty="0">
                           <a:ln>
                             <a:noFill/>
                           </a:ln>
@@ -1998,7 +2039,7 @@
                         <a:t>-</a:t>
                       </a:r>
                       <a:r>
-                        <a:rPr kumimoji="1" lang="ko-KR" altLang="en-US" sz="800" b="1" i="0" u="none" strike="noStrike" cap="none" normalizeH="0" baseline="0" dirty="0" smtClean="0">
+                        <a:rPr kumimoji="1" lang="ko-KR" altLang="en-US" sz="800" b="1" i="0" u="none" strike="noStrike" cap="none" normalizeH="0" baseline="0" dirty="0">
                           <a:ln>
                             <a:noFill/>
                           </a:ln>
@@ -2011,7 +2052,7 @@
                         </a:rPr>
                         <a:t>학기</a:t>
                       </a:r>
-                      <a:endParaRPr kumimoji="1" lang="en-US" altLang="ko-KR" sz="800" b="1" i="0" u="none" strike="noStrike" cap="none" normalizeH="0" baseline="0" dirty="0" smtClean="0">
+                      <a:endParaRPr kumimoji="1" lang="en-US" altLang="ko-KR" sz="800" b="1" i="0" u="none" strike="noStrike" cap="none" normalizeH="0" baseline="0" dirty="0">
                         <a:ln>
                           <a:noFill/>
                         </a:ln>
@@ -2095,7 +2136,7 @@
                         <a:buNone/>
                         <a:tabLst/>
                       </a:pPr>
-                      <a:endParaRPr kumimoji="0" lang="ko-KR" altLang="en-US" sz="800" b="0" i="0" u="none" strike="noStrike" cap="none" normalizeH="0" baseline="0" dirty="0" smtClean="0">
+                      <a:endParaRPr kumimoji="0" lang="ko-KR" altLang="en-US" sz="800" b="0" i="0" u="none" strike="noStrike" cap="none" normalizeH="0" baseline="0" dirty="0">
                         <a:ln>
                           <a:noFill/>
                         </a:ln>
@@ -2145,7 +2186,7 @@
                         </a:tabLst>
                       </a:pPr>
                       <a:r>
-                        <a:rPr kumimoji="1" lang="ko-KR" altLang="en-US" sz="800" b="1" i="0" u="none" strike="noStrike" cap="none" normalizeH="0" baseline="0" dirty="0" smtClean="0">
+                        <a:rPr kumimoji="1" lang="ko-KR" altLang="en-US" sz="800" b="1" i="0" u="none" strike="noStrike" cap="none" normalizeH="0" baseline="0" dirty="0">
                           <a:ln>
                             <a:noFill/>
                           </a:ln>
@@ -2158,7 +2199,7 @@
                         </a:rPr>
                         <a:t>단원</a:t>
                       </a:r>
-                      <a:endParaRPr kumimoji="1" lang="en-US" altLang="ko-KR" sz="800" b="1" i="0" u="none" strike="noStrike" cap="none" normalizeH="0" baseline="0" dirty="0" smtClean="0">
+                      <a:endParaRPr kumimoji="1" lang="en-US" altLang="ko-KR" sz="800" b="1" i="0" u="none" strike="noStrike" cap="none" normalizeH="0" baseline="0" dirty="0">
                         <a:ln>
                           <a:noFill/>
                         </a:ln>
@@ -2200,7 +2241,7 @@
                         <a:buNone/>
                         <a:tabLst/>
                       </a:pPr>
-                      <a:endParaRPr kumimoji="0" lang="en-US" altLang="ko-KR" sz="800" b="0" i="0" u="none" strike="noStrike" cap="none" normalizeH="0" baseline="0" dirty="0" smtClean="0">
+                      <a:endParaRPr kumimoji="0" lang="en-US" altLang="ko-KR" sz="800" b="0" i="0" u="none" strike="noStrike" cap="none" normalizeH="0" baseline="0" dirty="0">
                         <a:ln>
                           <a:noFill/>
                         </a:ln>
@@ -2237,7 +2278,7 @@
                         <a:tabLst/>
                       </a:pPr>
                       <a:r>
-                        <a:rPr kumimoji="0" lang="en-US" altLang="ko-KR" sz="800" b="1" i="0" u="none" strike="noStrike" cap="none" normalizeH="0" baseline="0" dirty="0" smtClean="0">
+                        <a:rPr kumimoji="0" lang="en-US" altLang="ko-KR" sz="800" b="1" i="0" u="none" strike="noStrike" cap="none" normalizeH="0" baseline="0" dirty="0">
                           <a:ln>
                             <a:noFill/>
                           </a:ln>
@@ -2312,7 +2353,7 @@
                         <a:buNone/>
                         <a:tabLst/>
                       </a:pPr>
-                      <a:endParaRPr kumimoji="0" lang="en-US" altLang="ko-KR" sz="800" b="0" i="0" u="none" strike="noStrike" cap="none" normalizeH="0" baseline="0" dirty="0" smtClean="0">
+                      <a:endParaRPr kumimoji="0" lang="en-US" altLang="ko-KR" sz="800" b="0" i="0" u="none" strike="noStrike" cap="none" normalizeH="0" baseline="0" dirty="0">
                         <a:ln>
                           <a:noFill/>
                         </a:ln>
@@ -2396,7 +2437,7 @@
                         </a:tabLst>
                       </a:pPr>
                       <a:r>
-                        <a:rPr kumimoji="1" lang="en-US" altLang="ko-KR" sz="800" b="1" i="0" u="none" strike="noStrike" cap="none" normalizeH="0" baseline="0" dirty="0" smtClean="0">
+                        <a:rPr kumimoji="1" lang="en-US" altLang="ko-KR" sz="800" b="1" i="0" u="none" strike="noStrike" cap="none" normalizeH="0" baseline="0" dirty="0">
                           <a:ln>
                             <a:noFill/>
                           </a:ln>
@@ -2483,7 +2524,7 @@
                           <a:tab pos="5400675" algn="r"/>
                         </a:tabLst>
                       </a:pPr>
-                      <a:endParaRPr kumimoji="1" lang="ko-KR" altLang="ko-KR" sz="800" b="0" i="0" u="none" strike="noStrike" cap="none" normalizeH="0" baseline="0" dirty="0" smtClean="0">
+                      <a:endParaRPr kumimoji="1" lang="ko-KR" altLang="ko-KR" sz="800" b="0" i="0" u="none" strike="noStrike" cap="none" normalizeH="0" baseline="0" dirty="0">
                         <a:ln>
                           <a:noFill/>
                         </a:ln>
@@ -2542,6 +2583,11 @@
                     <a:noFill/>
                   </a:tcPr>
                 </a:tc>
+                <a:extLst>
+                  <a:ext uri="{0D108BD9-81ED-4DB2-BD59-A6C34878D82A}">
+                    <a16:rowId xmlns:a16="http://schemas.microsoft.com/office/drawing/2014/main" val="10000"/>
+                  </a:ext>
+                </a:extLst>
               </a:tr>
               <a:tr h="227085">
                 <a:tc>
@@ -2569,7 +2615,7 @@
                         </a:tabLst>
                       </a:pPr>
                       <a:r>
-                        <a:rPr kumimoji="1" lang="ko-KR" altLang="en-US" sz="800" b="1" i="0" u="none" strike="noStrike" cap="none" normalizeH="0" baseline="0" dirty="0" smtClean="0">
+                        <a:rPr kumimoji="1" lang="ko-KR" altLang="en-US" sz="800" b="1" i="0" u="none" strike="noStrike" cap="none" normalizeH="0" baseline="0" dirty="0">
                           <a:ln>
                             <a:noFill/>
                           </a:ln>
@@ -2582,7 +2628,7 @@
                         </a:rPr>
                         <a:t>제재</a:t>
                       </a:r>
-                      <a:endParaRPr kumimoji="1" lang="en-US" altLang="ko-KR" sz="800" b="1" i="0" u="none" strike="noStrike" cap="none" normalizeH="0" baseline="0" dirty="0" smtClean="0">
+                      <a:endParaRPr kumimoji="1" lang="en-US" altLang="ko-KR" sz="800" b="1" i="0" u="none" strike="noStrike" cap="none" normalizeH="0" baseline="0" dirty="0">
                         <a:ln>
                           <a:noFill/>
                         </a:ln>
@@ -2633,7 +2679,7 @@
                         <a:buNone/>
                         <a:tabLst/>
                       </a:pPr>
-                      <a:endParaRPr kumimoji="0" lang="ko-KR" altLang="en-US" sz="800" b="0" i="0" u="none" strike="noStrike" cap="none" normalizeH="0" baseline="0" dirty="0" smtClean="0">
+                      <a:endParaRPr kumimoji="0" lang="ko-KR" altLang="en-US" sz="800" b="0" i="0" u="none" strike="noStrike" cap="none" normalizeH="0" baseline="0" dirty="0">
                         <a:ln>
                           <a:noFill/>
                         </a:ln>
@@ -2673,7 +2719,7 @@
                         </a:tabLst>
                       </a:pPr>
                       <a:r>
-                        <a:rPr kumimoji="1" lang="ko-KR" altLang="en-US" sz="800" b="1" i="0" u="none" strike="noStrike" cap="none" normalizeH="0" baseline="0" dirty="0" err="1" smtClean="0">
+                        <a:rPr kumimoji="1" lang="ko-KR" altLang="en-US" sz="800" b="1" i="0" u="none" strike="noStrike" cap="none" normalizeH="0" baseline="0" dirty="0" err="1">
                           <a:ln>
                             <a:noFill/>
                           </a:ln>
@@ -2686,7 +2732,7 @@
                         </a:rPr>
                         <a:t>차시</a:t>
                       </a:r>
-                      <a:endParaRPr kumimoji="1" lang="en-US" altLang="ko-KR" sz="800" b="1" i="0" u="none" strike="noStrike" cap="none" normalizeH="0" baseline="0" dirty="0" smtClean="0">
+                      <a:endParaRPr kumimoji="1" lang="en-US" altLang="ko-KR" sz="800" b="1" i="0" u="none" strike="noStrike" cap="none" normalizeH="0" baseline="0" dirty="0">
                         <a:ln>
                           <a:noFill/>
                         </a:ln>
@@ -2728,7 +2774,7 @@
                         <a:buNone/>
                         <a:tabLst/>
                       </a:pPr>
-                      <a:endParaRPr kumimoji="0" lang="en-US" altLang="ko-KR" sz="800" b="0" i="0" u="none" strike="noStrike" cap="none" normalizeH="0" baseline="0" dirty="0" smtClean="0">
+                      <a:endParaRPr kumimoji="0" lang="en-US" altLang="ko-KR" sz="800" b="0" i="0" u="none" strike="noStrike" cap="none" normalizeH="0" baseline="0" dirty="0">
                         <a:ln>
                           <a:noFill/>
                         </a:ln>
@@ -2765,7 +2811,7 @@
                         <a:tabLst/>
                       </a:pPr>
                       <a:r>
-                        <a:rPr kumimoji="0" lang="en-US" altLang="ko-KR" sz="800" b="1" i="0" u="none" strike="noStrike" cap="none" normalizeH="0" baseline="0" dirty="0" smtClean="0">
+                        <a:rPr kumimoji="0" lang="en-US" altLang="ko-KR" sz="800" b="1" i="0" u="none" strike="noStrike" cap="none" normalizeH="0" baseline="0" dirty="0">
                           <a:ln>
                             <a:noFill/>
                           </a:ln>
@@ -2816,7 +2862,7 @@
                         <a:buNone/>
                         <a:tabLst/>
                       </a:pPr>
-                      <a:endParaRPr kumimoji="0" lang="en-US" altLang="ko-KR" sz="800" b="0" i="0" u="none" strike="noStrike" cap="none" normalizeH="0" baseline="0" dirty="0" smtClean="0">
+                      <a:endParaRPr kumimoji="0" lang="en-US" altLang="ko-KR" sz="800" b="0" i="0" u="none" strike="noStrike" cap="none" normalizeH="0" baseline="0" dirty="0">
                         <a:ln>
                           <a:noFill/>
                         </a:ln>
@@ -2865,7 +2911,7 @@
                           <a:tab pos="5400675" algn="r"/>
                         </a:tabLst>
                       </a:pPr>
-                      <a:endParaRPr kumimoji="1" lang="en-US" altLang="ko-KR" sz="800" b="1" i="0" u="none" strike="noStrike" cap="none" normalizeH="0" baseline="0" dirty="0" smtClean="0">
+                      <a:endParaRPr kumimoji="1" lang="en-US" altLang="ko-KR" sz="800" b="1" i="0" u="none" strike="noStrike" cap="none" normalizeH="0" baseline="0" dirty="0">
                         <a:ln>
                           <a:noFill/>
                         </a:ln>
@@ -2941,7 +2987,7 @@
                           <a:tab pos="5400675" algn="r"/>
                         </a:tabLst>
                       </a:pPr>
-                      <a:endParaRPr kumimoji="1" lang="ko-KR" altLang="ko-KR" sz="800" b="1" i="0" u="none" strike="noStrike" cap="none" normalizeH="0" baseline="0" dirty="0" smtClean="0">
+                      <a:endParaRPr kumimoji="1" lang="ko-KR" altLang="ko-KR" sz="800" b="1" i="0" u="none" strike="noStrike" cap="none" normalizeH="0" baseline="0" dirty="0">
                         <a:ln>
                           <a:noFill/>
                         </a:ln>
@@ -3002,6 +3048,11 @@
                     </a:solidFill>
                   </a:tcPr>
                 </a:tc>
+                <a:extLst>
+                  <a:ext uri="{0D108BD9-81ED-4DB2-BD59-A6C34878D82A}">
+                    <a16:rowId xmlns:a16="http://schemas.microsoft.com/office/drawing/2014/main" val="10001"/>
+                  </a:ext>
+                </a:extLst>
               </a:tr>
             </a:tbl>
           </a:graphicData>
@@ -3070,7 +3121,13 @@
             <a:tbl>
               <a:tblPr/>
               <a:tblGrid>
-                <a:gridCol w="6923853"/>
+                <a:gridCol w="6923853">
+                  <a:extLst>
+                    <a:ext uri="{9D8B030D-6E8A-4147-A177-3AD203B41FA5}">
+                      <a16:colId xmlns:a16="http://schemas.microsoft.com/office/drawing/2014/main" val="20000"/>
+                    </a:ext>
+                  </a:extLst>
+                </a:gridCol>
               </a:tblGrid>
               <a:tr h="808038">
                 <a:tc>
@@ -3125,6 +3182,11 @@
                     <a:noFill/>
                   </a:tcPr>
                 </a:tc>
+                <a:extLst>
+                  <a:ext uri="{0D108BD9-81ED-4DB2-BD59-A6C34878D82A}">
+                    <a16:rowId xmlns:a16="http://schemas.microsoft.com/office/drawing/2014/main" val="10000"/>
+                  </a:ext>
+                </a:extLst>
               </a:tr>
             </a:tbl>
           </a:graphicData>
@@ -3147,7 +3209,13 @@
             <a:tbl>
               <a:tblPr/>
               <a:tblGrid>
-                <a:gridCol w="576263"/>
+                <a:gridCol w="576263">
+                  <a:extLst>
+                    <a:ext uri="{9D8B030D-6E8A-4147-A177-3AD203B41FA5}">
+                      <a16:colId xmlns:a16="http://schemas.microsoft.com/office/drawing/2014/main" val="20000"/>
+                    </a:ext>
+                  </a:extLst>
+                </a:gridCol>
               </a:tblGrid>
               <a:tr h="187325">
                 <a:tc>
@@ -3172,7 +3240,7 @@
                         <a:tabLst/>
                       </a:pPr>
                       <a:r>
-                        <a:rPr kumimoji="1" lang="en-US" altLang="ko-KR" sz="1000" b="0" i="0" u="none" strike="noStrike" cap="none" normalizeH="0" baseline="0" dirty="0" smtClean="0">
+                        <a:rPr kumimoji="1" lang="en-US" altLang="ko-KR" sz="1000" b="0" i="0" u="none" strike="noStrike" cap="none" normalizeH="0" baseline="0" dirty="0">
                           <a:ln>
                             <a:noFill/>
                           </a:ln>
@@ -3186,7 +3254,7 @@
                         <a:t>Θ </a:t>
                       </a:r>
                       <a:r>
-                        <a:rPr kumimoji="1" lang="ko-KR" altLang="en-US" sz="1000" b="0" i="0" u="none" strike="noStrike" cap="none" normalizeH="0" baseline="0" dirty="0" smtClean="0">
+                        <a:rPr kumimoji="1" lang="ko-KR" altLang="en-US" sz="1000" b="0" i="0" u="none" strike="noStrike" cap="none" normalizeH="0" baseline="0" dirty="0">
                           <a:ln>
                             <a:noFill/>
                           </a:ln>
@@ -3249,6 +3317,11 @@
                     </a:solidFill>
                   </a:tcPr>
                 </a:tc>
+                <a:extLst>
+                  <a:ext uri="{0D108BD9-81ED-4DB2-BD59-A6C34878D82A}">
+                    <a16:rowId xmlns:a16="http://schemas.microsoft.com/office/drawing/2014/main" val="10000"/>
+                  </a:ext>
+                </a:extLst>
               </a:tr>
             </a:tbl>
           </a:graphicData>
@@ -3274,7 +3347,6 @@
           <a:ln>
             <a:noFill/>
           </a:ln>
-          <a:extLst/>
         </p:spPr>
         <p:txBody>
           <a:bodyPr>
@@ -3404,7 +3476,7 @@
               </a:pPr>
               <a:t>‹#›</a:t>
             </a:fld>
-            <a:endParaRPr lang="ko-KR" altLang="en-US" sz="1000" smtClean="0">
+            <a:endParaRPr lang="ko-KR" altLang="en-US" sz="1000">
               <a:solidFill>
                 <a:srgbClr val="FF0000"/>
               </a:solidFill>
@@ -3851,12 +3923,48 @@
             <a:tbl>
               <a:tblPr/>
               <a:tblGrid>
-                <a:gridCol w="423863"/>
-                <a:gridCol w="560387"/>
-                <a:gridCol w="984250"/>
-                <a:gridCol w="4926013"/>
-                <a:gridCol w="1243012"/>
-                <a:gridCol w="792163"/>
+                <a:gridCol w="423863">
+                  <a:extLst>
+                    <a:ext uri="{9D8B030D-6E8A-4147-A177-3AD203B41FA5}">
+                      <a16:colId xmlns:a16="http://schemas.microsoft.com/office/drawing/2014/main" val="20000"/>
+                    </a:ext>
+                  </a:extLst>
+                </a:gridCol>
+                <a:gridCol w="560387">
+                  <a:extLst>
+                    <a:ext uri="{9D8B030D-6E8A-4147-A177-3AD203B41FA5}">
+                      <a16:colId xmlns:a16="http://schemas.microsoft.com/office/drawing/2014/main" val="20001"/>
+                    </a:ext>
+                  </a:extLst>
+                </a:gridCol>
+                <a:gridCol w="984250">
+                  <a:extLst>
+                    <a:ext uri="{9D8B030D-6E8A-4147-A177-3AD203B41FA5}">
+                      <a16:colId xmlns:a16="http://schemas.microsoft.com/office/drawing/2014/main" val="20002"/>
+                    </a:ext>
+                  </a:extLst>
+                </a:gridCol>
+                <a:gridCol w="4926013">
+                  <a:extLst>
+                    <a:ext uri="{9D8B030D-6E8A-4147-A177-3AD203B41FA5}">
+                      <a16:colId xmlns:a16="http://schemas.microsoft.com/office/drawing/2014/main" val="20003"/>
+                    </a:ext>
+                  </a:extLst>
+                </a:gridCol>
+                <a:gridCol w="1243012">
+                  <a:extLst>
+                    <a:ext uri="{9D8B030D-6E8A-4147-A177-3AD203B41FA5}">
+                      <a16:colId xmlns:a16="http://schemas.microsoft.com/office/drawing/2014/main" val="20004"/>
+                    </a:ext>
+                  </a:extLst>
+                </a:gridCol>
+                <a:gridCol w="792163">
+                  <a:extLst>
+                    <a:ext uri="{9D8B030D-6E8A-4147-A177-3AD203B41FA5}">
+                      <a16:colId xmlns:a16="http://schemas.microsoft.com/office/drawing/2014/main" val="20005"/>
+                    </a:ext>
+                  </a:extLst>
+                </a:gridCol>
               </a:tblGrid>
               <a:tr h="646113">
                 <a:tc>
@@ -3881,7 +3989,7 @@
                         <a:tabLst/>
                       </a:pPr>
                       <a:r>
-                        <a:rPr kumimoji="0" lang="ko-KR" altLang="en-US" sz="1000" b="1" i="0" u="none" strike="noStrike" cap="none" normalizeH="0" baseline="0" dirty="0" smtClean="0">
+                        <a:rPr kumimoji="0" lang="ko-KR" altLang="en-US" sz="1000" b="1" i="0" u="none" strike="noStrike" cap="none" normalizeH="0" baseline="0" dirty="0">
                           <a:ln>
                             <a:noFill/>
                           </a:ln>
@@ -3960,7 +4068,7 @@
                         <a:tabLst/>
                       </a:pPr>
                       <a:r>
-                        <a:rPr kumimoji="0" lang="ko-KR" altLang="en-US" sz="1000" b="1" i="0" u="none" strike="noStrike" cap="none" normalizeH="0" baseline="0" smtClean="0">
+                        <a:rPr kumimoji="0" lang="ko-KR" altLang="en-US" sz="1000" b="1" i="0" u="none" strike="noStrike" cap="none" normalizeH="0" baseline="0">
                           <a:ln>
                             <a:noFill/>
                           </a:ln>
@@ -4045,7 +4153,7 @@
                         <a:tabLst/>
                       </a:pPr>
                       <a:r>
-                        <a:rPr kumimoji="0" lang="ko-KR" altLang="en-US" sz="1000" b="1" i="0" u="none" strike="noStrike" cap="none" normalizeH="0" baseline="0" smtClean="0">
+                        <a:rPr kumimoji="0" lang="ko-KR" altLang="en-US" sz="1000" b="1" i="0" u="none" strike="noStrike" cap="none" normalizeH="0" baseline="0">
                           <a:ln>
                             <a:noFill/>
                           </a:ln>
@@ -4130,7 +4238,7 @@
                         <a:tabLst/>
                       </a:pPr>
                       <a:r>
-                        <a:rPr kumimoji="0" lang="ko-KR" altLang="en-US" sz="1000" b="1" i="0" u="none" strike="noStrike" cap="none" normalizeH="0" baseline="0" smtClean="0">
+                        <a:rPr kumimoji="0" lang="ko-KR" altLang="en-US" sz="1000" b="1" i="0" u="none" strike="noStrike" cap="none" normalizeH="0" baseline="0">
                           <a:ln>
                             <a:noFill/>
                           </a:ln>
@@ -4215,7 +4323,7 @@
                         <a:tabLst/>
                       </a:pPr>
                       <a:r>
-                        <a:rPr kumimoji="0" lang="ko-KR" altLang="en-US" sz="1000" b="1" i="0" u="none" strike="noStrike" cap="none" normalizeH="0" baseline="0" smtClean="0">
+                        <a:rPr kumimoji="0" lang="ko-KR" altLang="en-US" sz="1000" b="1" i="0" u="none" strike="noStrike" cap="none" normalizeH="0" baseline="0">
                           <a:ln>
                             <a:noFill/>
                           </a:ln>
@@ -4228,7 +4336,7 @@
                         </a:rPr>
                         <a:t>작성자</a:t>
                       </a:r>
-                      <a:endParaRPr kumimoji="0" lang="en-US" altLang="ko-KR" sz="1000" b="1" i="0" u="none" strike="noStrike" cap="none" normalizeH="0" baseline="0" smtClean="0">
+                      <a:endParaRPr kumimoji="0" lang="en-US" altLang="ko-KR" sz="1000" b="1" i="0" u="none" strike="noStrike" cap="none" normalizeH="0" baseline="0">
                         <a:ln>
                           <a:noFill/>
                         </a:ln>
@@ -4258,7 +4366,7 @@
                         <a:tabLst/>
                       </a:pPr>
                       <a:r>
-                        <a:rPr kumimoji="0" lang="en-US" altLang="ko-KR" sz="1000" b="1" i="0" u="none" strike="noStrike" cap="none" normalizeH="0" baseline="0" smtClean="0">
+                        <a:rPr kumimoji="0" lang="en-US" altLang="ko-KR" sz="1000" b="1" i="0" u="none" strike="noStrike" cap="none" normalizeH="0" baseline="0">
                           <a:ln>
                             <a:noFill/>
                           </a:ln>
@@ -4272,7 +4380,7 @@
                         <a:t>(</a:t>
                       </a:r>
                       <a:r>
-                        <a:rPr kumimoji="0" lang="ko-KR" altLang="en-US" sz="1000" b="1" i="0" u="none" strike="noStrike" cap="none" normalizeH="0" baseline="0" smtClean="0">
+                        <a:rPr kumimoji="0" lang="ko-KR" altLang="en-US" sz="1000" b="1" i="0" u="none" strike="noStrike" cap="none" normalizeH="0" baseline="0">
                           <a:ln>
                             <a:noFill/>
                           </a:ln>
@@ -4286,7 +4394,7 @@
                         <a:t>내선번호</a:t>
                       </a:r>
                       <a:r>
-                        <a:rPr kumimoji="0" lang="en-US" altLang="ko-KR" sz="1000" b="1" i="0" u="none" strike="noStrike" cap="none" normalizeH="0" baseline="0" smtClean="0">
+                        <a:rPr kumimoji="0" lang="en-US" altLang="ko-KR" sz="1000" b="1" i="0" u="none" strike="noStrike" cap="none" normalizeH="0" baseline="0">
                           <a:ln>
                             <a:noFill/>
                           </a:ln>
@@ -4299,7 +4407,7 @@
                         </a:rPr>
                         <a:t>)</a:t>
                       </a:r>
-                      <a:endParaRPr kumimoji="0" lang="ko-KR" altLang="en-US" sz="1000" b="1" i="0" u="none" strike="noStrike" cap="none" normalizeH="0" baseline="0" smtClean="0">
+                      <a:endParaRPr kumimoji="0" lang="ko-KR" altLang="en-US" sz="1000" b="1" i="0" u="none" strike="noStrike" cap="none" normalizeH="0" baseline="0">
                         <a:ln>
                           <a:noFill/>
                         </a:ln>
@@ -4382,7 +4490,7 @@
                         <a:tabLst/>
                       </a:pPr>
                       <a:r>
-                        <a:rPr kumimoji="0" lang="ko-KR" altLang="en-US" sz="1000" b="1" i="0" u="none" strike="noStrike" cap="none" normalizeH="0" baseline="0" smtClean="0">
+                        <a:rPr kumimoji="0" lang="ko-KR" altLang="en-US" sz="1000" b="1" i="0" u="none" strike="noStrike" cap="none" normalizeH="0" baseline="0">
                           <a:ln>
                             <a:noFill/>
                           </a:ln>
@@ -4439,6 +4547,11 @@
                     </a:solidFill>
                   </a:tcPr>
                 </a:tc>
+                <a:extLst>
+                  <a:ext uri="{0D108BD9-81ED-4DB2-BD59-A6C34878D82A}">
+                    <a16:rowId xmlns:a16="http://schemas.microsoft.com/office/drawing/2014/main" val="10000"/>
+                  </a:ext>
+                </a:extLst>
               </a:tr>
               <a:tr h="228600">
                 <a:tc>
@@ -4463,7 +4576,7 @@
                         <a:tabLst/>
                       </a:pPr>
                       <a:r>
-                        <a:rPr kumimoji="0" lang="en-US" altLang="ko-KR" sz="1000" b="0" i="0" u="none" strike="noStrike" cap="none" normalizeH="0" baseline="0" smtClean="0">
+                        <a:rPr kumimoji="0" lang="en-US" altLang="ko-KR" sz="1000" b="0" i="0" u="none" strike="noStrike" cap="none" normalizeH="0" baseline="0">
                           <a:ln>
                             <a:noFill/>
                           </a:ln>
@@ -4542,7 +4655,7 @@
                         <a:tabLst/>
                       </a:pPr>
                       <a:r>
-                        <a:rPr kumimoji="0" lang="en-US" altLang="ko-KR" sz="1000" b="0" i="0" u="none" strike="noStrike" cap="none" normalizeH="0" baseline="0" dirty="0" smtClean="0">
+                        <a:rPr kumimoji="0" lang="en-US" altLang="ko-KR" sz="1000" b="0" i="0" u="none" strike="noStrike" cap="none" normalizeH="0" baseline="0" dirty="0">
                           <a:ln>
                             <a:noFill/>
                           </a:ln>
@@ -4627,7 +4740,7 @@
                         <a:tabLst/>
                       </a:pPr>
                       <a:r>
-                        <a:rPr kumimoji="0" lang="en-US" altLang="ko-KR" sz="1000" b="0" i="0" u="none" strike="noStrike" cap="none" normalizeH="0" baseline="0" smtClean="0">
+                        <a:rPr kumimoji="0" lang="en-US" altLang="ko-KR" sz="1000" b="0" i="0" u="none" strike="noStrike" cap="none" normalizeH="0" baseline="0">
                           <a:ln>
                             <a:noFill/>
                           </a:ln>
@@ -4640,7 +4753,7 @@
                         </a:rPr>
                         <a:t>2022.02.18</a:t>
                       </a:r>
-                      <a:endParaRPr kumimoji="0" lang="en-US" altLang="ko-KR" sz="1000" b="0" i="0" u="none" strike="noStrike" cap="none" normalizeH="0" baseline="0" dirty="0" smtClean="0">
+                      <a:endParaRPr kumimoji="0" lang="en-US" altLang="ko-KR" sz="1000" b="0" i="0" u="none" strike="noStrike" cap="none" normalizeH="0" baseline="0" dirty="0">
                         <a:ln>
                           <a:noFill/>
                         </a:ln>
@@ -4723,7 +4836,7 @@
                         <a:tabLst/>
                       </a:pPr>
                       <a:r>
-                        <a:rPr kumimoji="0" lang="ko-KR" altLang="en-US" sz="1000" b="0" i="0" u="none" strike="noStrike" cap="none" normalizeH="0" baseline="0" dirty="0" smtClean="0">
+                        <a:rPr kumimoji="0" lang="ko-KR" altLang="en-US" sz="1000" b="0" i="0" u="none" strike="noStrike" cap="none" normalizeH="0" baseline="0" dirty="0">
                           <a:ln>
                             <a:noFill/>
                           </a:ln>
@@ -4736,7 +4849,7 @@
                         </a:rPr>
                         <a:t>문서 발생</a:t>
                       </a:r>
-                      <a:endParaRPr kumimoji="0" lang="ko-KR" altLang="ko-KR" sz="1000" b="0" i="0" u="none" strike="noStrike" cap="none" normalizeH="0" baseline="0" dirty="0" smtClean="0">
+                      <a:endParaRPr kumimoji="0" lang="ko-KR" altLang="ko-KR" sz="1000" b="0" i="0" u="none" strike="noStrike" cap="none" normalizeH="0" baseline="0" dirty="0">
                         <a:ln>
                           <a:noFill/>
                         </a:ln>
@@ -4819,7 +4932,7 @@
                         <a:tabLst/>
                       </a:pPr>
                       <a:r>
-                        <a:rPr kumimoji="0" lang="ko-KR" altLang="en-US" sz="1000" b="0" i="0" u="none" strike="noStrike" cap="none" normalizeH="0" baseline="0" dirty="0" err="1" smtClean="0">
+                        <a:rPr kumimoji="0" lang="ko-KR" altLang="en-US" sz="1000" b="0" i="0" u="none" strike="noStrike" cap="none" normalizeH="0" baseline="0" dirty="0" err="1">
                           <a:ln>
                             <a:noFill/>
                           </a:ln>
@@ -4832,7 +4945,7 @@
                         </a:rPr>
                         <a:t>유청훈</a:t>
                       </a:r>
-                      <a:endParaRPr kumimoji="0" lang="ko-KR" altLang="en-US" sz="1000" b="0" i="0" u="none" strike="noStrike" cap="none" normalizeH="0" baseline="0" dirty="0" smtClean="0">
+                      <a:endParaRPr kumimoji="0" lang="ko-KR" altLang="en-US" sz="1000" b="0" i="0" u="none" strike="noStrike" cap="none" normalizeH="0" baseline="0" dirty="0">
                         <a:ln>
                           <a:noFill/>
                         </a:ln>
@@ -4914,7 +5027,7 @@
                         <a:buNone/>
                         <a:tabLst/>
                       </a:pPr>
-                      <a:endParaRPr kumimoji="0" lang="ko-KR" altLang="ko-KR" sz="1000" b="0" i="0" u="none" strike="noStrike" cap="none" normalizeH="0" baseline="0" dirty="0" smtClean="0">
+                      <a:endParaRPr kumimoji="0" lang="ko-KR" altLang="ko-KR" sz="1000" b="0" i="0" u="none" strike="noStrike" cap="none" normalizeH="0" baseline="0" dirty="0">
                         <a:ln>
                           <a:noFill/>
                         </a:ln>
@@ -4969,6 +5082,11 @@
                     </a:solidFill>
                   </a:tcPr>
                 </a:tc>
+                <a:extLst>
+                  <a:ext uri="{0D108BD9-81ED-4DB2-BD59-A6C34878D82A}">
+                    <a16:rowId xmlns:a16="http://schemas.microsoft.com/office/drawing/2014/main" val="10001"/>
+                  </a:ext>
+                </a:extLst>
               </a:tr>
               <a:tr h="217488">
                 <a:tc>
@@ -4993,7 +5111,7 @@
                         <a:tabLst/>
                       </a:pPr>
                       <a:r>
-                        <a:rPr kumimoji="0" lang="en-US" altLang="ko-KR" sz="1000" b="0" i="0" u="none" strike="noStrike" cap="none" normalizeH="0" baseline="0" dirty="0" smtClean="0">
+                        <a:rPr kumimoji="0" lang="en-US" altLang="ko-KR" sz="1000" b="0" i="0" u="none" strike="noStrike" cap="none" normalizeH="0" baseline="0" dirty="0">
                           <a:ln>
                             <a:noFill/>
                           </a:ln>
@@ -5158,7 +5276,7 @@
                         <a:tabLst/>
                       </a:pPr>
                       <a:r>
-                        <a:rPr kumimoji="0" lang="en-US" altLang="ko-KR" sz="1000" b="0" i="0" u="none" strike="noStrike" cap="none" normalizeH="0" baseline="0" smtClean="0">
+                        <a:rPr kumimoji="0" lang="en-US" altLang="ko-KR" sz="1000" b="0" i="0" u="none" strike="noStrike" cap="none" normalizeH="0" baseline="0">
                           <a:ln>
                             <a:noFill/>
                           </a:ln>
@@ -5514,6 +5632,11 @@
                     </a:solidFill>
                   </a:tcPr>
                 </a:tc>
+                <a:extLst>
+                  <a:ext uri="{0D108BD9-81ED-4DB2-BD59-A6C34878D82A}">
+                    <a16:rowId xmlns:a16="http://schemas.microsoft.com/office/drawing/2014/main" val="10002"/>
+                  </a:ext>
+                </a:extLst>
               </a:tr>
               <a:tr h="126759">
                 <a:tc>
@@ -5538,7 +5661,7 @@
                         <a:tabLst/>
                       </a:pPr>
                       <a:r>
-                        <a:rPr kumimoji="0" lang="en-US" altLang="ko-KR" sz="1000" b="0" i="0" u="none" strike="noStrike" cap="none" normalizeH="0" baseline="0" dirty="0" smtClean="0">
+                        <a:rPr kumimoji="0" lang="en-US" altLang="ko-KR" sz="1000" b="0" i="0" u="none" strike="noStrike" cap="none" normalizeH="0" baseline="0" dirty="0">
                           <a:ln>
                             <a:noFill/>
                           </a:ln>
@@ -5618,7 +5741,7 @@
                         <a:defRPr/>
                       </a:pPr>
                       <a:r>
-                        <a:rPr kumimoji="0" lang="en-US" altLang="ko-KR" sz="1000" b="0" i="0" u="none" strike="noStrike" cap="none" normalizeH="0" baseline="0" dirty="0" smtClean="0">
+                        <a:rPr kumimoji="0" lang="en-US" altLang="ko-KR" sz="1000" b="0" i="0" u="none" strike="noStrike" cap="none" normalizeH="0" baseline="0" dirty="0">
                           <a:ln>
                             <a:noFill/>
                           </a:ln>
@@ -5703,7 +5826,7 @@
                         <a:tabLst/>
                       </a:pPr>
                       <a:r>
-                        <a:rPr kumimoji="0" lang="en-US" altLang="ko-KR" sz="1000" b="0" i="0" u="none" strike="noStrike" cap="none" normalizeH="0" baseline="0" dirty="0" smtClean="0">
+                        <a:rPr kumimoji="0" lang="en-US" altLang="ko-KR" sz="1000" b="0" i="0" u="none" strike="noStrike" cap="none" normalizeH="0" baseline="0" dirty="0">
                           <a:ln>
                             <a:noFill/>
                           </a:ln>
@@ -5788,7 +5911,7 @@
                         <a:tabLst/>
                       </a:pPr>
                       <a:r>
-                        <a:rPr kumimoji="0" lang="en-US" altLang="ko-KR" sz="1000" b="0" i="0" u="none" strike="noStrike" cap="none" normalizeH="0" baseline="0" dirty="0" smtClean="0">
+                        <a:rPr kumimoji="0" lang="en-US" altLang="ko-KR" sz="1000" b="0" i="0" u="none" strike="noStrike" cap="none" normalizeH="0" baseline="0" dirty="0">
                           <a:ln>
                             <a:noFill/>
                           </a:ln>
@@ -5802,7 +5925,7 @@
                         <a:t>2</a:t>
                       </a:r>
                       <a:r>
-                        <a:rPr kumimoji="0" lang="ko-KR" altLang="en-US" sz="1000" b="0" i="0" u="none" strike="noStrike" cap="none" normalizeH="0" baseline="0" dirty="0" smtClean="0">
+                        <a:rPr kumimoji="0" lang="ko-KR" altLang="en-US" sz="1000" b="0" i="0" u="none" strike="noStrike" cap="none" normalizeH="0" baseline="0" dirty="0">
                           <a:ln>
                             <a:noFill/>
                           </a:ln>
@@ -5815,7 +5938,7 @@
                         </a:rPr>
                         <a:t>차 검수</a:t>
                       </a:r>
-                      <a:endParaRPr kumimoji="0" lang="ko-KR" altLang="ko-KR" sz="1000" b="0" i="0" u="none" strike="noStrike" cap="none" normalizeH="0" baseline="0" dirty="0" smtClean="0">
+                      <a:endParaRPr kumimoji="0" lang="ko-KR" altLang="ko-KR" sz="1000" b="0" i="0" u="none" strike="noStrike" cap="none" normalizeH="0" baseline="0" dirty="0">
                         <a:ln>
                           <a:noFill/>
                         </a:ln>
@@ -5897,7 +6020,7 @@
                         <a:buNone/>
                         <a:tabLst/>
                       </a:pPr>
-                      <a:endParaRPr kumimoji="0" lang="ko-KR" altLang="en-US" sz="1000" b="0" i="0" u="none" strike="noStrike" cap="none" normalizeH="0" baseline="0" dirty="0" smtClean="0">
+                      <a:endParaRPr kumimoji="0" lang="ko-KR" altLang="en-US" sz="1000" b="0" i="0" u="none" strike="noStrike" cap="none" normalizeH="0" baseline="0" dirty="0">
                         <a:ln>
                           <a:noFill/>
                         </a:ln>
@@ -5980,7 +6103,7 @@
                         <a:tabLst/>
                       </a:pPr>
                       <a:r>
-                        <a:rPr kumimoji="0" lang="ko-KR" altLang="en-US" sz="1000" b="0" i="0" u="none" strike="noStrike" cap="none" normalizeH="0" baseline="0" dirty="0" smtClean="0">
+                        <a:rPr kumimoji="0" lang="ko-KR" altLang="en-US" sz="1000" b="0" i="0" u="none" strike="noStrike" cap="none" normalizeH="0" baseline="0" dirty="0">
                           <a:ln>
                             <a:noFill/>
                           </a:ln>
@@ -5993,7 +6116,7 @@
                         </a:rPr>
                         <a:t>김예림</a:t>
                       </a:r>
-                      <a:endParaRPr kumimoji="0" lang="ko-KR" altLang="ko-KR" sz="1000" b="0" i="0" u="none" strike="noStrike" cap="none" normalizeH="0" baseline="0" dirty="0" smtClean="0">
+                      <a:endParaRPr kumimoji="0" lang="ko-KR" altLang="ko-KR" sz="1000" b="0" i="0" u="none" strike="noStrike" cap="none" normalizeH="0" baseline="0" dirty="0">
                         <a:ln>
                           <a:noFill/>
                         </a:ln>
@@ -6048,6 +6171,11 @@
                     </a:solidFill>
                   </a:tcPr>
                 </a:tc>
+                <a:extLst>
+                  <a:ext uri="{0D108BD9-81ED-4DB2-BD59-A6C34878D82A}">
+                    <a16:rowId xmlns:a16="http://schemas.microsoft.com/office/drawing/2014/main" val="10003"/>
+                  </a:ext>
+                </a:extLst>
               </a:tr>
               <a:tr h="227013">
                 <a:tc>
@@ -6072,7 +6200,7 @@
                         <a:tabLst/>
                       </a:pPr>
                       <a:r>
-                        <a:rPr kumimoji="0" lang="en-US" altLang="ko-KR" sz="1000" b="0" i="0" u="none" strike="noStrike" cap="none" normalizeH="0" baseline="0" dirty="0" smtClean="0">
+                        <a:rPr kumimoji="0" lang="en-US" altLang="ko-KR" sz="1000" b="0" i="0" u="none" strike="noStrike" cap="none" normalizeH="0" baseline="0" dirty="0">
                           <a:ln>
                             <a:noFill/>
                           </a:ln>
@@ -6151,7 +6279,7 @@
                         <a:tabLst/>
                       </a:pPr>
                       <a:r>
-                        <a:rPr kumimoji="0" lang="en-US" altLang="ko-KR" sz="1000" b="0" i="0" u="none" strike="noStrike" cap="none" normalizeH="0" baseline="0" smtClean="0">
+                        <a:rPr kumimoji="0" lang="en-US" altLang="ko-KR" sz="1000" b="0" i="0" u="none" strike="noStrike" cap="none" normalizeH="0" baseline="0">
                           <a:ln>
                             <a:noFill/>
                           </a:ln>
@@ -6164,7 +6292,7 @@
                         </a:rPr>
                         <a:t>V 3.0</a:t>
                       </a:r>
-                      <a:endParaRPr kumimoji="0" lang="en-US" altLang="ko-KR" sz="1000" b="0" i="0" u="none" strike="noStrike" cap="none" normalizeH="0" baseline="0" dirty="0" smtClean="0">
+                      <a:endParaRPr kumimoji="0" lang="en-US" altLang="ko-KR" sz="1000" b="0" i="0" u="none" strike="noStrike" cap="none" normalizeH="0" baseline="0" dirty="0">
                         <a:ln>
                           <a:noFill/>
                         </a:ln>
@@ -6247,7 +6375,7 @@
                         <a:tabLst/>
                       </a:pPr>
                       <a:r>
-                        <a:rPr kumimoji="0" lang="en-US" altLang="ko-KR" sz="1000" b="0" i="0" u="none" strike="noStrike" cap="none" normalizeH="0" baseline="0" smtClean="0">
+                        <a:rPr kumimoji="0" lang="en-US" altLang="ko-KR" sz="1000" b="0" i="0" u="none" strike="noStrike" cap="none" normalizeH="0" baseline="0">
                           <a:ln>
                             <a:noFill/>
                           </a:ln>
@@ -6260,7 +6388,7 @@
                         </a:rPr>
                         <a:t>2022.03.08</a:t>
                       </a:r>
-                      <a:endParaRPr kumimoji="0" lang="en-US" altLang="ko-KR" sz="1000" b="0" i="0" u="none" strike="noStrike" cap="none" normalizeH="0" baseline="0" dirty="0" smtClean="0">
+                      <a:endParaRPr kumimoji="0" lang="en-US" altLang="ko-KR" sz="1000" b="0" i="0" u="none" strike="noStrike" cap="none" normalizeH="0" baseline="0" dirty="0">
                         <a:ln>
                           <a:noFill/>
                         </a:ln>
@@ -6343,7 +6471,7 @@
                         <a:tabLst/>
                       </a:pPr>
                       <a:r>
-                        <a:rPr kumimoji="0" lang="ko-KR" altLang="en-US" sz="1000" b="0" i="0" u="none" strike="noStrike" cap="none" normalizeH="0" baseline="0" smtClean="0">
+                        <a:rPr kumimoji="0" lang="ko-KR" altLang="en-US" sz="1000" b="0" i="0" u="none" strike="noStrike" cap="none" normalizeH="0" baseline="0">
                           <a:ln>
                             <a:noFill/>
                           </a:ln>
@@ -6356,7 +6484,7 @@
                         </a:rPr>
                         <a:t>문서 수정</a:t>
                       </a:r>
-                      <a:endParaRPr kumimoji="0" lang="ko-KR" altLang="ko-KR" sz="1000" b="0" i="0" u="none" strike="noStrike" cap="none" normalizeH="0" baseline="0" dirty="0" smtClean="0">
+                      <a:endParaRPr kumimoji="0" lang="ko-KR" altLang="ko-KR" sz="1000" b="0" i="0" u="none" strike="noStrike" cap="none" normalizeH="0" baseline="0" dirty="0">
                         <a:ln>
                           <a:noFill/>
                         </a:ln>
@@ -6439,7 +6567,7 @@
                         <a:tabLst/>
                       </a:pPr>
                       <a:r>
-                        <a:rPr kumimoji="0" lang="ko-KR" altLang="en-US" sz="1000" b="0" i="0" u="none" strike="noStrike" cap="none" normalizeH="0" baseline="0" smtClean="0">
+                        <a:rPr kumimoji="0" lang="ko-KR" altLang="en-US" sz="1000" b="0" i="0" u="none" strike="noStrike" cap="none" normalizeH="0" baseline="0">
                           <a:ln>
                             <a:noFill/>
                           </a:ln>
@@ -6452,7 +6580,7 @@
                         </a:rPr>
                         <a:t>김윤희</a:t>
                       </a:r>
-                      <a:endParaRPr kumimoji="0" lang="ko-KR" altLang="en-US" sz="1000" b="0" i="0" u="none" strike="noStrike" cap="none" normalizeH="0" baseline="0" dirty="0" smtClean="0">
+                      <a:endParaRPr kumimoji="0" lang="ko-KR" altLang="en-US" sz="1000" b="0" i="0" u="none" strike="noStrike" cap="none" normalizeH="0" baseline="0" dirty="0">
                         <a:ln>
                           <a:noFill/>
                         </a:ln>
@@ -6534,7 +6662,7 @@
                         <a:buNone/>
                         <a:tabLst/>
                       </a:pPr>
-                      <a:endParaRPr kumimoji="0" lang="ko-KR" altLang="ko-KR" sz="1000" b="0" i="0" u="none" strike="noStrike" cap="none" normalizeH="0" baseline="0" smtClean="0">
+                      <a:endParaRPr kumimoji="0" lang="ko-KR" altLang="ko-KR" sz="1000" b="0" i="0" u="none" strike="noStrike" cap="none" normalizeH="0" baseline="0">
                         <a:ln>
                           <a:noFill/>
                         </a:ln>
@@ -6589,6 +6717,11 @@
                     </a:solidFill>
                   </a:tcPr>
                 </a:tc>
+                <a:extLst>
+                  <a:ext uri="{0D108BD9-81ED-4DB2-BD59-A6C34878D82A}">
+                    <a16:rowId xmlns:a16="http://schemas.microsoft.com/office/drawing/2014/main" val="10004"/>
+                  </a:ext>
+                </a:extLst>
               </a:tr>
               <a:tr h="227013">
                 <a:tc>
@@ -6613,7 +6746,7 @@
                         <a:tabLst/>
                       </a:pPr>
                       <a:r>
-                        <a:rPr kumimoji="0" lang="en-US" altLang="ko-KR" sz="1000" b="0" i="0" u="none" strike="noStrike" cap="none" normalizeH="0" baseline="0" smtClean="0">
+                        <a:rPr kumimoji="0" lang="en-US" altLang="ko-KR" sz="1000" b="0" i="0" u="none" strike="noStrike" cap="none" normalizeH="0" baseline="0">
                           <a:ln>
                             <a:noFill/>
                           </a:ln>
@@ -6691,7 +6824,7 @@
                         <a:buNone/>
                         <a:tabLst/>
                       </a:pPr>
-                      <a:endParaRPr kumimoji="0" lang="en-US" altLang="ko-KR" sz="1000" b="0" i="0" u="none" strike="noStrike" cap="none" normalizeH="0" baseline="0" dirty="0" smtClean="0">
+                      <a:endParaRPr kumimoji="0" lang="en-US" altLang="ko-KR" sz="1000" b="0" i="0" u="none" strike="noStrike" cap="none" normalizeH="0" baseline="0" dirty="0">
                         <a:ln>
                           <a:noFill/>
                         </a:ln>
@@ -6773,7 +6906,7 @@
                         <a:buNone/>
                         <a:tabLst/>
                       </a:pPr>
-                      <a:endParaRPr kumimoji="0" lang="en-US" altLang="ko-KR" sz="1000" b="0" i="0" u="none" strike="noStrike" cap="none" normalizeH="0" baseline="0" dirty="0" smtClean="0">
+                      <a:endParaRPr kumimoji="0" lang="en-US" altLang="ko-KR" sz="1000" b="0" i="0" u="none" strike="noStrike" cap="none" normalizeH="0" baseline="0" dirty="0">
                         <a:ln>
                           <a:noFill/>
                         </a:ln>
@@ -6855,7 +6988,7 @@
                         <a:buNone/>
                         <a:tabLst/>
                       </a:pPr>
-                      <a:endParaRPr kumimoji="0" lang="ko-KR" altLang="ko-KR" sz="1000" b="0" i="0" u="none" strike="noStrike" cap="none" normalizeH="0" baseline="0" dirty="0" smtClean="0">
+                      <a:endParaRPr kumimoji="0" lang="ko-KR" altLang="ko-KR" sz="1000" b="0" i="0" u="none" strike="noStrike" cap="none" normalizeH="0" baseline="0" dirty="0">
                         <a:ln>
                           <a:noFill/>
                         </a:ln>
@@ -6937,7 +7070,7 @@
                         <a:buNone/>
                         <a:tabLst/>
                       </a:pPr>
-                      <a:endParaRPr kumimoji="0" lang="ko-KR" altLang="en-US" sz="1000" b="0" i="0" u="none" strike="noStrike" cap="none" normalizeH="0" baseline="0" dirty="0" smtClean="0">
+                      <a:endParaRPr kumimoji="0" lang="ko-KR" altLang="en-US" sz="1000" b="0" i="0" u="none" strike="noStrike" cap="none" normalizeH="0" baseline="0" dirty="0">
                         <a:ln>
                           <a:noFill/>
                         </a:ln>
@@ -7019,7 +7152,7 @@
                         <a:buNone/>
                         <a:tabLst/>
                       </a:pPr>
-                      <a:endParaRPr kumimoji="0" lang="ko-KR" altLang="ko-KR" sz="1000" b="0" i="0" u="none" strike="noStrike" cap="none" normalizeH="0" baseline="0" smtClean="0">
+                      <a:endParaRPr kumimoji="0" lang="ko-KR" altLang="ko-KR" sz="1000" b="0" i="0" u="none" strike="noStrike" cap="none" normalizeH="0" baseline="0">
                         <a:ln>
                           <a:noFill/>
                         </a:ln>
@@ -7074,6 +7207,11 @@
                     </a:solidFill>
                   </a:tcPr>
                 </a:tc>
+                <a:extLst>
+                  <a:ext uri="{0D108BD9-81ED-4DB2-BD59-A6C34878D82A}">
+                    <a16:rowId xmlns:a16="http://schemas.microsoft.com/office/drawing/2014/main" val="10005"/>
+                  </a:ext>
+                </a:extLst>
               </a:tr>
               <a:tr h="227013">
                 <a:tc>
@@ -7098,7 +7236,7 @@
                         <a:tabLst/>
                       </a:pPr>
                       <a:r>
-                        <a:rPr kumimoji="0" lang="en-US" altLang="ko-KR" sz="1000" b="0" i="0" u="none" strike="noStrike" cap="none" normalizeH="0" baseline="0" smtClean="0">
+                        <a:rPr kumimoji="0" lang="en-US" altLang="ko-KR" sz="1000" b="0" i="0" u="none" strike="noStrike" cap="none" normalizeH="0" baseline="0">
                           <a:ln>
                             <a:noFill/>
                           </a:ln>
@@ -7176,7 +7314,7 @@
                         <a:buNone/>
                         <a:tabLst/>
                       </a:pPr>
-                      <a:endParaRPr kumimoji="0" lang="en-US" altLang="ko-KR" sz="1000" b="0" i="0" u="none" strike="noStrike" cap="none" normalizeH="0" baseline="0" smtClean="0">
+                      <a:endParaRPr kumimoji="0" lang="en-US" altLang="ko-KR" sz="1000" b="0" i="0" u="none" strike="noStrike" cap="none" normalizeH="0" baseline="0">
                         <a:ln>
                           <a:noFill/>
                         </a:ln>
@@ -7258,7 +7396,7 @@
                         <a:buNone/>
                         <a:tabLst/>
                       </a:pPr>
-                      <a:endParaRPr kumimoji="0" lang="en-US" altLang="ko-KR" sz="1000" b="0" i="0" u="none" strike="noStrike" cap="none" normalizeH="0" baseline="0" dirty="0" smtClean="0">
+                      <a:endParaRPr kumimoji="0" lang="en-US" altLang="ko-KR" sz="1000" b="0" i="0" u="none" strike="noStrike" cap="none" normalizeH="0" baseline="0" dirty="0">
                         <a:ln>
                           <a:noFill/>
                         </a:ln>
@@ -7340,7 +7478,7 @@
                         <a:buNone/>
                         <a:tabLst/>
                       </a:pPr>
-                      <a:endParaRPr kumimoji="0" lang="ko-KR" altLang="ko-KR" sz="1000" b="0" i="0" u="none" strike="noStrike" cap="none" normalizeH="0" baseline="0" dirty="0" smtClean="0">
+                      <a:endParaRPr kumimoji="0" lang="ko-KR" altLang="ko-KR" sz="1000" b="0" i="0" u="none" strike="noStrike" cap="none" normalizeH="0" baseline="0" dirty="0">
                         <a:ln>
                           <a:noFill/>
                         </a:ln>
@@ -7422,7 +7560,7 @@
                         <a:buNone/>
                         <a:tabLst/>
                       </a:pPr>
-                      <a:endParaRPr kumimoji="0" lang="ko-KR" altLang="en-US" sz="1000" b="0" i="0" u="none" strike="noStrike" cap="none" normalizeH="0" baseline="0" dirty="0" smtClean="0">
+                      <a:endParaRPr kumimoji="0" lang="ko-KR" altLang="en-US" sz="1000" b="0" i="0" u="none" strike="noStrike" cap="none" normalizeH="0" baseline="0" dirty="0">
                         <a:ln>
                           <a:noFill/>
                         </a:ln>
@@ -7504,7 +7642,7 @@
                         <a:buNone/>
                         <a:tabLst/>
                       </a:pPr>
-                      <a:endParaRPr kumimoji="0" lang="ko-KR" altLang="ko-KR" sz="1000" b="0" i="0" u="none" strike="noStrike" cap="none" normalizeH="0" baseline="0" dirty="0" smtClean="0">
+                      <a:endParaRPr kumimoji="0" lang="ko-KR" altLang="ko-KR" sz="1000" b="0" i="0" u="none" strike="noStrike" cap="none" normalizeH="0" baseline="0" dirty="0">
                         <a:ln>
                           <a:noFill/>
                         </a:ln>
@@ -7559,6 +7697,11 @@
                     </a:solidFill>
                   </a:tcPr>
                 </a:tc>
+                <a:extLst>
+                  <a:ext uri="{0D108BD9-81ED-4DB2-BD59-A6C34878D82A}">
+                    <a16:rowId xmlns:a16="http://schemas.microsoft.com/office/drawing/2014/main" val="10006"/>
+                  </a:ext>
+                </a:extLst>
               </a:tr>
               <a:tr h="227013">
                 <a:tc>
@@ -7583,7 +7726,7 @@
                         <a:tabLst/>
                       </a:pPr>
                       <a:r>
-                        <a:rPr kumimoji="0" lang="en-US" altLang="ko-KR" sz="1000" b="0" i="0" u="none" strike="noStrike" cap="none" normalizeH="0" baseline="0" smtClean="0">
+                        <a:rPr kumimoji="0" lang="en-US" altLang="ko-KR" sz="1000" b="0" i="0" u="none" strike="noStrike" cap="none" normalizeH="0" baseline="0">
                           <a:ln>
                             <a:noFill/>
                           </a:ln>
@@ -7661,7 +7804,7 @@
                         <a:buNone/>
                         <a:tabLst/>
                       </a:pPr>
-                      <a:endParaRPr kumimoji="0" lang="en-US" altLang="ko-KR" sz="1000" b="0" i="0" u="none" strike="noStrike" cap="none" normalizeH="0" baseline="0" smtClean="0">
+                      <a:endParaRPr kumimoji="0" lang="en-US" altLang="ko-KR" sz="1000" b="0" i="0" u="none" strike="noStrike" cap="none" normalizeH="0" baseline="0">
                         <a:ln>
                           <a:noFill/>
                         </a:ln>
@@ -7743,7 +7886,7 @@
                         <a:buNone/>
                         <a:tabLst/>
                       </a:pPr>
-                      <a:endParaRPr kumimoji="0" lang="en-US" altLang="ko-KR" sz="1000" b="0" i="0" u="none" strike="noStrike" cap="none" normalizeH="0" baseline="0" dirty="0" smtClean="0">
+                      <a:endParaRPr kumimoji="0" lang="en-US" altLang="ko-KR" sz="1000" b="0" i="0" u="none" strike="noStrike" cap="none" normalizeH="0" baseline="0" dirty="0">
                         <a:ln>
                           <a:noFill/>
                         </a:ln>
@@ -7825,7 +7968,7 @@
                         <a:buNone/>
                         <a:tabLst/>
                       </a:pPr>
-                      <a:endParaRPr kumimoji="0" lang="ko-KR" altLang="ko-KR" sz="1000" b="0" i="0" u="none" strike="noStrike" cap="none" normalizeH="0" baseline="0" dirty="0" smtClean="0">
+                      <a:endParaRPr kumimoji="0" lang="ko-KR" altLang="ko-KR" sz="1000" b="0" i="0" u="none" strike="noStrike" cap="none" normalizeH="0" baseline="0" dirty="0">
                         <a:ln>
                           <a:noFill/>
                         </a:ln>
@@ -7907,7 +8050,7 @@
                         <a:buNone/>
                         <a:tabLst/>
                       </a:pPr>
-                      <a:endParaRPr kumimoji="0" lang="ko-KR" altLang="en-US" sz="1000" b="0" i="0" u="none" strike="noStrike" cap="none" normalizeH="0" baseline="0" dirty="0" smtClean="0">
+                      <a:endParaRPr kumimoji="0" lang="ko-KR" altLang="en-US" sz="1000" b="0" i="0" u="none" strike="noStrike" cap="none" normalizeH="0" baseline="0" dirty="0">
                         <a:ln>
                           <a:noFill/>
                         </a:ln>
@@ -7989,7 +8132,7 @@
                         <a:buNone/>
                         <a:tabLst/>
                       </a:pPr>
-                      <a:endParaRPr kumimoji="0" lang="ko-KR" altLang="ko-KR" sz="1000" b="0" i="0" u="none" strike="noStrike" cap="none" normalizeH="0" baseline="0" dirty="0" smtClean="0">
+                      <a:endParaRPr kumimoji="0" lang="ko-KR" altLang="ko-KR" sz="1000" b="0" i="0" u="none" strike="noStrike" cap="none" normalizeH="0" baseline="0" dirty="0">
                         <a:ln>
                           <a:noFill/>
                         </a:ln>
@@ -8044,6 +8187,11 @@
                     </a:solidFill>
                   </a:tcPr>
                 </a:tc>
+                <a:extLst>
+                  <a:ext uri="{0D108BD9-81ED-4DB2-BD59-A6C34878D82A}">
+                    <a16:rowId xmlns:a16="http://schemas.microsoft.com/office/drawing/2014/main" val="10007"/>
+                  </a:ext>
+                </a:extLst>
               </a:tr>
               <a:tr h="227013">
                 <a:tc>
@@ -8068,7 +8216,7 @@
                         <a:tabLst/>
                       </a:pPr>
                       <a:r>
-                        <a:rPr kumimoji="0" lang="en-US" altLang="ko-KR" sz="1000" b="0" i="0" u="none" strike="noStrike" cap="none" normalizeH="0" baseline="0" smtClean="0">
+                        <a:rPr kumimoji="0" lang="en-US" altLang="ko-KR" sz="1000" b="0" i="0" u="none" strike="noStrike" cap="none" normalizeH="0" baseline="0">
                           <a:ln>
                             <a:noFill/>
                           </a:ln>
@@ -8081,7 +8229,7 @@
                         </a:rPr>
                         <a:t>8</a:t>
                       </a:r>
-                      <a:endParaRPr kumimoji="0" lang="ko-KR" altLang="ko-KR" sz="1000" b="0" i="0" u="none" strike="noStrike" cap="none" normalizeH="0" baseline="0" smtClean="0">
+                      <a:endParaRPr kumimoji="0" lang="ko-KR" altLang="ko-KR" sz="1000" b="0" i="0" u="none" strike="noStrike" cap="none" normalizeH="0" baseline="0">
                         <a:ln>
                           <a:noFill/>
                         </a:ln>
@@ -8157,7 +8305,7 @@
                         <a:buNone/>
                         <a:tabLst/>
                       </a:pPr>
-                      <a:endParaRPr kumimoji="0" lang="ko-KR" altLang="ko-KR" sz="1000" b="0" i="0" u="none" strike="noStrike" cap="none" normalizeH="0" baseline="0" smtClean="0">
+                      <a:endParaRPr kumimoji="0" lang="ko-KR" altLang="ko-KR" sz="1000" b="0" i="0" u="none" strike="noStrike" cap="none" normalizeH="0" baseline="0">
                         <a:ln>
                           <a:noFill/>
                         </a:ln>
@@ -8239,7 +8387,7 @@
                         <a:buNone/>
                         <a:tabLst/>
                       </a:pPr>
-                      <a:endParaRPr kumimoji="0" lang="en-US" altLang="ko-KR" sz="1000" b="0" i="0" u="none" strike="noStrike" cap="none" normalizeH="0" baseline="0" smtClean="0">
+                      <a:endParaRPr kumimoji="0" lang="en-US" altLang="ko-KR" sz="1000" b="0" i="0" u="none" strike="noStrike" cap="none" normalizeH="0" baseline="0">
                         <a:ln>
                           <a:noFill/>
                         </a:ln>
@@ -8321,7 +8469,7 @@
                         <a:buNone/>
                         <a:tabLst/>
                       </a:pPr>
-                      <a:endParaRPr kumimoji="0" lang="ko-KR" altLang="ko-KR" sz="1000" b="0" i="0" u="none" strike="noStrike" cap="none" normalizeH="0" baseline="0" dirty="0" smtClean="0">
+                      <a:endParaRPr kumimoji="0" lang="ko-KR" altLang="ko-KR" sz="1000" b="0" i="0" u="none" strike="noStrike" cap="none" normalizeH="0" baseline="0" dirty="0">
                         <a:ln>
                           <a:noFill/>
                         </a:ln>
@@ -8403,7 +8551,7 @@
                         <a:buNone/>
                         <a:tabLst/>
                       </a:pPr>
-                      <a:endParaRPr kumimoji="0" lang="ko-KR" altLang="ko-KR" sz="1000" b="0" i="0" u="none" strike="noStrike" cap="none" normalizeH="0" baseline="0" dirty="0" smtClean="0">
+                      <a:endParaRPr kumimoji="0" lang="ko-KR" altLang="ko-KR" sz="1000" b="0" i="0" u="none" strike="noStrike" cap="none" normalizeH="0" baseline="0" dirty="0">
                         <a:ln>
                           <a:noFill/>
                         </a:ln>
@@ -8485,7 +8633,7 @@
                         <a:buNone/>
                         <a:tabLst/>
                       </a:pPr>
-                      <a:endParaRPr kumimoji="0" lang="ko-KR" altLang="ko-KR" sz="1000" b="0" i="0" u="none" strike="noStrike" cap="none" normalizeH="0" baseline="0" dirty="0" smtClean="0">
+                      <a:endParaRPr kumimoji="0" lang="ko-KR" altLang="ko-KR" sz="1000" b="0" i="0" u="none" strike="noStrike" cap="none" normalizeH="0" baseline="0" dirty="0">
                         <a:ln>
                           <a:noFill/>
                         </a:ln>
@@ -8540,6 +8688,11 @@
                     </a:solidFill>
                   </a:tcPr>
                 </a:tc>
+                <a:extLst>
+                  <a:ext uri="{0D108BD9-81ED-4DB2-BD59-A6C34878D82A}">
+                    <a16:rowId xmlns:a16="http://schemas.microsoft.com/office/drawing/2014/main" val="10008"/>
+                  </a:ext>
+                </a:extLst>
               </a:tr>
               <a:tr h="227013">
                 <a:tc>
@@ -8564,7 +8717,7 @@
                         <a:tabLst/>
                       </a:pPr>
                       <a:r>
-                        <a:rPr kumimoji="0" lang="en-US" altLang="ko-KR" sz="1000" b="0" i="0" u="none" strike="noStrike" cap="none" normalizeH="0" baseline="0" smtClean="0">
+                        <a:rPr kumimoji="0" lang="en-US" altLang="ko-KR" sz="1000" b="0" i="0" u="none" strike="noStrike" cap="none" normalizeH="0" baseline="0">
                           <a:ln>
                             <a:noFill/>
                           </a:ln>
@@ -8577,7 +8730,7 @@
                         </a:rPr>
                         <a:t>9</a:t>
                       </a:r>
-                      <a:endParaRPr kumimoji="0" lang="ko-KR" altLang="ko-KR" sz="1000" b="0" i="0" u="none" strike="noStrike" cap="none" normalizeH="0" baseline="0" smtClean="0">
+                      <a:endParaRPr kumimoji="0" lang="ko-KR" altLang="ko-KR" sz="1000" b="0" i="0" u="none" strike="noStrike" cap="none" normalizeH="0" baseline="0">
                         <a:ln>
                           <a:noFill/>
                         </a:ln>
@@ -8653,7 +8806,7 @@
                         <a:buNone/>
                         <a:tabLst/>
                       </a:pPr>
-                      <a:endParaRPr kumimoji="0" lang="ko-KR" altLang="ko-KR" sz="1000" b="0" i="0" u="none" strike="noStrike" cap="none" normalizeH="0" baseline="0" smtClean="0">
+                      <a:endParaRPr kumimoji="0" lang="ko-KR" altLang="ko-KR" sz="1000" b="0" i="0" u="none" strike="noStrike" cap="none" normalizeH="0" baseline="0">
                         <a:ln>
                           <a:noFill/>
                         </a:ln>
@@ -8735,7 +8888,7 @@
                         <a:buNone/>
                         <a:tabLst/>
                       </a:pPr>
-                      <a:endParaRPr kumimoji="0" lang="ko-KR" altLang="ko-KR" sz="1000" b="0" i="0" u="none" strike="noStrike" cap="none" normalizeH="0" baseline="0" smtClean="0">
+                      <a:endParaRPr kumimoji="0" lang="ko-KR" altLang="ko-KR" sz="1000" b="0" i="0" u="none" strike="noStrike" cap="none" normalizeH="0" baseline="0">
                         <a:ln>
                           <a:noFill/>
                         </a:ln>
@@ -8817,7 +8970,7 @@
                         <a:buChar char="•"/>
                         <a:tabLst/>
                       </a:pPr>
-                      <a:endParaRPr kumimoji="0" lang="ko-KR" altLang="ko-KR" sz="1000" b="0" i="0" u="none" strike="noStrike" cap="none" normalizeH="0" baseline="0" dirty="0" smtClean="0">
+                      <a:endParaRPr kumimoji="0" lang="ko-KR" altLang="ko-KR" sz="1000" b="0" i="0" u="none" strike="noStrike" cap="none" normalizeH="0" baseline="0" dirty="0">
                         <a:ln>
                           <a:noFill/>
                         </a:ln>
@@ -8899,7 +9052,7 @@
                         <a:buNone/>
                         <a:tabLst/>
                       </a:pPr>
-                      <a:endParaRPr kumimoji="0" lang="ko-KR" altLang="ko-KR" sz="1000" b="0" i="0" u="none" strike="noStrike" cap="none" normalizeH="0" baseline="0" smtClean="0">
+                      <a:endParaRPr kumimoji="0" lang="ko-KR" altLang="ko-KR" sz="1000" b="0" i="0" u="none" strike="noStrike" cap="none" normalizeH="0" baseline="0">
                         <a:ln>
                           <a:noFill/>
                         </a:ln>
@@ -8981,7 +9134,7 @@
                         <a:buNone/>
                         <a:tabLst/>
                       </a:pPr>
-                      <a:endParaRPr kumimoji="0" lang="ko-KR" altLang="ko-KR" sz="1000" b="0" i="0" u="none" strike="noStrike" cap="none" normalizeH="0" baseline="0" dirty="0" smtClean="0">
+                      <a:endParaRPr kumimoji="0" lang="ko-KR" altLang="ko-KR" sz="1000" b="0" i="0" u="none" strike="noStrike" cap="none" normalizeH="0" baseline="0" dirty="0">
                         <a:ln>
                           <a:noFill/>
                         </a:ln>
@@ -9036,6 +9189,11 @@
                     </a:solidFill>
                   </a:tcPr>
                 </a:tc>
+                <a:extLst>
+                  <a:ext uri="{0D108BD9-81ED-4DB2-BD59-A6C34878D82A}">
+                    <a16:rowId xmlns:a16="http://schemas.microsoft.com/office/drawing/2014/main" val="10009"/>
+                  </a:ext>
+                </a:extLst>
               </a:tr>
               <a:tr h="227013">
                 <a:tc>
@@ -9060,7 +9218,7 @@
                         <a:tabLst/>
                       </a:pPr>
                       <a:r>
-                        <a:rPr kumimoji="0" lang="en-US" altLang="ko-KR" sz="1000" b="0" i="0" u="none" strike="noStrike" cap="none" normalizeH="0" baseline="0" smtClean="0">
+                        <a:rPr kumimoji="0" lang="en-US" altLang="ko-KR" sz="1000" b="0" i="0" u="none" strike="noStrike" cap="none" normalizeH="0" baseline="0">
                           <a:ln>
                             <a:noFill/>
                           </a:ln>
@@ -9073,7 +9231,7 @@
                         </a:rPr>
                         <a:t>10</a:t>
                       </a:r>
-                      <a:endParaRPr kumimoji="0" lang="ko-KR" altLang="ko-KR" sz="1000" b="0" i="0" u="none" strike="noStrike" cap="none" normalizeH="0" baseline="0" smtClean="0">
+                      <a:endParaRPr kumimoji="0" lang="ko-KR" altLang="ko-KR" sz="1000" b="0" i="0" u="none" strike="noStrike" cap="none" normalizeH="0" baseline="0">
                         <a:ln>
                           <a:noFill/>
                         </a:ln>
@@ -9149,7 +9307,7 @@
                         <a:buNone/>
                         <a:tabLst/>
                       </a:pPr>
-                      <a:endParaRPr kumimoji="0" lang="ko-KR" altLang="ko-KR" sz="1000" b="0" i="0" u="none" strike="noStrike" cap="none" normalizeH="0" baseline="0" dirty="0" smtClean="0">
+                      <a:endParaRPr kumimoji="0" lang="ko-KR" altLang="ko-KR" sz="1000" b="0" i="0" u="none" strike="noStrike" cap="none" normalizeH="0" baseline="0" dirty="0">
                         <a:ln>
                           <a:noFill/>
                         </a:ln>
@@ -9231,7 +9389,7 @@
                         <a:buNone/>
                         <a:tabLst/>
                       </a:pPr>
-                      <a:endParaRPr kumimoji="0" lang="ko-KR" altLang="ko-KR" sz="1000" b="0" i="0" u="none" strike="noStrike" cap="none" normalizeH="0" baseline="0" smtClean="0">
+                      <a:endParaRPr kumimoji="0" lang="ko-KR" altLang="ko-KR" sz="1000" b="0" i="0" u="none" strike="noStrike" cap="none" normalizeH="0" baseline="0">
                         <a:ln>
                           <a:noFill/>
                         </a:ln>
@@ -9313,7 +9471,7 @@
                         <a:buChar char="•"/>
                         <a:tabLst/>
                       </a:pPr>
-                      <a:endParaRPr kumimoji="0" lang="ko-KR" altLang="ko-KR" sz="1000" b="0" i="0" u="none" strike="noStrike" cap="none" normalizeH="0" baseline="0" dirty="0" smtClean="0">
+                      <a:endParaRPr kumimoji="0" lang="ko-KR" altLang="ko-KR" sz="1000" b="0" i="0" u="none" strike="noStrike" cap="none" normalizeH="0" baseline="0" dirty="0">
                         <a:ln>
                           <a:noFill/>
                         </a:ln>
@@ -9395,7 +9553,7 @@
                         <a:buNone/>
                         <a:tabLst/>
                       </a:pPr>
-                      <a:endParaRPr kumimoji="0" lang="ko-KR" altLang="ko-KR" sz="1000" b="0" i="0" u="none" strike="noStrike" cap="none" normalizeH="0" baseline="0" smtClean="0">
+                      <a:endParaRPr kumimoji="0" lang="ko-KR" altLang="ko-KR" sz="1000" b="0" i="0" u="none" strike="noStrike" cap="none" normalizeH="0" baseline="0">
                         <a:ln>
                           <a:noFill/>
                         </a:ln>
@@ -9477,7 +9635,7 @@
                         <a:buNone/>
                         <a:tabLst/>
                       </a:pPr>
-                      <a:endParaRPr kumimoji="0" lang="ko-KR" altLang="ko-KR" sz="1000" b="0" i="0" u="none" strike="noStrike" cap="none" normalizeH="0" baseline="0" smtClean="0">
+                      <a:endParaRPr kumimoji="0" lang="ko-KR" altLang="ko-KR" sz="1000" b="0" i="0" u="none" strike="noStrike" cap="none" normalizeH="0" baseline="0">
                         <a:ln>
                           <a:noFill/>
                         </a:ln>
@@ -9532,6 +9690,11 @@
                     </a:solidFill>
                   </a:tcPr>
                 </a:tc>
+                <a:extLst>
+                  <a:ext uri="{0D108BD9-81ED-4DB2-BD59-A6C34878D82A}">
+                    <a16:rowId xmlns:a16="http://schemas.microsoft.com/office/drawing/2014/main" val="10010"/>
+                  </a:ext>
+                </a:extLst>
               </a:tr>
               <a:tr h="227013">
                 <a:tc>
@@ -9556,7 +9719,7 @@
                         <a:tabLst/>
                       </a:pPr>
                       <a:r>
-                        <a:rPr kumimoji="0" lang="en-US" altLang="ko-KR" sz="1000" b="0" i="0" u="none" strike="noStrike" cap="none" normalizeH="0" baseline="0" smtClean="0">
+                        <a:rPr kumimoji="0" lang="en-US" altLang="ko-KR" sz="1000" b="0" i="0" u="none" strike="noStrike" cap="none" normalizeH="0" baseline="0">
                           <a:ln>
                             <a:noFill/>
                           </a:ln>
@@ -9569,7 +9732,7 @@
                         </a:rPr>
                         <a:t>11</a:t>
                       </a:r>
-                      <a:endParaRPr kumimoji="0" lang="ko-KR" altLang="ko-KR" sz="1000" b="0" i="0" u="none" strike="noStrike" cap="none" normalizeH="0" baseline="0" smtClean="0">
+                      <a:endParaRPr kumimoji="0" lang="ko-KR" altLang="ko-KR" sz="1000" b="0" i="0" u="none" strike="noStrike" cap="none" normalizeH="0" baseline="0">
                         <a:ln>
                           <a:noFill/>
                         </a:ln>
@@ -9645,7 +9808,7 @@
                         <a:buNone/>
                         <a:tabLst/>
                       </a:pPr>
-                      <a:endParaRPr kumimoji="0" lang="ko-KR" altLang="ko-KR" sz="1000" b="0" i="0" u="none" strike="noStrike" cap="none" normalizeH="0" baseline="0" smtClean="0">
+                      <a:endParaRPr kumimoji="0" lang="ko-KR" altLang="ko-KR" sz="1000" b="0" i="0" u="none" strike="noStrike" cap="none" normalizeH="0" baseline="0">
                         <a:ln>
                           <a:noFill/>
                         </a:ln>
@@ -9727,7 +9890,7 @@
                         <a:buNone/>
                         <a:tabLst/>
                       </a:pPr>
-                      <a:endParaRPr kumimoji="0" lang="ko-KR" altLang="ko-KR" sz="1000" b="0" i="0" u="none" strike="noStrike" cap="none" normalizeH="0" baseline="0" smtClean="0">
+                      <a:endParaRPr kumimoji="0" lang="ko-KR" altLang="ko-KR" sz="1000" b="0" i="0" u="none" strike="noStrike" cap="none" normalizeH="0" baseline="0">
                         <a:ln>
                           <a:noFill/>
                         </a:ln>
@@ -9809,7 +9972,7 @@
                         <a:buChar char="•"/>
                         <a:tabLst/>
                       </a:pPr>
-                      <a:endParaRPr kumimoji="0" lang="ko-KR" altLang="ko-KR" sz="1000" b="0" i="0" u="none" strike="noStrike" cap="none" normalizeH="0" baseline="0" dirty="0" smtClean="0">
+                      <a:endParaRPr kumimoji="0" lang="ko-KR" altLang="ko-KR" sz="1000" b="0" i="0" u="none" strike="noStrike" cap="none" normalizeH="0" baseline="0" dirty="0">
                         <a:ln>
                           <a:noFill/>
                         </a:ln>
@@ -9891,7 +10054,7 @@
                         <a:buNone/>
                         <a:tabLst/>
                       </a:pPr>
-                      <a:endParaRPr kumimoji="0" lang="ko-KR" altLang="ko-KR" sz="1000" b="0" i="0" u="none" strike="noStrike" cap="none" normalizeH="0" baseline="0" dirty="0" smtClean="0">
+                      <a:endParaRPr kumimoji="0" lang="ko-KR" altLang="ko-KR" sz="1000" b="0" i="0" u="none" strike="noStrike" cap="none" normalizeH="0" baseline="0" dirty="0">
                         <a:ln>
                           <a:noFill/>
                         </a:ln>
@@ -9973,7 +10136,7 @@
                         <a:buNone/>
                         <a:tabLst/>
                       </a:pPr>
-                      <a:endParaRPr kumimoji="0" lang="ko-KR" altLang="ko-KR" sz="1000" b="0" i="0" u="none" strike="noStrike" cap="none" normalizeH="0" baseline="0" dirty="0" smtClean="0">
+                      <a:endParaRPr kumimoji="0" lang="ko-KR" altLang="ko-KR" sz="1000" b="0" i="0" u="none" strike="noStrike" cap="none" normalizeH="0" baseline="0" dirty="0">
                         <a:ln>
                           <a:noFill/>
                         </a:ln>
@@ -10028,6 +10191,11 @@
                     </a:solidFill>
                   </a:tcPr>
                 </a:tc>
+                <a:extLst>
+                  <a:ext uri="{0D108BD9-81ED-4DB2-BD59-A6C34878D82A}">
+                    <a16:rowId xmlns:a16="http://schemas.microsoft.com/office/drawing/2014/main" val="10011"/>
+                  </a:ext>
+                </a:extLst>
               </a:tr>
             </a:tbl>
           </a:graphicData>
@@ -10056,8 +10224,20 @@
             <a:tbl>
               <a:tblPr/>
               <a:tblGrid>
-                <a:gridCol w="1319212"/>
-                <a:gridCol w="1317625"/>
+                <a:gridCol w="1319212">
+                  <a:extLst>
+                    <a:ext uri="{9D8B030D-6E8A-4147-A177-3AD203B41FA5}">
+                      <a16:colId xmlns:a16="http://schemas.microsoft.com/office/drawing/2014/main" val="20000"/>
+                    </a:ext>
+                  </a:extLst>
+                </a:gridCol>
+                <a:gridCol w="1317625">
+                  <a:extLst>
+                    <a:ext uri="{9D8B030D-6E8A-4147-A177-3AD203B41FA5}">
+                      <a16:colId xmlns:a16="http://schemas.microsoft.com/office/drawing/2014/main" val="20001"/>
+                    </a:ext>
+                  </a:extLst>
+                </a:gridCol>
               </a:tblGrid>
               <a:tr h="471488">
                 <a:tc>
@@ -10082,7 +10262,7 @@
                         <a:tabLst/>
                       </a:pPr>
                       <a:r>
-                        <a:rPr kumimoji="0" lang="ko-KR" altLang="en-US" sz="1200" b="0" i="0" u="none" strike="noStrike" cap="none" normalizeH="0" baseline="0" dirty="0" smtClean="0">
+                        <a:rPr kumimoji="0" lang="ko-KR" altLang="en-US" sz="1200" b="0" i="0" u="none" strike="noStrike" cap="none" normalizeH="0" baseline="0" dirty="0">
                           <a:ln>
                             <a:noFill/>
                           </a:ln>
@@ -10095,7 +10275,7 @@
                         </a:rPr>
                         <a:t>검토</a:t>
                       </a:r>
-                      <a:endParaRPr kumimoji="0" lang="en-US" altLang="ko-KR" sz="1200" b="0" i="0" u="none" strike="noStrike" cap="none" normalizeH="0" baseline="0" dirty="0" smtClean="0">
+                      <a:endParaRPr kumimoji="0" lang="en-US" altLang="ko-KR" sz="1200" b="0" i="0" u="none" strike="noStrike" cap="none" normalizeH="0" baseline="0" dirty="0">
                         <a:ln>
                           <a:noFill/>
                         </a:ln>
@@ -10176,7 +10356,7 @@
                         <a:tabLst/>
                       </a:pPr>
                       <a:r>
-                        <a:rPr kumimoji="0" lang="ko-KR" altLang="en-US" sz="1200" b="0" i="0" u="none" strike="noStrike" cap="none" normalizeH="0" baseline="0" smtClean="0">
+                        <a:rPr kumimoji="0" lang="ko-KR" altLang="en-US" sz="1200" b="0" i="0" u="none" strike="noStrike" cap="none" normalizeH="0" baseline="0">
                           <a:ln>
                             <a:noFill/>
                           </a:ln>
@@ -10237,6 +10417,11 @@
                     <a:noFill/>
                   </a:tcPr>
                 </a:tc>
+                <a:extLst>
+                  <a:ext uri="{0D108BD9-81ED-4DB2-BD59-A6C34878D82A}">
+                    <a16:rowId xmlns:a16="http://schemas.microsoft.com/office/drawing/2014/main" val="10000"/>
+                  </a:ext>
+                </a:extLst>
               </a:tr>
               <a:tr h="608012">
                 <a:tc>
@@ -10261,7 +10446,7 @@
                         <a:tabLst/>
                       </a:pPr>
                       <a:r>
-                        <a:rPr kumimoji="0" lang="ko-KR" altLang="en-US" sz="1200" b="0" i="0" u="none" strike="noStrike" cap="none" normalizeH="0" baseline="0" dirty="0" err="1" smtClean="0">
+                        <a:rPr kumimoji="0" lang="ko-KR" altLang="en-US" sz="1200" b="0" i="0" u="none" strike="noStrike" cap="none" normalizeH="0" baseline="0" dirty="0" err="1">
                           <a:ln>
                             <a:noFill/>
                           </a:ln>
@@ -10274,7 +10459,7 @@
                         </a:rPr>
                         <a:t>수학팀</a:t>
                       </a:r>
-                      <a:endParaRPr kumimoji="0" lang="ko-KR" altLang="ko-KR" sz="1200" b="0" i="0" u="none" strike="noStrike" cap="none" normalizeH="0" baseline="0" dirty="0" smtClean="0">
+                      <a:endParaRPr kumimoji="0" lang="ko-KR" altLang="ko-KR" sz="1200" b="0" i="0" u="none" strike="noStrike" cap="none" normalizeH="0" baseline="0" dirty="0">
                         <a:ln>
                           <a:noFill/>
                         </a:ln>
@@ -10355,7 +10540,7 @@
                         <a:tabLst/>
                       </a:pPr>
                       <a:r>
-                        <a:rPr kumimoji="0" lang="ko-KR" altLang="en-US" sz="1200" b="0" i="0" u="none" strike="noStrike" cap="none" normalizeH="0" baseline="0" smtClean="0">
+                        <a:rPr kumimoji="0" lang="ko-KR" altLang="en-US" sz="1200" b="0" i="0" u="none" strike="noStrike" cap="none" normalizeH="0" baseline="0">
                           <a:ln>
                             <a:noFill/>
                           </a:ln>
@@ -10368,7 +10553,7 @@
                         </a:rPr>
                         <a:t>김윤희</a:t>
                       </a:r>
-                      <a:endParaRPr kumimoji="0" lang="ko-KR" altLang="en-US" sz="1200" b="0" i="0" u="none" strike="noStrike" cap="none" normalizeH="0" baseline="0" dirty="0" smtClean="0">
+                      <a:endParaRPr kumimoji="0" lang="ko-KR" altLang="en-US" sz="1200" b="0" i="0" u="none" strike="noStrike" cap="none" normalizeH="0" baseline="0" dirty="0">
                         <a:ln>
                           <a:noFill/>
                         </a:ln>
@@ -10427,6 +10612,11 @@
                     <a:noFill/>
                   </a:tcPr>
                 </a:tc>
+                <a:extLst>
+                  <a:ext uri="{0D108BD9-81ED-4DB2-BD59-A6C34878D82A}">
+                    <a16:rowId xmlns:a16="http://schemas.microsoft.com/office/drawing/2014/main" val="10001"/>
+                  </a:ext>
+                </a:extLst>
               </a:tr>
             </a:tbl>
           </a:graphicData>
@@ -10510,8 +10700,20 @@
             <a:tbl>
               <a:tblPr/>
               <a:tblGrid>
-                <a:gridCol w="1764767"/>
-                <a:gridCol w="4499508"/>
+                <a:gridCol w="1764767">
+                  <a:extLst>
+                    <a:ext uri="{9D8B030D-6E8A-4147-A177-3AD203B41FA5}">
+                      <a16:colId xmlns:a16="http://schemas.microsoft.com/office/drawing/2014/main" val="20000"/>
+                    </a:ext>
+                  </a:extLst>
+                </a:gridCol>
+                <a:gridCol w="4499508">
+                  <a:extLst>
+                    <a:ext uri="{9D8B030D-6E8A-4147-A177-3AD203B41FA5}">
+                      <a16:colId xmlns:a16="http://schemas.microsoft.com/office/drawing/2014/main" val="20001"/>
+                    </a:ext>
+                  </a:extLst>
+                </a:gridCol>
               </a:tblGrid>
               <a:tr h="360362">
                 <a:tc>
@@ -10536,7 +10738,7 @@
                         <a:tabLst/>
                       </a:pPr>
                       <a:r>
-                        <a:rPr kumimoji="0" lang="ko-KR" altLang="en-US" sz="1200" b="0" i="0" u="none" strike="noStrike" cap="none" normalizeH="0" baseline="0" dirty="0" smtClean="0">
+                        <a:rPr kumimoji="0" lang="ko-KR" altLang="en-US" sz="1200" b="0" i="0" u="none" strike="noStrike" cap="none" normalizeH="0" baseline="0" dirty="0">
                           <a:ln>
                             <a:noFill/>
                           </a:ln>
@@ -10550,7 +10752,7 @@
                         <a:t>과목</a:t>
                       </a:r>
                       <a:r>
-                        <a:rPr kumimoji="0" lang="en-US" altLang="ko-KR" sz="1200" b="0" i="0" u="none" strike="noStrike" cap="none" normalizeH="0" baseline="0" dirty="0" smtClean="0">
+                        <a:rPr kumimoji="0" lang="en-US" altLang="ko-KR" sz="1200" b="0" i="0" u="none" strike="noStrike" cap="none" normalizeH="0" baseline="0" dirty="0">
                           <a:ln>
                             <a:noFill/>
                           </a:ln>
@@ -10564,7 +10766,7 @@
                         <a:t>_</a:t>
                       </a:r>
                       <a:r>
-                        <a:rPr kumimoji="0" lang="ko-KR" altLang="en-US" sz="1200" b="0" i="0" u="none" strike="noStrike" cap="none" normalizeH="0" baseline="0" dirty="0" smtClean="0">
+                        <a:rPr kumimoji="0" lang="ko-KR" altLang="en-US" sz="1200" b="0" i="0" u="none" strike="noStrike" cap="none" normalizeH="0" baseline="0" dirty="0">
                           <a:ln>
                             <a:noFill/>
                           </a:ln>
@@ -10578,7 +10780,7 @@
                         <a:t>학년학기</a:t>
                       </a:r>
                       <a:r>
-                        <a:rPr kumimoji="0" lang="en-US" altLang="ko-KR" sz="1200" b="0" i="0" u="none" strike="noStrike" cap="none" normalizeH="0" baseline="0" dirty="0" smtClean="0">
+                        <a:rPr kumimoji="0" lang="en-US" altLang="ko-KR" sz="1200" b="0" i="0" u="none" strike="noStrike" cap="none" normalizeH="0" baseline="0" dirty="0">
                           <a:ln>
                             <a:noFill/>
                           </a:ln>
@@ -10592,7 +10794,7 @@
                         <a:t>_</a:t>
                       </a:r>
                       <a:r>
-                        <a:rPr kumimoji="0" lang="ko-KR" altLang="en-US" sz="1200" b="0" i="0" u="none" strike="noStrike" cap="none" normalizeH="0" baseline="0" dirty="0" smtClean="0">
+                        <a:rPr kumimoji="0" lang="ko-KR" altLang="en-US" sz="1200" b="0" i="0" u="none" strike="noStrike" cap="none" normalizeH="0" baseline="0" dirty="0">
                           <a:ln>
                             <a:noFill/>
                           </a:ln>
@@ -10606,7 +10808,7 @@
                         <a:t>단원</a:t>
                       </a:r>
                       <a:r>
-                        <a:rPr kumimoji="0" lang="en-US" altLang="ko-KR" sz="1200" b="0" i="0" u="none" strike="noStrike" cap="none" normalizeH="0" baseline="0" dirty="0" smtClean="0">
+                        <a:rPr kumimoji="0" lang="en-US" altLang="ko-KR" sz="1200" b="0" i="0" u="none" strike="noStrike" cap="none" normalizeH="0" baseline="0" dirty="0">
                           <a:ln>
                             <a:noFill/>
                           </a:ln>
@@ -10619,7 +10821,7 @@
                         </a:rPr>
                         <a:t> </a:t>
                       </a:r>
-                      <a:endParaRPr kumimoji="0" lang="ko-KR" altLang="en-US" sz="1200" b="0" i="0" u="none" strike="noStrike" cap="none" normalizeH="0" baseline="0" dirty="0" smtClean="0">
+                      <a:endParaRPr kumimoji="0" lang="ko-KR" altLang="en-US" sz="1200" b="0" i="0" u="none" strike="noStrike" cap="none" normalizeH="0" baseline="0" dirty="0">
                         <a:ln>
                           <a:noFill/>
                         </a:ln>
@@ -10700,7 +10902,7 @@
                         <a:tabLst/>
                       </a:pPr>
                       <a:r>
-                        <a:rPr kumimoji="0" lang="en-US" altLang="ko-KR" sz="1200" b="0" i="0" u="none" strike="noStrike" cap="none" normalizeH="0" baseline="0" dirty="0" smtClean="0">
+                        <a:rPr kumimoji="0" lang="en-US" altLang="ko-KR" sz="1200" b="0" i="0" u="none" strike="noStrike" cap="none" normalizeH="0" baseline="0" dirty="0">
                           <a:ln>
                             <a:noFill/>
                           </a:ln>
@@ -10713,7 +10915,7 @@
                         </a:rPr>
                         <a:t>suhi_p_0301_06</a:t>
                       </a:r>
-                      <a:endParaRPr kumimoji="0" lang="ko-KR" altLang="en-US" sz="1200" b="0" i="0" u="none" strike="noStrike" cap="none" normalizeH="0" baseline="0" dirty="0" smtClean="0">
+                      <a:endParaRPr kumimoji="0" lang="ko-KR" altLang="en-US" sz="1200" b="0" i="0" u="none" strike="noStrike" cap="none" normalizeH="0" baseline="0" dirty="0">
                         <a:ln>
                           <a:noFill/>
                         </a:ln>
@@ -10772,6 +10974,11 @@
                     <a:noFill/>
                   </a:tcPr>
                 </a:tc>
+                <a:extLst>
+                  <a:ext uri="{0D108BD9-81ED-4DB2-BD59-A6C34878D82A}">
+                    <a16:rowId xmlns:a16="http://schemas.microsoft.com/office/drawing/2014/main" val="10000"/>
+                  </a:ext>
+                </a:extLst>
               </a:tr>
               <a:tr h="360362">
                 <a:tc>
@@ -10796,7 +11003,7 @@
                         <a:tabLst/>
                       </a:pPr>
                       <a:r>
-                        <a:rPr kumimoji="0" lang="ko-KR" altLang="en-US" sz="1200" b="0" i="0" u="none" strike="noStrike" cap="none" normalizeH="0" baseline="0" smtClean="0">
+                        <a:rPr kumimoji="0" lang="ko-KR" altLang="en-US" sz="1200" b="0" i="0" u="none" strike="noStrike" cap="none" normalizeH="0" baseline="0">
                           <a:ln>
                             <a:noFill/>
                           </a:ln>
@@ -10879,7 +11086,7 @@
                         <a:tabLst/>
                       </a:pPr>
                       <a:r>
-                        <a:rPr kumimoji="0" lang="en-US" altLang="ko-KR" sz="1200" b="0" i="0" u="none" strike="noStrike" cap="none" normalizeH="0" baseline="0" dirty="0" smtClean="0">
+                        <a:rPr kumimoji="0" lang="en-US" altLang="ko-KR" sz="1200" b="0" i="0" u="none" strike="noStrike" cap="none" normalizeH="0" baseline="0" dirty="0">
                           <a:ln>
                             <a:noFill/>
                           </a:ln>
@@ -10893,7 +11100,7 @@
                         <a:t>01 </a:t>
                       </a:r>
                       <a:r>
-                        <a:rPr kumimoji="0" lang="ko-KR" altLang="en-US" sz="1200" b="0" i="0" u="none" strike="noStrike" cap="none" normalizeH="0" baseline="0" dirty="0" smtClean="0">
+                        <a:rPr kumimoji="0" lang="ko-KR" altLang="en-US" sz="1200" b="0" i="0" u="none" strike="noStrike" cap="none" normalizeH="0" baseline="0" dirty="0">
                           <a:ln>
                             <a:noFill/>
                           </a:ln>
@@ -10954,6 +11161,11 @@
                     <a:noFill/>
                   </a:tcPr>
                 </a:tc>
+                <a:extLst>
+                  <a:ext uri="{0D108BD9-81ED-4DB2-BD59-A6C34878D82A}">
+                    <a16:rowId xmlns:a16="http://schemas.microsoft.com/office/drawing/2014/main" val="10001"/>
+                  </a:ext>
+                </a:extLst>
               </a:tr>
               <a:tr h="360362">
                 <a:tc>
@@ -10978,7 +11190,7 @@
                         <a:tabLst/>
                       </a:pPr>
                       <a:r>
-                        <a:rPr kumimoji="0" lang="ko-KR" altLang="en-US" sz="1200" b="0" i="0" u="none" strike="noStrike" cap="none" normalizeH="0" baseline="0" smtClean="0">
+                        <a:rPr kumimoji="0" lang="ko-KR" altLang="en-US" sz="1200" b="0" i="0" u="none" strike="noStrike" cap="none" normalizeH="0" baseline="0">
                           <a:ln>
                             <a:noFill/>
                           </a:ln>
@@ -11062,7 +11274,7 @@
                         <a:defRPr/>
                       </a:pPr>
                       <a:r>
-                        <a:rPr kumimoji="0" lang="en-US" altLang="ko-KR" sz="1200" b="0" i="0" u="none" strike="noStrike" cap="none" normalizeH="0" baseline="0" dirty="0" smtClean="0">
+                        <a:rPr kumimoji="0" lang="en-US" altLang="ko-KR" sz="1200" b="0" i="0" u="none" strike="noStrike" cap="none" normalizeH="0" baseline="0" dirty="0">
                           <a:ln>
                             <a:noFill/>
                           </a:ln>
@@ -11075,7 +11287,7 @@
                         </a:rPr>
                         <a:t>suhi_p_0301_06_0001</a:t>
                       </a:r>
-                      <a:endParaRPr kumimoji="0" lang="ko-KR" altLang="en-US" sz="1200" b="0" i="0" u="none" strike="noStrike" cap="none" normalizeH="0" baseline="0" dirty="0" smtClean="0">
+                      <a:endParaRPr kumimoji="0" lang="ko-KR" altLang="en-US" sz="1200" b="0" i="0" u="none" strike="noStrike" cap="none" normalizeH="0" baseline="0" dirty="0">
                         <a:ln>
                           <a:noFill/>
                         </a:ln>
@@ -11134,6 +11346,11 @@
                     <a:noFill/>
                   </a:tcPr>
                 </a:tc>
+                <a:extLst>
+                  <a:ext uri="{0D108BD9-81ED-4DB2-BD59-A6C34878D82A}">
+                    <a16:rowId xmlns:a16="http://schemas.microsoft.com/office/drawing/2014/main" val="10002"/>
+                  </a:ext>
+                </a:extLst>
               </a:tr>
             </a:tbl>
           </a:graphicData>
@@ -11144,13 +11361,6 @@
   <p:clrMapOvr>
     <a:masterClrMapping/>
   </p:clrMapOvr>
-  <p:timing>
-    <p:tnLst>
-      <p:par>
-        <p:cTn id="1" dur="indefinite" restart="never" nodeType="tmRoot"/>
-      </p:par>
-    </p:tnLst>
-  </p:timing>
 </p:sld>
 </file>
 
@@ -11194,11 +11404,41 @@
             <a:tbl>
               <a:tblPr/>
               <a:tblGrid>
-                <a:gridCol w="739326"/>
-                <a:gridCol w="3689290"/>
-                <a:gridCol w="1258111"/>
-                <a:gridCol w="1154157"/>
-                <a:gridCol w="1944215"/>
+                <a:gridCol w="739326">
+                  <a:extLst>
+                    <a:ext uri="{9D8B030D-6E8A-4147-A177-3AD203B41FA5}">
+                      <a16:colId xmlns:a16="http://schemas.microsoft.com/office/drawing/2014/main" val="20000"/>
+                    </a:ext>
+                  </a:extLst>
+                </a:gridCol>
+                <a:gridCol w="3689290">
+                  <a:extLst>
+                    <a:ext uri="{9D8B030D-6E8A-4147-A177-3AD203B41FA5}">
+                      <a16:colId xmlns:a16="http://schemas.microsoft.com/office/drawing/2014/main" val="20001"/>
+                    </a:ext>
+                  </a:extLst>
+                </a:gridCol>
+                <a:gridCol w="1258111">
+                  <a:extLst>
+                    <a:ext uri="{9D8B030D-6E8A-4147-A177-3AD203B41FA5}">
+                      <a16:colId xmlns:a16="http://schemas.microsoft.com/office/drawing/2014/main" val="20002"/>
+                    </a:ext>
+                  </a:extLst>
+                </a:gridCol>
+                <a:gridCol w="1154157">
+                  <a:extLst>
+                    <a:ext uri="{9D8B030D-6E8A-4147-A177-3AD203B41FA5}">
+                      <a16:colId xmlns:a16="http://schemas.microsoft.com/office/drawing/2014/main" val="20003"/>
+                    </a:ext>
+                  </a:extLst>
+                </a:gridCol>
+                <a:gridCol w="1944215">
+                  <a:extLst>
+                    <a:ext uri="{9D8B030D-6E8A-4147-A177-3AD203B41FA5}">
+                      <a16:colId xmlns:a16="http://schemas.microsoft.com/office/drawing/2014/main" val="20004"/>
+                    </a:ext>
+                  </a:extLst>
+                </a:gridCol>
               </a:tblGrid>
               <a:tr h="396224">
                 <a:tc>
@@ -11223,7 +11463,7 @@
                         <a:tabLst/>
                       </a:pPr>
                       <a:r>
-                        <a:rPr kumimoji="0" lang="ko-KR" altLang="en-US" sz="1000" b="1" i="0" u="none" strike="noStrike" cap="none" normalizeH="0" baseline="0" dirty="0" smtClean="0">
+                        <a:rPr kumimoji="0" lang="ko-KR" altLang="en-US" sz="1000" b="1" i="0" u="none" strike="noStrike" cap="none" normalizeH="0" baseline="0" dirty="0">
                           <a:ln>
                             <a:noFill/>
                           </a:ln>
@@ -11308,7 +11548,7 @@
                         <a:tabLst/>
                       </a:pPr>
                       <a:r>
-                        <a:rPr kumimoji="0" lang="ko-KR" altLang="en-US" sz="1100" b="1" i="0" u="none" strike="noStrike" cap="none" normalizeH="0" baseline="0" dirty="0" smtClean="0">
+                        <a:rPr kumimoji="0" lang="ko-KR" altLang="en-US" sz="1100" b="1" i="0" u="none" strike="noStrike" cap="none" normalizeH="0" baseline="0" dirty="0">
                           <a:ln>
                             <a:noFill/>
                           </a:ln>
@@ -11393,7 +11633,7 @@
                         <a:tabLst/>
                       </a:pPr>
                       <a:r>
-                        <a:rPr kumimoji="0" lang="ko-KR" altLang="en-US" sz="1100" b="1" i="0" u="none" strike="noStrike" cap="none" normalizeH="0" baseline="0" dirty="0" smtClean="0">
+                        <a:rPr kumimoji="0" lang="ko-KR" altLang="en-US" sz="1100" b="1" i="0" u="none" strike="noStrike" cap="none" normalizeH="0" baseline="0" dirty="0">
                           <a:ln>
                             <a:noFill/>
                           </a:ln>
@@ -11478,7 +11718,7 @@
                         <a:tabLst/>
                       </a:pPr>
                       <a:r>
-                        <a:rPr kumimoji="0" lang="ko-KR" altLang="en-US" sz="1100" b="1" i="0" u="none" strike="noStrike" cap="none" normalizeH="0" baseline="0" dirty="0" smtClean="0">
+                        <a:rPr kumimoji="0" lang="ko-KR" altLang="en-US" sz="1100" b="1" i="0" u="none" strike="noStrike" cap="none" normalizeH="0" baseline="0" dirty="0">
                           <a:ln>
                             <a:noFill/>
                           </a:ln>
@@ -11563,7 +11803,7 @@
                         <a:tabLst/>
                       </a:pPr>
                       <a:r>
-                        <a:rPr kumimoji="0" lang="ko-KR" altLang="en-US" sz="1200" b="1" i="0" u="none" strike="noStrike" cap="none" normalizeH="0" baseline="0" dirty="0" smtClean="0">
+                        <a:rPr kumimoji="0" lang="ko-KR" altLang="en-US" sz="1200" b="1" i="0" u="none" strike="noStrike" cap="none" normalizeH="0" baseline="0" dirty="0">
                           <a:ln>
                             <a:noFill/>
                           </a:ln>
@@ -11576,7 +11816,7 @@
                         </a:rPr>
                         <a:t>자료 형태</a:t>
                       </a:r>
-                      <a:endParaRPr kumimoji="0" lang="en-US" altLang="ko-KR" sz="1200" b="1" i="0" u="none" strike="noStrike" cap="none" normalizeH="0" baseline="0" dirty="0" smtClean="0">
+                      <a:endParaRPr kumimoji="0" lang="en-US" altLang="ko-KR" sz="1200" b="1" i="0" u="none" strike="noStrike" cap="none" normalizeH="0" baseline="0" dirty="0">
                         <a:ln>
                           <a:noFill/>
                         </a:ln>
@@ -11606,7 +11846,7 @@
                         <a:tabLst/>
                       </a:pPr>
                       <a:r>
-                        <a:rPr kumimoji="0" lang="en-US" altLang="ko-KR" sz="900" b="1" i="0" u="none" strike="noStrike" cap="none" normalizeH="0" baseline="0" dirty="0" smtClean="0">
+                        <a:rPr kumimoji="0" lang="en-US" altLang="ko-KR" sz="900" b="1" i="0" u="none" strike="noStrike" cap="none" normalizeH="0" baseline="0" dirty="0">
                           <a:ln>
                             <a:noFill/>
                           </a:ln>
@@ -11620,7 +11860,7 @@
                         <a:t>(</a:t>
                       </a:r>
                       <a:r>
-                        <a:rPr kumimoji="0" lang="ko-KR" altLang="en-US" sz="900" b="1" i="0" u="none" strike="noStrike" cap="none" normalizeH="0" baseline="0" dirty="0" smtClean="0">
+                        <a:rPr kumimoji="0" lang="ko-KR" altLang="en-US" sz="900" b="1" i="0" u="none" strike="noStrike" cap="none" normalizeH="0" baseline="0" dirty="0">
                           <a:ln>
                             <a:noFill/>
                           </a:ln>
@@ -11634,7 +11874,7 @@
                         <a:t>동영상</a:t>
                       </a:r>
                       <a:r>
-                        <a:rPr kumimoji="0" lang="en-US" altLang="ko-KR" sz="900" b="1" i="0" u="none" strike="noStrike" cap="none" normalizeH="0" baseline="0" dirty="0" smtClean="0">
+                        <a:rPr kumimoji="0" lang="en-US" altLang="ko-KR" sz="900" b="1" i="0" u="none" strike="noStrike" cap="none" normalizeH="0" baseline="0" dirty="0">
                           <a:ln>
                             <a:noFill/>
                           </a:ln>
@@ -11648,7 +11888,7 @@
                         <a:t>, </a:t>
                       </a:r>
                       <a:r>
-                        <a:rPr kumimoji="0" lang="ko-KR" altLang="en-US" sz="900" b="1" i="0" u="none" strike="noStrike" cap="none" normalizeH="0" baseline="0" dirty="0" smtClean="0">
+                        <a:rPr kumimoji="0" lang="ko-KR" altLang="en-US" sz="900" b="1" i="0" u="none" strike="noStrike" cap="none" normalizeH="0" baseline="0" dirty="0">
                           <a:ln>
                             <a:noFill/>
                           </a:ln>
@@ -11662,7 +11902,7 @@
                         <a:t>애니메이션</a:t>
                       </a:r>
                       <a:r>
-                        <a:rPr kumimoji="0" lang="en-US" altLang="ko-KR" sz="900" b="1" i="0" u="none" strike="noStrike" cap="none" normalizeH="0" baseline="0" dirty="0" smtClean="0">
+                        <a:rPr kumimoji="0" lang="en-US" altLang="ko-KR" sz="900" b="1" i="0" u="none" strike="noStrike" cap="none" normalizeH="0" baseline="0" dirty="0">
                           <a:ln>
                             <a:noFill/>
                           </a:ln>
@@ -11676,7 +11916,7 @@
                         <a:t>, </a:t>
                       </a:r>
                       <a:r>
-                        <a:rPr kumimoji="0" lang="ko-KR" altLang="en-US" sz="900" b="1" i="0" u="none" strike="noStrike" cap="none" normalizeH="0" baseline="0" dirty="0" smtClean="0">
+                        <a:rPr kumimoji="0" lang="ko-KR" altLang="en-US" sz="900" b="1" i="0" u="none" strike="noStrike" cap="none" normalizeH="0" baseline="0" dirty="0">
                           <a:ln>
                             <a:noFill/>
                           </a:ln>
@@ -11690,7 +11930,7 @@
                         <a:t>노래</a:t>
                       </a:r>
                       <a:r>
-                        <a:rPr kumimoji="0" lang="en-US" altLang="ko-KR" sz="900" b="1" i="0" u="none" strike="noStrike" cap="none" normalizeH="0" baseline="0" dirty="0" smtClean="0">
+                        <a:rPr kumimoji="0" lang="en-US" altLang="ko-KR" sz="900" b="1" i="0" u="none" strike="noStrike" cap="none" normalizeH="0" baseline="0" dirty="0">
                           <a:ln>
                             <a:noFill/>
                           </a:ln>
@@ -11703,7 +11943,7 @@
                         </a:rPr>
                         <a:t>)</a:t>
                       </a:r>
-                      <a:endParaRPr kumimoji="0" lang="ko-KR" altLang="en-US" sz="900" b="1" i="0" u="none" strike="noStrike" cap="none" normalizeH="0" baseline="0" dirty="0" smtClean="0">
+                      <a:endParaRPr kumimoji="0" lang="ko-KR" altLang="en-US" sz="900" b="1" i="0" u="none" strike="noStrike" cap="none" normalizeH="0" baseline="0" dirty="0">
                         <a:ln>
                           <a:noFill/>
                         </a:ln>
@@ -11764,6 +12004,11 @@
                     </a:solidFill>
                   </a:tcPr>
                 </a:tc>
+                <a:extLst>
+                  <a:ext uri="{0D108BD9-81ED-4DB2-BD59-A6C34878D82A}">
+                    <a16:rowId xmlns:a16="http://schemas.microsoft.com/office/drawing/2014/main" val="10000"/>
+                  </a:ext>
+                </a:extLst>
               </a:tr>
               <a:tr h="396224">
                 <a:tc>
@@ -11787,7 +12032,7 @@
                         <a:buNone/>
                         <a:tabLst/>
                       </a:pPr>
-                      <a:endParaRPr kumimoji="0" lang="ko-KR" altLang="en-US" sz="1000" b="0" i="0" u="none" strike="noStrike" cap="none" normalizeH="0" baseline="0" dirty="0" smtClean="0">
+                      <a:endParaRPr kumimoji="0" lang="ko-KR" altLang="en-US" sz="1000" b="0" i="0" u="none" strike="noStrike" cap="none" normalizeH="0" baseline="0" dirty="0">
                         <a:ln>
                           <a:noFill/>
                         </a:ln>
@@ -11869,7 +12114,7 @@
                         <a:defRPr/>
                       </a:pPr>
                       <a:r>
-                        <a:rPr kumimoji="0" lang="en-US" altLang="ko-KR" sz="1000" b="0" i="0" u="none" strike="noStrike" cap="none" normalizeH="0" baseline="0" dirty="0" smtClean="0">
+                        <a:rPr kumimoji="0" lang="en-US" altLang="ko-KR" sz="1000" b="0" i="0" u="none" strike="noStrike" cap="none" normalizeH="0" baseline="0" dirty="0">
                           <a:ln>
                             <a:noFill/>
                           </a:ln>
@@ -11882,7 +12127,7 @@
                         </a:rPr>
                         <a:t>suhi_p_0301_06_0001.html</a:t>
                       </a:r>
-                      <a:endParaRPr kumimoji="0" lang="ko-KR" altLang="en-US" sz="1000" b="0" i="0" u="none" strike="noStrike" cap="none" normalizeH="0" baseline="0" dirty="0" smtClean="0">
+                      <a:endParaRPr kumimoji="0" lang="ko-KR" altLang="en-US" sz="1000" b="0" i="0" u="none" strike="noStrike" cap="none" normalizeH="0" baseline="0" dirty="0">
                         <a:ln>
                           <a:noFill/>
                         </a:ln>
@@ -11964,7 +12209,7 @@
                         <a:defRPr/>
                       </a:pPr>
                       <a:r>
-                        <a:rPr kumimoji="0" lang="ko-KR" altLang="en-US" sz="900" b="0" i="0" u="none" strike="noStrike" cap="none" normalizeH="0" baseline="0" dirty="0" smtClean="0">
+                        <a:rPr kumimoji="0" lang="ko-KR" altLang="en-US" sz="900" b="0" i="0" u="none" strike="noStrike" cap="none" normalizeH="0" baseline="0" dirty="0">
                           <a:ln>
                             <a:noFill/>
                           </a:ln>
@@ -11978,7 +12223,7 @@
                         <a:t>수학 익힘 </a:t>
                       </a:r>
                       <a:r>
-                        <a:rPr kumimoji="0" lang="en-US" altLang="ko-KR" sz="900" b="0" i="0" u="none" strike="noStrike" cap="none" normalizeH="0" baseline="0" dirty="0" smtClean="0">
+                        <a:rPr kumimoji="0" lang="en-US" altLang="ko-KR" sz="900" b="0" i="0" u="none" strike="noStrike" cap="none" normalizeH="0" baseline="0" dirty="0">
                           <a:ln>
                             <a:noFill/>
                           </a:ln>
@@ -11992,7 +12237,7 @@
                         <a:t>73</a:t>
                       </a:r>
                       <a:r>
-                        <a:rPr kumimoji="0" lang="ko-KR" altLang="en-US" sz="900" b="0" i="0" u="none" strike="noStrike" cap="none" normalizeH="0" baseline="0" dirty="0" smtClean="0">
+                        <a:rPr kumimoji="0" lang="ko-KR" altLang="en-US" sz="900" b="0" i="0" u="none" strike="noStrike" cap="none" normalizeH="0" baseline="0" dirty="0">
                           <a:ln>
                             <a:noFill/>
                           </a:ln>
@@ -12076,7 +12321,7 @@
                         <a:defRPr/>
                       </a:pPr>
                       <a:r>
-                        <a:rPr kumimoji="0" lang="en-US" altLang="ko-KR" sz="900" b="0" i="0" u="none" strike="noStrike" cap="none" normalizeH="0" baseline="0" dirty="0" smtClean="0">
+                        <a:rPr kumimoji="0" lang="en-US" altLang="ko-KR" sz="900" b="0" i="0" u="none" strike="noStrike" cap="none" normalizeH="0" baseline="0" dirty="0">
                           <a:ln>
                             <a:noFill/>
                           </a:ln>
@@ -12089,7 +12334,7 @@
                         </a:rPr>
                         <a:t>1</a:t>
                       </a:r>
-                      <a:endParaRPr kumimoji="0" lang="ko-KR" altLang="en-US" sz="900" b="0" i="0" u="none" strike="noStrike" cap="none" normalizeH="0" baseline="0" dirty="0" smtClean="0">
+                      <a:endParaRPr kumimoji="0" lang="ko-KR" altLang="en-US" sz="900" b="0" i="0" u="none" strike="noStrike" cap="none" normalizeH="0" baseline="0" dirty="0">
                         <a:ln>
                           <a:noFill/>
                         </a:ln>
@@ -12171,7 +12416,7 @@
                         <a:defRPr/>
                       </a:pPr>
                       <a:r>
-                        <a:rPr kumimoji="0" lang="en-US" altLang="ko-KR" sz="900" b="0" i="0" u="none" strike="noStrike" cap="none" normalizeH="0" baseline="0" dirty="0" smtClean="0">
+                        <a:rPr kumimoji="0" lang="en-US" altLang="ko-KR" sz="900" b="0" i="0" u="none" strike="noStrike" cap="none" normalizeH="0" baseline="0" dirty="0">
                           <a:ln>
                             <a:noFill/>
                           </a:ln>
@@ -12184,7 +12429,7 @@
                         </a:rPr>
                         <a:t>Html5</a:t>
                       </a:r>
-                      <a:endParaRPr kumimoji="0" lang="ko-KR" altLang="en-US" sz="900" b="0" i="0" u="none" strike="noStrike" cap="none" normalizeH="0" baseline="0" dirty="0" smtClean="0">
+                      <a:endParaRPr kumimoji="0" lang="ko-KR" altLang="en-US" sz="900" b="0" i="0" u="none" strike="noStrike" cap="none" normalizeH="0" baseline="0" dirty="0">
                         <a:ln>
                           <a:noFill/>
                         </a:ln>
@@ -12243,6 +12488,11 @@
                     <a:noFill/>
                   </a:tcPr>
                 </a:tc>
+                <a:extLst>
+                  <a:ext uri="{0D108BD9-81ED-4DB2-BD59-A6C34878D82A}">
+                    <a16:rowId xmlns:a16="http://schemas.microsoft.com/office/drawing/2014/main" val="10001"/>
+                  </a:ext>
+                </a:extLst>
               </a:tr>
               <a:tr h="396224">
                 <a:tc gridSpan="2">
@@ -12267,7 +12517,7 @@
                         <a:tabLst/>
                       </a:pPr>
                       <a:r>
-                        <a:rPr kumimoji="0" lang="ko-KR" altLang="en-US" sz="1200" b="1" i="0" u="none" strike="noStrike" cap="none" normalizeH="0" baseline="0" dirty="0" smtClean="0">
+                        <a:rPr kumimoji="0" lang="ko-KR" altLang="en-US" sz="1200" b="1" i="0" u="none" strike="noStrike" cap="none" normalizeH="0" baseline="0" dirty="0">
                           <a:ln>
                             <a:noFill/>
                           </a:ln>
@@ -12364,7 +12614,7 @@
                         <a:buNone/>
                         <a:tabLst/>
                       </a:pPr>
-                      <a:endParaRPr kumimoji="0" lang="en-US" altLang="ko-KR" sz="1200" b="0" i="0" u="none" strike="noStrike" cap="none" normalizeH="0" baseline="0" dirty="0" smtClean="0">
+                      <a:endParaRPr kumimoji="0" lang="en-US" altLang="ko-KR" sz="1200" b="0" i="0" u="none" strike="noStrike" cap="none" normalizeH="0" baseline="0" dirty="0">
                         <a:ln>
                           <a:noFill/>
                         </a:ln>
@@ -12449,7 +12699,7 @@
                         <a:tabLst/>
                       </a:pPr>
                       <a:r>
-                        <a:rPr kumimoji="0" lang="en-US" altLang="ko-KR" sz="1200" b="0" i="0" u="none" strike="noStrike" cap="none" normalizeH="0" baseline="0" dirty="0" smtClean="0">
+                        <a:rPr kumimoji="0" lang="en-US" altLang="ko-KR" sz="1200" b="0" i="0" u="none" strike="noStrike" cap="none" normalizeH="0" baseline="0" dirty="0">
                           <a:ln>
                             <a:noFill/>
                           </a:ln>
@@ -12462,7 +12712,7 @@
                         </a:rPr>
                         <a:t>1</a:t>
                       </a:r>
-                      <a:endParaRPr kumimoji="0" lang="ko-KR" altLang="en-US" sz="1200" b="0" i="0" u="none" strike="noStrike" cap="none" normalizeH="0" baseline="0" dirty="0" smtClean="0">
+                      <a:endParaRPr kumimoji="0" lang="ko-KR" altLang="en-US" sz="1200" b="0" i="0" u="none" strike="noStrike" cap="none" normalizeH="0" baseline="0" dirty="0">
                         <a:ln>
                           <a:noFill/>
                         </a:ln>
@@ -12546,7 +12796,7 @@
                         <a:buNone/>
                         <a:tabLst/>
                       </a:pPr>
-                      <a:endParaRPr kumimoji="0" lang="ko-KR" altLang="en-US" sz="1200" b="0" i="0" u="none" strike="noStrike" cap="none" normalizeH="0" baseline="0" dirty="0" smtClean="0">
+                      <a:endParaRPr kumimoji="0" lang="ko-KR" altLang="en-US" sz="1200" b="0" i="0" u="none" strike="noStrike" cap="none" normalizeH="0" baseline="0" dirty="0">
                         <a:ln>
                           <a:noFill/>
                         </a:ln>
@@ -12605,6 +12855,11 @@
                     <a:noFill/>
                   </a:tcPr>
                 </a:tc>
+                <a:extLst>
+                  <a:ext uri="{0D108BD9-81ED-4DB2-BD59-A6C34878D82A}">
+                    <a16:rowId xmlns:a16="http://schemas.microsoft.com/office/drawing/2014/main" val="10002"/>
+                  </a:ext>
+                </a:extLst>
               </a:tr>
             </a:tbl>
           </a:graphicData>
@@ -12615,13 +12870,6 @@
   <p:clrMapOvr>
     <a:masterClrMapping/>
   </p:clrMapOvr>
-  <p:timing>
-    <p:tnLst>
-      <p:par>
-        <p:cTn id="1" dur="indefinite" restart="never" nodeType="tmRoot"/>
-      </p:par>
-    </p:tnLst>
-  </p:timing>
 </p:sld>
 </file>
 
@@ -12659,7 +12907,13 @@
             <a:tbl>
               <a:tblPr/>
               <a:tblGrid>
-                <a:gridCol w="2016125"/>
+                <a:gridCol w="2016125">
+                  <a:extLst>
+                    <a:ext uri="{9D8B030D-6E8A-4147-A177-3AD203B41FA5}">
+                      <a16:colId xmlns:a16="http://schemas.microsoft.com/office/drawing/2014/main" val="20000"/>
+                    </a:ext>
+                  </a:extLst>
+                </a:gridCol>
               </a:tblGrid>
               <a:tr h="189064">
                 <a:tc>
@@ -12684,7 +12938,7 @@
                         <a:tabLst/>
                       </a:pPr>
                       <a:r>
-                        <a:rPr kumimoji="1" lang="en-US" altLang="ko-KR" sz="1000" b="0" i="0" u="none" strike="noStrike" cap="none" normalizeH="0" baseline="0" dirty="0" smtClean="0">
+                        <a:rPr kumimoji="1" lang="en-US" altLang="ko-KR" sz="1000" b="0" i="0" u="none" strike="noStrike" cap="none" normalizeH="0" baseline="0" dirty="0">
                           <a:ln>
                             <a:noFill/>
                           </a:ln>
@@ -12697,7 +12951,7 @@
                         </a:rPr>
                         <a:t>Θ Description &amp; Function</a:t>
                       </a:r>
-                      <a:endParaRPr kumimoji="1" lang="ko-KR" altLang="en-US" sz="1000" b="0" i="0" u="none" strike="noStrike" cap="none" normalizeH="0" baseline="0" dirty="0" smtClean="0">
+                      <a:endParaRPr kumimoji="1" lang="ko-KR" altLang="en-US" sz="1000" b="0" i="0" u="none" strike="noStrike" cap="none" normalizeH="0" baseline="0" dirty="0">
                         <a:ln>
                           <a:noFill/>
                         </a:ln>
@@ -12758,6 +13012,11 @@
                     </a:solidFill>
                   </a:tcPr>
                 </a:tc>
+                <a:extLst>
+                  <a:ext uri="{0D108BD9-81ED-4DB2-BD59-A6C34878D82A}">
+                    <a16:rowId xmlns:a16="http://schemas.microsoft.com/office/drawing/2014/main" val="10000"/>
+                  </a:ext>
+                </a:extLst>
               </a:tr>
             </a:tbl>
           </a:graphicData>
@@ -12792,16 +13051,12 @@
           <a:lstStyle/>
           <a:p>
             <a:r>
-              <a:rPr lang="en-US" altLang="ko-KR" sz="900" dirty="0" smtClean="0">
+              <a:rPr lang="en-US" altLang="ko-KR" sz="900" dirty="0">
                 <a:latin typeface="맑은 고딕" pitchFamily="50" charset="-127"/>
                 <a:ea typeface="맑은 고딕" pitchFamily="50" charset="-127"/>
               </a:rPr>
               <a:t>3-1	</a:t>
             </a:r>
-            <a:endParaRPr lang="en-US" altLang="ko-KR" sz="900" dirty="0">
-              <a:latin typeface="맑은 고딕" pitchFamily="50" charset="-127"/>
-              <a:ea typeface="맑은 고딕" pitchFamily="50" charset="-127"/>
-            </a:endParaRPr>
           </a:p>
         </p:txBody>
       </p:sp>
@@ -12834,23 +13089,19 @@
           <a:lstStyle/>
           <a:p>
             <a:r>
-              <a:rPr lang="en-US" altLang="ko-KR" sz="1000" dirty="0" smtClean="0">
+              <a:rPr lang="en-US" altLang="ko-KR" sz="1000" dirty="0">
                 <a:latin typeface="맑은 고딕" pitchFamily="50" charset="-127"/>
                 <a:ea typeface="맑은 고딕" pitchFamily="50" charset="-127"/>
               </a:rPr>
               <a:t>6. </a:t>
             </a:r>
             <a:r>
-              <a:rPr lang="ko-KR" altLang="en-US" sz="1000" dirty="0" smtClean="0">
+              <a:rPr lang="ko-KR" altLang="en-US" sz="1000" dirty="0">
                 <a:latin typeface="맑은 고딕" pitchFamily="50" charset="-127"/>
                 <a:ea typeface="맑은 고딕" pitchFamily="50" charset="-127"/>
               </a:rPr>
               <a:t>분수와 소수</a:t>
             </a:r>
-            <a:endParaRPr lang="ko-KR" altLang="en-US" sz="1000" dirty="0">
-              <a:latin typeface="맑은 고딕" pitchFamily="50" charset="-127"/>
-              <a:ea typeface="맑은 고딕" pitchFamily="50" charset="-127"/>
-            </a:endParaRPr>
           </a:p>
         </p:txBody>
       </p:sp>
@@ -12883,23 +13134,19 @@
           <a:lstStyle/>
           <a:p>
             <a:r>
-              <a:rPr lang="en-US" altLang="ko-KR" sz="1000" dirty="0" smtClean="0">
+              <a:rPr lang="en-US" altLang="ko-KR" sz="1000" dirty="0">
                 <a:latin typeface="맑은 고딕" pitchFamily="50" charset="-127"/>
                 <a:ea typeface="맑은 고딕" pitchFamily="50" charset="-127"/>
               </a:rPr>
               <a:t>01 </a:t>
             </a:r>
             <a:r>
-              <a:rPr lang="ko-KR" altLang="en-US" sz="1000" dirty="0" smtClean="0">
+              <a:rPr lang="ko-KR" altLang="en-US" sz="1000" dirty="0">
                 <a:latin typeface="맑은 고딕" pitchFamily="50" charset="-127"/>
                 <a:ea typeface="맑은 고딕" pitchFamily="50" charset="-127"/>
               </a:rPr>
               <a:t>배운 내용을 기억하고 있나요</a:t>
             </a:r>
-            <a:endParaRPr lang="ko-KR" altLang="en-US" sz="1000" dirty="0">
-              <a:latin typeface="맑은 고딕" pitchFamily="50" charset="-127"/>
-              <a:ea typeface="맑은 고딕" pitchFamily="50" charset="-127"/>
-            </a:endParaRPr>
           </a:p>
         </p:txBody>
       </p:sp>
@@ -12937,13 +13184,13 @@
               <a:defRPr/>
             </a:pPr>
             <a:r>
-              <a:rPr kumimoji="0" lang="en-US" altLang="ko-KR" sz="1000" dirty="0" smtClean="0">
+              <a:rPr kumimoji="0" lang="en-US" altLang="ko-KR" sz="1000" dirty="0">
                 <a:latin typeface="맑은 고딕" pitchFamily="50" charset="-127"/>
                 <a:ea typeface="맑은 고딕" pitchFamily="50" charset="-127"/>
               </a:rPr>
               <a:t>suhi_p_0301_06_0001</a:t>
             </a:r>
-            <a:endParaRPr kumimoji="0" lang="ko-KR" altLang="en-US" sz="1000" dirty="0" smtClean="0">
+            <a:endParaRPr kumimoji="0" lang="ko-KR" altLang="en-US" sz="1000" dirty="0">
               <a:latin typeface="맑은 고딕" pitchFamily="50" charset="-127"/>
               <a:ea typeface="맑은 고딕" pitchFamily="50" charset="-127"/>
             </a:endParaRPr>
@@ -13131,14 +13378,14 @@
           <a:p>
             <a:pPr algn="just"/>
             <a:r>
-              <a:rPr lang="ko-KR" altLang="en-US" sz="1100" dirty="0" smtClean="0">
+              <a:rPr lang="ko-KR" altLang="en-US" sz="1100" dirty="0">
                 <a:latin typeface="맑은 고딕" pitchFamily="50" charset="-127"/>
                 <a:ea typeface="맑은 고딕" pitchFamily="50" charset="-127"/>
               </a:rPr>
               <a:t>배운 내용을 기억하고 있나요 </a:t>
             </a:r>
             <a:r>
-              <a:rPr lang="ko-KR" altLang="en-US" sz="1100" dirty="0" smtClean="0">
+              <a:rPr lang="ko-KR" altLang="en-US" sz="1100" dirty="0">
                 <a:solidFill>
                   <a:srgbClr val="339933"/>
                 </a:solidFill>
@@ -13148,7 +13395,7 @@
               <a:t>│ </a:t>
             </a:r>
             <a:r>
-              <a:rPr lang="en-US" altLang="ko-KR" sz="1100" dirty="0" smtClean="0">
+              <a:rPr lang="en-US" altLang="ko-KR" sz="1100" dirty="0">
                 <a:solidFill>
                   <a:srgbClr val="339933"/>
                 </a:solidFill>
@@ -13158,7 +13405,7 @@
               <a:t>73</a:t>
             </a:r>
             <a:r>
-              <a:rPr lang="ko-KR" altLang="en-US" sz="1100" dirty="0" smtClean="0">
+              <a:rPr lang="ko-KR" altLang="en-US" sz="1100" dirty="0">
                 <a:solidFill>
                   <a:srgbClr val="339933"/>
                 </a:solidFill>
@@ -13167,7 +13414,7 @@
               </a:rPr>
               <a:t>쪽</a:t>
             </a:r>
-            <a:endParaRPr lang="en-US" altLang="ko-KR" sz="1100" dirty="0" smtClean="0">
+            <a:endParaRPr lang="en-US" altLang="ko-KR" sz="1100" dirty="0">
               <a:solidFill>
                 <a:srgbClr val="339933"/>
               </a:solidFill>
@@ -13200,14 +13447,14 @@
           <a:lstStyle/>
           <a:p>
             <a:r>
-              <a:rPr lang="ko-KR" altLang="en-US" sz="2000" dirty="0" smtClean="0">
+              <a:rPr lang="ko-KR" altLang="en-US" sz="2000" dirty="0">
                 <a:latin typeface="맑은 고딕" panose="020B0503020000020004" pitchFamily="50" charset="-127"/>
                 <a:ea typeface="맑은 고딕" panose="020B0503020000020004" pitchFamily="50" charset="-127"/>
               </a:rPr>
               <a:t>노란색 조각으로 주황색 모양을 만들려면 노란색 조각이 몇 개 필요할까요</a:t>
             </a:r>
             <a:r>
-              <a:rPr lang="en-US" altLang="ko-KR" sz="2000" dirty="0" smtClean="0">
+              <a:rPr lang="en-US" altLang="ko-KR" sz="2000" dirty="0">
                 <a:latin typeface="맑은 고딕" panose="020B0503020000020004" pitchFamily="50" charset="-127"/>
                 <a:ea typeface="맑은 고딕" panose="020B0503020000020004" pitchFamily="50" charset="-127"/>
               </a:rPr>
@@ -13546,7 +13793,7 @@
                 </a:lnSpc>
               </a:pPr>
               <a:r>
-                <a:rPr lang="en-US" altLang="ko-KR" sz="1100" b="1" dirty="0" smtClean="0">
+                <a:rPr lang="en-US" altLang="ko-KR" sz="1100" b="1" dirty="0">
                   <a:solidFill>
                     <a:schemeClr val="bg1"/>
                   </a:solidFill>
@@ -13752,7 +13999,7 @@
                 </a:lnSpc>
               </a:pPr>
               <a:r>
-                <a:rPr lang="en-US" altLang="ko-KR" sz="1100" b="1" dirty="0" smtClean="0">
+                <a:rPr lang="en-US" altLang="ko-KR" sz="1100" b="1" dirty="0">
                   <a:solidFill>
                     <a:schemeClr val="bg1"/>
                   </a:solidFill>
@@ -13967,13 +14214,6 @@
                 </a:rPr>
                 <a:t>2</a:t>
               </a:r>
-              <a:endParaRPr lang="en-US" altLang="ko-KR" sz="1100" b="1" dirty="0" smtClean="0">
-                <a:solidFill>
-                  <a:schemeClr val="bg1"/>
-                </a:solidFill>
-                <a:latin typeface="맑은 고딕" pitchFamily="50" charset="-127"/>
-                <a:ea typeface="맑은 고딕" pitchFamily="50" charset="-127"/>
-              </a:endParaRPr>
             </a:p>
           </p:txBody>
         </p:sp>
@@ -14154,7 +14394,7 @@
               </a:lnSpc>
             </a:pPr>
             <a:r>
-              <a:rPr lang="en-US" altLang="ko-KR" sz="1100" b="1" dirty="0" smtClean="0">
+              <a:rPr lang="en-US" altLang="ko-KR" sz="1100" b="1" dirty="0">
                 <a:solidFill>
                   <a:schemeClr val="bg1"/>
                 </a:solidFill>
@@ -14282,13 +14522,13 @@
           <a:p>
             <a:pPr algn="just"/>
             <a:r>
-              <a:rPr lang="ko-KR" altLang="en-US" sz="1800" smtClean="0">
+              <a:rPr lang="ko-KR" altLang="en-US" sz="1800">
                 <a:latin typeface="맑은 고딕" panose="020B0503020000020004" pitchFamily="50" charset="-127"/>
                 <a:ea typeface="맑은 고딕" panose="020B0503020000020004" pitchFamily="50" charset="-127"/>
               </a:rPr>
               <a:t>개</a:t>
             </a:r>
-            <a:endParaRPr lang="ko-KR" altLang="en-US" sz="1800" dirty="0" smtClean="0">
+            <a:endParaRPr lang="ko-KR" altLang="en-US" sz="1800" dirty="0">
               <a:latin typeface="맑은 고딕" panose="020B0503020000020004" pitchFamily="50" charset="-127"/>
               <a:ea typeface="맑은 고딕" panose="020B0503020000020004" pitchFamily="50" charset="-127"/>
             </a:endParaRPr>
@@ -14319,7 +14559,7 @@
           <a:p>
             <a:pPr algn="just"/>
             <a:r>
-              <a:rPr lang="ko-KR" altLang="en-US" sz="1800" dirty="0" smtClean="0">
+              <a:rPr lang="ko-KR" altLang="en-US" sz="1800" dirty="0">
                 <a:latin typeface="맑은 고딕" panose="020B0503020000020004" pitchFamily="50" charset="-127"/>
                 <a:ea typeface="맑은 고딕" panose="020B0503020000020004" pitchFamily="50" charset="-127"/>
               </a:rPr>
@@ -14354,14 +14594,14 @@
                 <a:gridCol w="858104">
                   <a:extLst>
                     <a:ext uri="{9D8B030D-6E8A-4147-A177-3AD203B41FA5}">
-                      <a16:colId xmlns="" xmlns:a16="http://schemas.microsoft.com/office/drawing/2014/main" val="20000"/>
+                      <a16:colId xmlns:a16="http://schemas.microsoft.com/office/drawing/2014/main" val="20000"/>
                     </a:ext>
                   </a:extLst>
                 </a:gridCol>
                 <a:gridCol w="5830760">
                   <a:extLst>
                     <a:ext uri="{9D8B030D-6E8A-4147-A177-3AD203B41FA5}">
-                      <a16:colId xmlns="" xmlns:a16="http://schemas.microsoft.com/office/drawing/2014/main" val="20001"/>
+                      <a16:colId xmlns:a16="http://schemas.microsoft.com/office/drawing/2014/main" val="20001"/>
                     </a:ext>
                   </a:extLst>
                 </a:gridCol>
@@ -14392,7 +14632,7 @@
                         </a:tabLst>
                       </a:pPr>
                       <a:r>
-                        <a:rPr kumimoji="1" lang="ko-KR" altLang="en-US" sz="1000" b="1" i="0" u="none" strike="noStrike" cap="none" normalizeH="0" baseline="0" dirty="0" smtClean="0">
+                        <a:rPr kumimoji="1" lang="ko-KR" altLang="en-US" sz="1000" b="1" i="0" u="none" strike="noStrike" cap="none" normalizeH="0" baseline="0" dirty="0">
                           <a:ln>
                             <a:noFill/>
                           </a:ln>
@@ -14405,7 +14645,7 @@
                         </a:rPr>
                         <a:t>삽화 파일명</a:t>
                       </a:r>
-                      <a:endParaRPr kumimoji="1" lang="en-US" altLang="ko-KR" sz="1000" b="1" i="0" u="none" strike="noStrike" cap="none" normalizeH="0" baseline="0" dirty="0" smtClean="0">
+                      <a:endParaRPr kumimoji="1" lang="en-US" altLang="ko-KR" sz="1000" b="1" i="0" u="none" strike="noStrike" cap="none" normalizeH="0" baseline="0" dirty="0">
                         <a:ln>
                           <a:noFill/>
                         </a:ln>
@@ -14492,7 +14732,7 @@
                         <a:defRPr/>
                       </a:pPr>
                       <a:r>
-                        <a:rPr kumimoji="0" lang="en-US" altLang="ko-KR" sz="1000" dirty="0" err="1" smtClean="0">
+                        <a:rPr kumimoji="0" lang="en-US" altLang="ko-KR" sz="1000" dirty="0" err="1">
                           <a:solidFill>
                             <a:schemeClr val="tx1"/>
                           </a:solidFill>
@@ -14501,7 +14741,7 @@
                         </a:rPr>
                         <a:t>bg.svg</a:t>
                       </a:r>
-                      <a:endParaRPr kumimoji="0" lang="en-US" altLang="ko-KR" sz="1000" dirty="0" smtClean="0">
+                      <a:endParaRPr kumimoji="0" lang="en-US" altLang="ko-KR" sz="1000" dirty="0">
                         <a:solidFill>
                           <a:schemeClr val="tx1"/>
                         </a:solidFill>
@@ -14528,7 +14768,7 @@
                         <a:defRPr/>
                       </a:pPr>
                       <a:r>
-                        <a:rPr kumimoji="0" lang="ko-KR" altLang="en-US" sz="1000" dirty="0" smtClean="0">
+                        <a:rPr kumimoji="0" lang="ko-KR" altLang="en-US" sz="1000" dirty="0">
                           <a:solidFill>
                             <a:schemeClr val="tx1"/>
                           </a:solidFill>
@@ -14538,7 +14778,7 @@
                         <a:t>박만구 수학 </a:t>
                       </a:r>
                       <a:r>
-                        <a:rPr kumimoji="0" lang="en-US" altLang="ko-KR" sz="1000" dirty="0" smtClean="0">
+                        <a:rPr kumimoji="0" lang="en-US" altLang="ko-KR" sz="1000" dirty="0">
                           <a:solidFill>
                             <a:schemeClr val="tx1"/>
                           </a:solidFill>
@@ -14548,7 +14788,7 @@
                         <a:t>3-1 </a:t>
                       </a:r>
                       <a:r>
-                        <a:rPr kumimoji="0" lang="ko-KR" altLang="en-US" sz="1000" dirty="0" smtClean="0">
+                        <a:rPr kumimoji="0" lang="ko-KR" altLang="en-US" sz="1000" dirty="0">
                           <a:solidFill>
                             <a:schemeClr val="tx1"/>
                           </a:solidFill>
@@ -14558,7 +14798,7 @@
                         <a:t>지도서</a:t>
                       </a:r>
                       <a:r>
-                        <a:rPr kumimoji="0" lang="en-US" altLang="ko-KR" sz="1000" dirty="0" smtClean="0">
+                        <a:rPr kumimoji="0" lang="en-US" altLang="ko-KR" sz="1000" dirty="0">
                           <a:solidFill>
                             <a:schemeClr val="tx1"/>
                           </a:solidFill>
@@ -14568,7 +14808,7 @@
                         <a:t>\app\resource\</a:t>
                       </a:r>
                       <a:r>
-                        <a:rPr kumimoji="0" lang="en-US" altLang="ko-KR" sz="1000" dirty="0" err="1" smtClean="0">
+                        <a:rPr kumimoji="0" lang="en-US" altLang="ko-KR" sz="1000" dirty="0" err="1">
                           <a:solidFill>
                             <a:schemeClr val="tx1"/>
                           </a:solidFill>
@@ -14578,7 +14818,7 @@
                         <a:t>contents_sub</a:t>
                       </a:r>
                       <a:r>
-                        <a:rPr kumimoji="0" lang="en-US" altLang="ko-KR" sz="1000" dirty="0" smtClean="0">
+                        <a:rPr kumimoji="0" lang="en-US" altLang="ko-KR" sz="1000" dirty="0">
                           <a:solidFill>
                             <a:schemeClr val="tx1"/>
                           </a:solidFill>
@@ -14630,7 +14870,7 @@
                 </a:tc>
                 <a:extLst>
                   <a:ext uri="{0D108BD9-81ED-4DB2-BD59-A6C34878D82A}">
-                    <a16:rowId xmlns="" xmlns:a16="http://schemas.microsoft.com/office/drawing/2014/main" val="10000"/>
+                    <a16:rowId xmlns:a16="http://schemas.microsoft.com/office/drawing/2014/main" val="10000"/>
                   </a:ext>
                 </a:extLst>
               </a:tr>
@@ -14666,7 +14906,7 @@
           <a:p>
             <a:pPr algn="ctr"/>
             <a:r>
-              <a:rPr lang="en-US" altLang="ko-KR" sz="1800" b="1" dirty="0" smtClean="0">
+              <a:rPr lang="en-US" altLang="ko-KR" sz="1800" b="1" dirty="0">
                 <a:solidFill>
                   <a:srgbClr val="0070C0"/>
                 </a:solidFill>
@@ -14675,7 +14915,7 @@
               </a:rPr>
               <a:t>2</a:t>
             </a:r>
-            <a:endParaRPr lang="ko-KR" altLang="en-US" sz="1800" b="1" dirty="0" smtClean="0">
+            <a:endParaRPr lang="ko-KR" altLang="en-US" sz="1800" b="1" dirty="0">
               <a:solidFill>
                 <a:srgbClr val="0070C0"/>
               </a:solidFill>
@@ -14713,7 +14953,7 @@
           <a:p>
             <a:pPr algn="ctr"/>
             <a:r>
-              <a:rPr lang="en-US" altLang="ko-KR" sz="1800" b="1" dirty="0" smtClean="0">
+              <a:rPr lang="en-US" altLang="ko-KR" sz="1800" b="1" dirty="0">
                 <a:solidFill>
                   <a:srgbClr val="0070C0"/>
                 </a:solidFill>
@@ -14722,7 +14962,7 @@
               </a:rPr>
               <a:t>5</a:t>
             </a:r>
-            <a:endParaRPr lang="ko-KR" altLang="en-US" sz="1800" b="1" dirty="0" smtClean="0">
+            <a:endParaRPr lang="ko-KR" altLang="en-US" sz="1800" b="1" dirty="0">
               <a:solidFill>
                 <a:srgbClr val="0070C0"/>
               </a:solidFill>
@@ -15184,7 +15424,7 @@
               <a:defRPr/>
             </a:pPr>
             <a:r>
-              <a:rPr lang="en-US" altLang="ko-KR" sz="1100" b="1" dirty="0" smtClean="0">
+              <a:rPr lang="en-US" altLang="ko-KR" sz="1100" b="1" dirty="0">
                 <a:solidFill>
                   <a:schemeClr val="bg1"/>
                 </a:solidFill>
@@ -15375,7 +15615,7 @@
               <a:defRPr/>
             </a:pPr>
             <a:r>
-              <a:rPr lang="en-US" altLang="ko-KR" sz="1100" b="1" dirty="0" smtClean="0">
+              <a:rPr lang="en-US" altLang="ko-KR" sz="1100" b="1" dirty="0">
                 <a:solidFill>
                   <a:schemeClr val="bg1"/>
                 </a:solidFill>
@@ -15404,13 +15644,6 @@
   <p:clrMapOvr>
     <a:masterClrMapping/>
   </p:clrMapOvr>
-  <p:timing>
-    <p:tnLst>
-      <p:par>
-        <p:cTn id="1" dur="indefinite" restart="never" nodeType="tmRoot"/>
-      </p:par>
-    </p:tnLst>
-  </p:timing>
 </p:sld>
 </file>
 
@@ -15448,7 +15681,13 @@
             <a:tbl>
               <a:tblPr/>
               <a:tblGrid>
-                <a:gridCol w="2016125"/>
+                <a:gridCol w="2016125">
+                  <a:extLst>
+                    <a:ext uri="{9D8B030D-6E8A-4147-A177-3AD203B41FA5}">
+                      <a16:colId xmlns:a16="http://schemas.microsoft.com/office/drawing/2014/main" val="20000"/>
+                    </a:ext>
+                  </a:extLst>
+                </a:gridCol>
               </a:tblGrid>
               <a:tr h="189064">
                 <a:tc>
@@ -15473,7 +15712,7 @@
                         <a:tabLst/>
                       </a:pPr>
                       <a:r>
-                        <a:rPr kumimoji="1" lang="en-US" altLang="ko-KR" sz="1000" b="0" i="0" u="none" strike="noStrike" cap="none" normalizeH="0" baseline="0" dirty="0" smtClean="0">
+                        <a:rPr kumimoji="1" lang="en-US" altLang="ko-KR" sz="1000" b="0" i="0" u="none" strike="noStrike" cap="none" normalizeH="0" baseline="0" dirty="0">
                           <a:ln>
                             <a:noFill/>
                           </a:ln>
@@ -15486,7 +15725,7 @@
                         </a:rPr>
                         <a:t>Θ Description &amp; Function</a:t>
                       </a:r>
-                      <a:endParaRPr kumimoji="1" lang="ko-KR" altLang="en-US" sz="1000" b="0" i="0" u="none" strike="noStrike" cap="none" normalizeH="0" baseline="0" dirty="0" smtClean="0">
+                      <a:endParaRPr kumimoji="1" lang="ko-KR" altLang="en-US" sz="1000" b="0" i="0" u="none" strike="noStrike" cap="none" normalizeH="0" baseline="0" dirty="0">
                         <a:ln>
                           <a:noFill/>
                         </a:ln>
@@ -15547,6 +15786,11 @@
                     </a:solidFill>
                   </a:tcPr>
                 </a:tc>
+                <a:extLst>
+                  <a:ext uri="{0D108BD9-81ED-4DB2-BD59-A6C34878D82A}">
+                    <a16:rowId xmlns:a16="http://schemas.microsoft.com/office/drawing/2014/main" val="10000"/>
+                  </a:ext>
+                </a:extLst>
               </a:tr>
             </a:tbl>
           </a:graphicData>
@@ -15581,16 +15825,12 @@
           <a:lstStyle/>
           <a:p>
             <a:r>
-              <a:rPr lang="en-US" altLang="ko-KR" sz="900" dirty="0" smtClean="0">
+              <a:rPr lang="en-US" altLang="ko-KR" sz="900" dirty="0">
                 <a:latin typeface="맑은 고딕" pitchFamily="50" charset="-127"/>
                 <a:ea typeface="맑은 고딕" pitchFamily="50" charset="-127"/>
               </a:rPr>
               <a:t>3-1	</a:t>
             </a:r>
-            <a:endParaRPr lang="en-US" altLang="ko-KR" sz="900" dirty="0">
-              <a:latin typeface="맑은 고딕" pitchFamily="50" charset="-127"/>
-              <a:ea typeface="맑은 고딕" pitchFamily="50" charset="-127"/>
-            </a:endParaRPr>
           </a:p>
         </p:txBody>
       </p:sp>
@@ -15623,23 +15863,19 @@
           <a:lstStyle/>
           <a:p>
             <a:r>
-              <a:rPr lang="en-US" altLang="ko-KR" sz="1000" dirty="0" smtClean="0">
+              <a:rPr lang="en-US" altLang="ko-KR" sz="1000" dirty="0">
                 <a:latin typeface="맑은 고딕" pitchFamily="50" charset="-127"/>
                 <a:ea typeface="맑은 고딕" pitchFamily="50" charset="-127"/>
               </a:rPr>
               <a:t>6. </a:t>
             </a:r>
             <a:r>
-              <a:rPr lang="ko-KR" altLang="en-US" sz="1000" dirty="0" smtClean="0">
+              <a:rPr lang="ko-KR" altLang="en-US" sz="1000" dirty="0">
                 <a:latin typeface="맑은 고딕" pitchFamily="50" charset="-127"/>
                 <a:ea typeface="맑은 고딕" pitchFamily="50" charset="-127"/>
               </a:rPr>
               <a:t>분수와 소수</a:t>
             </a:r>
-            <a:endParaRPr lang="ko-KR" altLang="en-US" sz="1000" dirty="0">
-              <a:latin typeface="맑은 고딕" pitchFamily="50" charset="-127"/>
-              <a:ea typeface="맑은 고딕" pitchFamily="50" charset="-127"/>
-            </a:endParaRPr>
           </a:p>
         </p:txBody>
       </p:sp>
@@ -15672,23 +15908,19 @@
           <a:lstStyle/>
           <a:p>
             <a:r>
-              <a:rPr lang="en-US" altLang="ko-KR" sz="1000" dirty="0" smtClean="0">
+              <a:rPr lang="en-US" altLang="ko-KR" sz="1000" dirty="0">
                 <a:latin typeface="맑은 고딕" pitchFamily="50" charset="-127"/>
                 <a:ea typeface="맑은 고딕" pitchFamily="50" charset="-127"/>
               </a:rPr>
               <a:t>01 </a:t>
             </a:r>
             <a:r>
-              <a:rPr lang="ko-KR" altLang="en-US" sz="1000" dirty="0" smtClean="0">
+              <a:rPr lang="ko-KR" altLang="en-US" sz="1000" dirty="0">
                 <a:latin typeface="맑은 고딕" pitchFamily="50" charset="-127"/>
                 <a:ea typeface="맑은 고딕" pitchFamily="50" charset="-127"/>
               </a:rPr>
               <a:t>배운 내용을 기억하고 있나요</a:t>
             </a:r>
-            <a:endParaRPr lang="ko-KR" altLang="en-US" sz="1000" dirty="0">
-              <a:latin typeface="맑은 고딕" pitchFamily="50" charset="-127"/>
-              <a:ea typeface="맑은 고딕" pitchFamily="50" charset="-127"/>
-            </a:endParaRPr>
           </a:p>
         </p:txBody>
       </p:sp>
@@ -15726,13 +15958,13 @@
               <a:defRPr/>
             </a:pPr>
             <a:r>
-              <a:rPr kumimoji="0" lang="en-US" altLang="ko-KR" sz="1000" dirty="0" smtClean="0">
+              <a:rPr kumimoji="0" lang="en-US" altLang="ko-KR" sz="1000" dirty="0">
                 <a:latin typeface="맑은 고딕" pitchFamily="50" charset="-127"/>
                 <a:ea typeface="맑은 고딕" pitchFamily="50" charset="-127"/>
               </a:rPr>
               <a:t>suhi_p_0301_06_0001</a:t>
             </a:r>
-            <a:endParaRPr kumimoji="0" lang="ko-KR" altLang="en-US" sz="1000" dirty="0" smtClean="0">
+            <a:endParaRPr kumimoji="0" lang="ko-KR" altLang="en-US" sz="1000" dirty="0">
               <a:latin typeface="맑은 고딕" pitchFamily="50" charset="-127"/>
               <a:ea typeface="맑은 고딕" pitchFamily="50" charset="-127"/>
             </a:endParaRPr>
@@ -15920,14 +16152,14 @@
           <a:p>
             <a:pPr algn="just"/>
             <a:r>
-              <a:rPr lang="ko-KR" altLang="en-US" sz="1100" dirty="0" smtClean="0">
+              <a:rPr lang="ko-KR" altLang="en-US" sz="1100" dirty="0">
                 <a:latin typeface="맑은 고딕" pitchFamily="50" charset="-127"/>
                 <a:ea typeface="맑은 고딕" pitchFamily="50" charset="-127"/>
               </a:rPr>
               <a:t>배운 내용을 기억하고 있나요 </a:t>
             </a:r>
             <a:r>
-              <a:rPr lang="ko-KR" altLang="en-US" sz="1100" dirty="0" smtClean="0">
+              <a:rPr lang="ko-KR" altLang="en-US" sz="1100" dirty="0">
                 <a:solidFill>
                   <a:srgbClr val="339933"/>
                 </a:solidFill>
@@ -15937,7 +16169,7 @@
               <a:t>│ </a:t>
             </a:r>
             <a:r>
-              <a:rPr lang="en-US" altLang="ko-KR" sz="1100" dirty="0" smtClean="0">
+              <a:rPr lang="en-US" altLang="ko-KR" sz="1100" dirty="0">
                 <a:solidFill>
                   <a:srgbClr val="339933"/>
                 </a:solidFill>
@@ -15947,7 +16179,7 @@
               <a:t>73</a:t>
             </a:r>
             <a:r>
-              <a:rPr lang="ko-KR" altLang="en-US" sz="1100" dirty="0" smtClean="0">
+              <a:rPr lang="ko-KR" altLang="en-US" sz="1100" dirty="0">
                 <a:solidFill>
                   <a:srgbClr val="339933"/>
                 </a:solidFill>
@@ -15956,7 +16188,7 @@
               </a:rPr>
               <a:t>쪽</a:t>
             </a:r>
-            <a:endParaRPr lang="en-US" altLang="ko-KR" sz="1100" dirty="0" smtClean="0">
+            <a:endParaRPr lang="en-US" altLang="ko-KR" sz="1100" dirty="0">
               <a:solidFill>
                 <a:srgbClr val="339933"/>
               </a:solidFill>
@@ -15989,14 +16221,14 @@
           <a:lstStyle/>
           <a:p>
             <a:r>
-              <a:rPr lang="ko-KR" altLang="en-US" sz="2000" dirty="0" smtClean="0">
+              <a:rPr lang="ko-KR" altLang="en-US" sz="2000" dirty="0">
                 <a:latin typeface="맑은 고딕" panose="020B0503020000020004" pitchFamily="50" charset="-127"/>
                 <a:ea typeface="맑은 고딕" panose="020B0503020000020004" pitchFamily="50" charset="-127"/>
               </a:rPr>
               <a:t>노란색 조각으로 주황색 모양을 만들려면 노란색 조각이 몇 개 필요할까요</a:t>
             </a:r>
             <a:r>
-              <a:rPr lang="en-US" altLang="ko-KR" sz="2000" dirty="0" smtClean="0">
+              <a:rPr lang="en-US" altLang="ko-KR" sz="2000" dirty="0">
                 <a:latin typeface="맑은 고딕" panose="020B0503020000020004" pitchFamily="50" charset="-127"/>
                 <a:ea typeface="맑은 고딕" panose="020B0503020000020004" pitchFamily="50" charset="-127"/>
               </a:rPr>
@@ -16202,7 +16434,7 @@
                 </a:lnSpc>
               </a:pPr>
               <a:r>
-                <a:rPr lang="en-US" altLang="ko-KR" sz="1100" b="1" dirty="0" smtClean="0">
+                <a:rPr lang="en-US" altLang="ko-KR" sz="1100" b="1" dirty="0">
                   <a:solidFill>
                     <a:schemeClr val="bg1"/>
                   </a:solidFill>
@@ -16408,7 +16640,7 @@
                 </a:lnSpc>
               </a:pPr>
               <a:r>
-                <a:rPr lang="en-US" altLang="ko-KR" sz="1100" b="1" dirty="0" smtClean="0">
+                <a:rPr lang="en-US" altLang="ko-KR" sz="1100" b="1" dirty="0">
                   <a:solidFill>
                     <a:schemeClr val="bg1"/>
                   </a:solidFill>
@@ -16623,13 +16855,6 @@
                 </a:rPr>
                 <a:t>2</a:t>
               </a:r>
-              <a:endParaRPr lang="en-US" altLang="ko-KR" sz="1100" b="1" dirty="0" smtClean="0">
-                <a:solidFill>
-                  <a:schemeClr val="bg1"/>
-                </a:solidFill>
-                <a:latin typeface="맑은 고딕" pitchFamily="50" charset="-127"/>
-                <a:ea typeface="맑은 고딕" pitchFamily="50" charset="-127"/>
-              </a:endParaRPr>
             </a:p>
           </p:txBody>
         </p:sp>
@@ -16810,7 +17035,7 @@
               </a:lnSpc>
             </a:pPr>
             <a:r>
-              <a:rPr lang="en-US" altLang="ko-KR" sz="1100" b="1" dirty="0" smtClean="0">
+              <a:rPr lang="en-US" altLang="ko-KR" sz="1100" b="1" dirty="0">
                 <a:solidFill>
                   <a:schemeClr val="bg1"/>
                 </a:solidFill>
@@ -16938,13 +17163,13 @@
           <a:p>
             <a:pPr algn="just"/>
             <a:r>
-              <a:rPr lang="ko-KR" altLang="en-US" sz="1800" smtClean="0">
+              <a:rPr lang="ko-KR" altLang="en-US" sz="1800">
                 <a:latin typeface="맑은 고딕" panose="020B0503020000020004" pitchFamily="50" charset="-127"/>
                 <a:ea typeface="맑은 고딕" panose="020B0503020000020004" pitchFamily="50" charset="-127"/>
               </a:rPr>
               <a:t>개</a:t>
             </a:r>
-            <a:endParaRPr lang="ko-KR" altLang="en-US" sz="1800" dirty="0" smtClean="0">
+            <a:endParaRPr lang="ko-KR" altLang="en-US" sz="1800" dirty="0">
               <a:latin typeface="맑은 고딕" panose="020B0503020000020004" pitchFamily="50" charset="-127"/>
               <a:ea typeface="맑은 고딕" panose="020B0503020000020004" pitchFamily="50" charset="-127"/>
             </a:endParaRPr>
@@ -16975,7 +17200,7 @@
           <a:p>
             <a:pPr algn="just"/>
             <a:r>
-              <a:rPr lang="ko-KR" altLang="en-US" sz="1800" dirty="0" smtClean="0">
+              <a:rPr lang="ko-KR" altLang="en-US" sz="1800" dirty="0">
                 <a:latin typeface="맑은 고딕" panose="020B0503020000020004" pitchFamily="50" charset="-127"/>
                 <a:ea typeface="맑은 고딕" panose="020B0503020000020004" pitchFamily="50" charset="-127"/>
               </a:rPr>
@@ -17010,14 +17235,14 @@
                 <a:gridCol w="858104">
                   <a:extLst>
                     <a:ext uri="{9D8B030D-6E8A-4147-A177-3AD203B41FA5}">
-                      <a16:colId xmlns="" xmlns:a16="http://schemas.microsoft.com/office/drawing/2014/main" val="20000"/>
+                      <a16:colId xmlns:a16="http://schemas.microsoft.com/office/drawing/2014/main" val="20000"/>
                     </a:ext>
                   </a:extLst>
                 </a:gridCol>
                 <a:gridCol w="5830760">
                   <a:extLst>
                     <a:ext uri="{9D8B030D-6E8A-4147-A177-3AD203B41FA5}">
-                      <a16:colId xmlns="" xmlns:a16="http://schemas.microsoft.com/office/drawing/2014/main" val="20001"/>
+                      <a16:colId xmlns:a16="http://schemas.microsoft.com/office/drawing/2014/main" val="20001"/>
                     </a:ext>
                   </a:extLst>
                 </a:gridCol>
@@ -17048,7 +17273,7 @@
                         </a:tabLst>
                       </a:pPr>
                       <a:r>
-                        <a:rPr kumimoji="1" lang="ko-KR" altLang="en-US" sz="1000" b="1" i="0" u="none" strike="noStrike" cap="none" normalizeH="0" baseline="0" dirty="0" smtClean="0">
+                        <a:rPr kumimoji="1" lang="ko-KR" altLang="en-US" sz="1000" b="1" i="0" u="none" strike="noStrike" cap="none" normalizeH="0" baseline="0" dirty="0">
                           <a:ln>
                             <a:noFill/>
                           </a:ln>
@@ -17061,7 +17286,7 @@
                         </a:rPr>
                         <a:t>삽화 파일명</a:t>
                       </a:r>
-                      <a:endParaRPr kumimoji="1" lang="en-US" altLang="ko-KR" sz="1000" b="1" i="0" u="none" strike="noStrike" cap="none" normalizeH="0" baseline="0" dirty="0" smtClean="0">
+                      <a:endParaRPr kumimoji="1" lang="en-US" altLang="ko-KR" sz="1000" b="1" i="0" u="none" strike="noStrike" cap="none" normalizeH="0" baseline="0" dirty="0">
                         <a:ln>
                           <a:noFill/>
                         </a:ln>
@@ -17148,7 +17373,7 @@
                         <a:defRPr/>
                       </a:pPr>
                       <a:r>
-                        <a:rPr kumimoji="0" lang="en-US" altLang="ko-KR" sz="1000" dirty="0" err="1" smtClean="0">
+                        <a:rPr kumimoji="0" lang="en-US" altLang="ko-KR" sz="1000" dirty="0" err="1">
                           <a:solidFill>
                             <a:schemeClr val="tx1"/>
                           </a:solidFill>
@@ -17158,7 +17383,7 @@
                         <a:t>bg.svg</a:t>
                       </a:r>
                       <a:r>
-                        <a:rPr kumimoji="0" lang="en-US" altLang="ko-KR" sz="1000" dirty="0" smtClean="0">
+                        <a:rPr kumimoji="0" lang="en-US" altLang="ko-KR" sz="1000" dirty="0">
                           <a:solidFill>
                             <a:schemeClr val="tx1"/>
                           </a:solidFill>
@@ -17187,7 +17412,7 @@
                         <a:defRPr/>
                       </a:pPr>
                       <a:r>
-                        <a:rPr kumimoji="0" lang="ko-KR" altLang="en-US" sz="1000" dirty="0" smtClean="0">
+                        <a:rPr kumimoji="0" lang="ko-KR" altLang="en-US" sz="1000" dirty="0">
                           <a:solidFill>
                             <a:schemeClr val="tx1"/>
                           </a:solidFill>
@@ -17197,7 +17422,7 @@
                         <a:t>박만구 수학 </a:t>
                       </a:r>
                       <a:r>
-                        <a:rPr kumimoji="0" lang="en-US" altLang="ko-KR" sz="1000" dirty="0" smtClean="0">
+                        <a:rPr kumimoji="0" lang="en-US" altLang="ko-KR" sz="1000" dirty="0">
                           <a:solidFill>
                             <a:schemeClr val="tx1"/>
                           </a:solidFill>
@@ -17207,7 +17432,7 @@
                         <a:t>3-1 </a:t>
                       </a:r>
                       <a:r>
-                        <a:rPr kumimoji="0" lang="ko-KR" altLang="en-US" sz="1000" dirty="0" smtClean="0">
+                        <a:rPr kumimoji="0" lang="ko-KR" altLang="en-US" sz="1000" dirty="0">
                           <a:solidFill>
                             <a:schemeClr val="tx1"/>
                           </a:solidFill>
@@ -17217,7 +17442,7 @@
                         <a:t>지도서</a:t>
                       </a:r>
                       <a:r>
-                        <a:rPr kumimoji="0" lang="en-US" altLang="ko-KR" sz="1000" dirty="0" smtClean="0">
+                        <a:rPr kumimoji="0" lang="en-US" altLang="ko-KR" sz="1000" dirty="0">
                           <a:solidFill>
                             <a:schemeClr val="tx1"/>
                           </a:solidFill>
@@ -17227,7 +17452,7 @@
                         <a:t>\app\resource\</a:t>
                       </a:r>
                       <a:r>
-                        <a:rPr kumimoji="0" lang="en-US" altLang="ko-KR" sz="1000" dirty="0" err="1" smtClean="0">
+                        <a:rPr kumimoji="0" lang="en-US" altLang="ko-KR" sz="1000" dirty="0" err="1">
                           <a:solidFill>
                             <a:schemeClr val="tx1"/>
                           </a:solidFill>
@@ -17237,7 +17462,7 @@
                         <a:t>contents_sub</a:t>
                       </a:r>
                       <a:r>
-                        <a:rPr kumimoji="0" lang="en-US" altLang="ko-KR" sz="1000" dirty="0" smtClean="0">
+                        <a:rPr kumimoji="0" lang="en-US" altLang="ko-KR" sz="1000" dirty="0">
                           <a:solidFill>
                             <a:schemeClr val="tx1"/>
                           </a:solidFill>
@@ -17289,7 +17514,7 @@
                 </a:tc>
                 <a:extLst>
                   <a:ext uri="{0D108BD9-81ED-4DB2-BD59-A6C34878D82A}">
-                    <a16:rowId xmlns="" xmlns:a16="http://schemas.microsoft.com/office/drawing/2014/main" val="10000"/>
+                    <a16:rowId xmlns:a16="http://schemas.microsoft.com/office/drawing/2014/main" val="10000"/>
                   </a:ext>
                 </a:extLst>
               </a:tr>
@@ -17325,7 +17550,7 @@
           <a:p>
             <a:pPr algn="ctr"/>
             <a:r>
-              <a:rPr lang="en-US" altLang="ko-KR" sz="1800" b="1" dirty="0" smtClean="0">
+              <a:rPr lang="en-US" altLang="ko-KR" sz="1800" b="1" dirty="0">
                 <a:solidFill>
                   <a:srgbClr val="0070C0"/>
                 </a:solidFill>
@@ -17334,7 +17559,7 @@
               </a:rPr>
               <a:t>2</a:t>
             </a:r>
-            <a:endParaRPr lang="ko-KR" altLang="en-US" sz="1800" b="1" dirty="0" smtClean="0">
+            <a:endParaRPr lang="ko-KR" altLang="en-US" sz="1800" b="1" dirty="0">
               <a:solidFill>
                 <a:srgbClr val="0070C0"/>
               </a:solidFill>
@@ -17372,7 +17597,7 @@
           <a:p>
             <a:pPr algn="ctr"/>
             <a:r>
-              <a:rPr lang="en-US" altLang="ko-KR" sz="1800" b="1" dirty="0" smtClean="0">
+              <a:rPr lang="en-US" altLang="ko-KR" sz="1800" b="1" dirty="0">
                 <a:solidFill>
                   <a:srgbClr val="0070C0"/>
                 </a:solidFill>
@@ -17381,7 +17606,7 @@
               </a:rPr>
               <a:t>5</a:t>
             </a:r>
-            <a:endParaRPr lang="ko-KR" altLang="en-US" sz="1800" b="1" dirty="0" smtClean="0">
+            <a:endParaRPr lang="ko-KR" altLang="en-US" sz="1800" b="1" dirty="0">
               <a:solidFill>
                 <a:srgbClr val="0070C0"/>
               </a:solidFill>
@@ -17832,7 +18057,7 @@
             <a:p>
               <a:pPr algn="ctr"/>
               <a:r>
-                <a:rPr lang="ko-KR" altLang="en-US" b="1" dirty="0" smtClean="0">
+                <a:rPr lang="ko-KR" altLang="en-US" b="1" dirty="0">
                   <a:solidFill>
                     <a:srgbClr val="FFFF00"/>
                   </a:solidFill>
@@ -17841,13 +18066,6 @@
                 </a:rPr>
                 <a:t>풀이</a:t>
               </a:r>
-              <a:endParaRPr lang="ko-KR" altLang="en-US" b="1" dirty="0">
-                <a:solidFill>
-                  <a:srgbClr val="FFFF00"/>
-                </a:solidFill>
-                <a:latin typeface="맑은 고딕" panose="020B0503020000020004" pitchFamily="50" charset="-127"/>
-                <a:ea typeface="맑은 고딕" panose="020B0503020000020004" pitchFamily="50" charset="-127"/>
-              </a:endParaRPr>
             </a:p>
           </p:txBody>
         </p:sp>
@@ -17978,13 +18196,6 @@
   <p:clrMapOvr>
     <a:masterClrMapping/>
   </p:clrMapOvr>
-  <p:timing>
-    <p:tnLst>
-      <p:par>
-        <p:cTn id="1" dur="indefinite" restart="never" nodeType="tmRoot"/>
-      </p:par>
-    </p:tnLst>
-  </p:timing>
 </p:sld>
 </file>
 
@@ -18022,7 +18233,13 @@
             <a:tbl>
               <a:tblPr/>
               <a:tblGrid>
-                <a:gridCol w="2016125"/>
+                <a:gridCol w="2016125">
+                  <a:extLst>
+                    <a:ext uri="{9D8B030D-6E8A-4147-A177-3AD203B41FA5}">
+                      <a16:colId xmlns:a16="http://schemas.microsoft.com/office/drawing/2014/main" val="20000"/>
+                    </a:ext>
+                  </a:extLst>
+                </a:gridCol>
               </a:tblGrid>
               <a:tr h="189064">
                 <a:tc>
@@ -18047,7 +18264,7 @@
                         <a:tabLst/>
                       </a:pPr>
                       <a:r>
-                        <a:rPr kumimoji="1" lang="en-US" altLang="ko-KR" sz="1000" b="0" i="0" u="none" strike="noStrike" cap="none" normalizeH="0" baseline="0" dirty="0" smtClean="0">
+                        <a:rPr kumimoji="1" lang="en-US" altLang="ko-KR" sz="1000" b="0" i="0" u="none" strike="noStrike" cap="none" normalizeH="0" baseline="0" dirty="0">
                           <a:ln>
                             <a:noFill/>
                           </a:ln>
@@ -18060,7 +18277,7 @@
                         </a:rPr>
                         <a:t>Θ Description &amp; Function</a:t>
                       </a:r>
-                      <a:endParaRPr kumimoji="1" lang="ko-KR" altLang="en-US" sz="1000" b="0" i="0" u="none" strike="noStrike" cap="none" normalizeH="0" baseline="0" dirty="0" smtClean="0">
+                      <a:endParaRPr kumimoji="1" lang="ko-KR" altLang="en-US" sz="1000" b="0" i="0" u="none" strike="noStrike" cap="none" normalizeH="0" baseline="0" dirty="0">
                         <a:ln>
                           <a:noFill/>
                         </a:ln>
@@ -18121,6 +18338,11 @@
                     </a:solidFill>
                   </a:tcPr>
                 </a:tc>
+                <a:extLst>
+                  <a:ext uri="{0D108BD9-81ED-4DB2-BD59-A6C34878D82A}">
+                    <a16:rowId xmlns:a16="http://schemas.microsoft.com/office/drawing/2014/main" val="10000"/>
+                  </a:ext>
+                </a:extLst>
               </a:tr>
             </a:tbl>
           </a:graphicData>
@@ -18155,16 +18377,12 @@
           <a:lstStyle/>
           <a:p>
             <a:r>
-              <a:rPr lang="en-US" altLang="ko-KR" sz="900" dirty="0" smtClean="0">
+              <a:rPr lang="en-US" altLang="ko-KR" sz="900" dirty="0">
                 <a:latin typeface="맑은 고딕" pitchFamily="50" charset="-127"/>
                 <a:ea typeface="맑은 고딕" pitchFamily="50" charset="-127"/>
               </a:rPr>
               <a:t>3-1	</a:t>
             </a:r>
-            <a:endParaRPr lang="en-US" altLang="ko-KR" sz="900" dirty="0">
-              <a:latin typeface="맑은 고딕" pitchFamily="50" charset="-127"/>
-              <a:ea typeface="맑은 고딕" pitchFamily="50" charset="-127"/>
-            </a:endParaRPr>
           </a:p>
         </p:txBody>
       </p:sp>
@@ -18325,23 +18543,19 @@
           <a:lstStyle/>
           <a:p>
             <a:r>
-              <a:rPr lang="en-US" altLang="ko-KR" sz="1000" dirty="0" smtClean="0">
+              <a:rPr lang="en-US" altLang="ko-KR" sz="1000" dirty="0">
                 <a:latin typeface="맑은 고딕" pitchFamily="50" charset="-127"/>
                 <a:ea typeface="맑은 고딕" pitchFamily="50" charset="-127"/>
               </a:rPr>
               <a:t>01 </a:t>
             </a:r>
             <a:r>
-              <a:rPr lang="ko-KR" altLang="en-US" sz="1000" dirty="0" smtClean="0">
+              <a:rPr lang="ko-KR" altLang="en-US" sz="1000" dirty="0">
                 <a:latin typeface="맑은 고딕" pitchFamily="50" charset="-127"/>
                 <a:ea typeface="맑은 고딕" pitchFamily="50" charset="-127"/>
               </a:rPr>
               <a:t>배운 내용을 기억하고 있나요</a:t>
             </a:r>
-            <a:endParaRPr lang="ko-KR" altLang="en-US" sz="1000" dirty="0">
-              <a:latin typeface="맑은 고딕" pitchFamily="50" charset="-127"/>
-              <a:ea typeface="맑은 고딕" pitchFamily="50" charset="-127"/>
-            </a:endParaRPr>
           </a:p>
         </p:txBody>
       </p:sp>
@@ -18379,7 +18593,7 @@
               <a:defRPr/>
             </a:pPr>
             <a:r>
-              <a:rPr kumimoji="0" lang="en-US" altLang="ko-KR" sz="1000" dirty="0" smtClean="0">
+              <a:rPr kumimoji="0" lang="en-US" altLang="ko-KR" sz="1000" dirty="0">
                 <a:latin typeface="맑은 고딕" pitchFamily="50" charset="-127"/>
                 <a:ea typeface="맑은 고딕" pitchFamily="50" charset="-127"/>
               </a:rPr>
@@ -18594,7 +18808,7 @@
               <a:defRPr/>
             </a:pPr>
             <a:r>
-              <a:rPr lang="en-US" altLang="ko-KR" sz="1100" b="1" dirty="0" smtClean="0">
+              <a:rPr lang="en-US" altLang="ko-KR" sz="1100" b="1" dirty="0">
                 <a:solidFill>
                   <a:schemeClr val="bg1"/>
                 </a:solidFill>
@@ -18636,28 +18850,28 @@
           <a:lstStyle/>
           <a:p>
             <a:r>
-              <a:rPr lang="ko-KR" altLang="en-US" sz="2000" dirty="0" smtClean="0">
+              <a:rPr lang="ko-KR" altLang="en-US" sz="2000" dirty="0">
                 <a:latin typeface="맑은 고딕" panose="020B0503020000020004" pitchFamily="50" charset="-127"/>
                 <a:ea typeface="맑은 고딕" panose="020B0503020000020004" pitchFamily="50" charset="-127"/>
               </a:rPr>
               <a:t>알맞은 말에    표 하고</a:t>
             </a:r>
             <a:r>
-              <a:rPr lang="en-US" altLang="ko-KR" sz="2000" dirty="0" smtClean="0">
+              <a:rPr lang="en-US" altLang="ko-KR" sz="2000" dirty="0">
                 <a:latin typeface="맑은 고딕" panose="020B0503020000020004" pitchFamily="50" charset="-127"/>
                 <a:ea typeface="맑은 고딕" panose="020B0503020000020004" pitchFamily="50" charset="-127"/>
               </a:rPr>
               <a:t>,     </a:t>
             </a:r>
             <a:r>
-              <a:rPr lang="ko-KR" altLang="en-US" sz="2000" dirty="0" smtClean="0">
+              <a:rPr lang="ko-KR" altLang="en-US" sz="2000" dirty="0">
                 <a:latin typeface="맑은 고딕" panose="020B0503020000020004" pitchFamily="50" charset="-127"/>
                 <a:ea typeface="맑은 고딕" panose="020B0503020000020004" pitchFamily="50" charset="-127"/>
               </a:rPr>
               <a:t>안에 알맞은 수를 써넣으세요</a:t>
             </a:r>
             <a:r>
-              <a:rPr lang="en-US" altLang="ko-KR" sz="2000" dirty="0" smtClean="0">
+              <a:rPr lang="en-US" altLang="ko-KR" sz="2000" dirty="0">
                 <a:latin typeface="맑은 고딕" panose="020B0503020000020004" pitchFamily="50" charset="-127"/>
                 <a:ea typeface="맑은 고딕" panose="020B0503020000020004" pitchFamily="50" charset="-127"/>
               </a:rPr>
@@ -18696,35 +18910,35 @@
               <a:buAutoNum type="arabicPeriod"/>
             </a:pPr>
             <a:r>
-              <a:rPr lang="ko-KR" altLang="en-US" sz="1000" dirty="0" smtClean="0">
+              <a:rPr lang="ko-KR" altLang="en-US" sz="1000" dirty="0">
                 <a:latin typeface="맑은 고딕" pitchFamily="50" charset="-127"/>
                 <a:ea typeface="맑은 고딕" pitchFamily="50" charset="-127"/>
               </a:rPr>
               <a:t>풀이 확인 </a:t>
             </a:r>
             <a:r>
-              <a:rPr lang="ko-KR" altLang="en-US" sz="1000" dirty="0" err="1" smtClean="0">
+              <a:rPr lang="ko-KR" altLang="en-US" sz="1000" dirty="0" err="1">
                 <a:latin typeface="맑은 고딕" pitchFamily="50" charset="-127"/>
                 <a:ea typeface="맑은 고딕" pitchFamily="50" charset="-127"/>
               </a:rPr>
               <a:t>팝업창</a:t>
             </a:r>
             <a:r>
-              <a:rPr lang="en-US" altLang="ko-KR" sz="1000" dirty="0" smtClean="0">
+              <a:rPr lang="en-US" altLang="ko-KR" sz="1000" dirty="0">
                 <a:latin typeface="맑은 고딕" pitchFamily="50" charset="-127"/>
                 <a:ea typeface="맑은 고딕" pitchFamily="50" charset="-127"/>
               </a:rPr>
               <a:t>(</a:t>
             </a:r>
             <a:r>
-              <a:rPr lang="ko-KR" altLang="en-US" sz="1000" dirty="0" smtClean="0">
+              <a:rPr lang="ko-KR" altLang="en-US" sz="1000" dirty="0">
                 <a:latin typeface="맑은 고딕" pitchFamily="50" charset="-127"/>
                 <a:ea typeface="맑은 고딕" pitchFamily="50" charset="-127"/>
               </a:rPr>
               <a:t>다음 슬라이드</a:t>
             </a:r>
             <a:r>
-              <a:rPr lang="en-US" altLang="ko-KR" sz="1000" dirty="0" smtClean="0">
+              <a:rPr lang="en-US" altLang="ko-KR" sz="1000" dirty="0">
                 <a:latin typeface="맑은 고딕" pitchFamily="50" charset="-127"/>
                 <a:ea typeface="맑은 고딕" pitchFamily="50" charset="-127"/>
               </a:rPr>
@@ -18745,18 +18959,11 @@
               <a:buAutoNum type="arabicPeriod"/>
             </a:pPr>
             <a:r>
-              <a:rPr lang="ko-KR" altLang="en-US" sz="1000" dirty="0" smtClean="0">
-                <a:latin typeface="맑은 고딕" pitchFamily="50" charset="-127"/>
-                <a:ea typeface="맑은 고딕" pitchFamily="50" charset="-127"/>
-              </a:rPr>
-              <a:t>답 </a:t>
-            </a:r>
-            <a:r>
               <a:rPr lang="ko-KR" altLang="en-US" sz="1000" dirty="0">
                 <a:latin typeface="맑은 고딕" pitchFamily="50" charset="-127"/>
                 <a:ea typeface="맑은 고딕" pitchFamily="50" charset="-127"/>
               </a:rPr>
-              <a:t>칸 클릭하면 답 나타남</a:t>
+              <a:t>답 칸 클릭하면 답 나타남</a:t>
             </a:r>
             <a:r>
               <a:rPr lang="en-US" altLang="ko-KR" sz="1000" dirty="0">
@@ -18808,7 +19015,7 @@
               <a:t>됨</a:t>
             </a:r>
             <a:r>
-              <a:rPr lang="en-US" altLang="ko-KR" sz="1000" smtClean="0">
+              <a:rPr lang="en-US" altLang="ko-KR" sz="1000">
                 <a:latin typeface="맑은 고딕" pitchFamily="50" charset="-127"/>
                 <a:ea typeface="맑은 고딕" pitchFamily="50" charset="-127"/>
               </a:rPr>
@@ -18829,42 +19036,42 @@
               <a:buAutoNum type="arabicPeriod"/>
             </a:pPr>
             <a:r>
-              <a:rPr lang="ko-KR" altLang="en-US" sz="1000" smtClean="0">
+              <a:rPr lang="ko-KR" altLang="en-US" sz="1000">
                 <a:latin typeface="맑은 고딕" pitchFamily="50" charset="-127"/>
                 <a:ea typeface="맑은 고딕" pitchFamily="50" charset="-127"/>
               </a:rPr>
               <a:t>괄호 안 클릭하면 </a:t>
             </a:r>
             <a:r>
-              <a:rPr lang="en-US" altLang="ko-KR" sz="1000" smtClean="0">
+              <a:rPr lang="en-US" altLang="ko-KR" sz="1000">
                 <a:latin typeface="맑은 고딕" pitchFamily="50" charset="-127"/>
                 <a:ea typeface="맑은 고딕" pitchFamily="50" charset="-127"/>
               </a:rPr>
               <a:t>O </a:t>
             </a:r>
             <a:r>
-              <a:rPr lang="ko-KR" altLang="en-US" sz="1000" smtClean="0">
+              <a:rPr lang="ko-KR" altLang="en-US" sz="1000">
                 <a:latin typeface="맑은 고딕" pitchFamily="50" charset="-127"/>
                 <a:ea typeface="맑은 고딕" pitchFamily="50" charset="-127"/>
               </a:rPr>
               <a:t>약물 나타남</a:t>
             </a:r>
             <a:r>
-              <a:rPr lang="en-US" altLang="ko-KR" sz="1000" smtClean="0">
+              <a:rPr lang="en-US" altLang="ko-KR" sz="1000">
                 <a:latin typeface="맑은 고딕" pitchFamily="50" charset="-127"/>
                 <a:ea typeface="맑은 고딕" pitchFamily="50" charset="-127"/>
               </a:rPr>
               <a:t>. (</a:t>
             </a:r>
             <a:r>
-              <a:rPr lang="ko-KR" altLang="en-US" sz="1000" smtClean="0">
+              <a:rPr lang="ko-KR" altLang="en-US" sz="1000">
                 <a:latin typeface="맑은 고딕" pitchFamily="50" charset="-127"/>
                 <a:ea typeface="맑은 고딕" pitchFamily="50" charset="-127"/>
               </a:rPr>
               <a:t>정오답 소스 아님</a:t>
             </a:r>
             <a:r>
-              <a:rPr lang="en-US" altLang="ko-KR" sz="1000" smtClean="0">
+              <a:rPr lang="en-US" altLang="ko-KR" sz="1000">
                 <a:latin typeface="맑은 고딕" pitchFamily="50" charset="-127"/>
                 <a:ea typeface="맑은 고딕" pitchFamily="50" charset="-127"/>
               </a:rPr>
@@ -19070,7 +19277,7 @@
                 </a:lnSpc>
               </a:pPr>
               <a:r>
-                <a:rPr lang="en-US" altLang="ko-KR" sz="1100" b="1" dirty="0" smtClean="0">
+                <a:rPr lang="en-US" altLang="ko-KR" sz="1100" b="1" dirty="0">
                   <a:solidFill>
                     <a:schemeClr val="bg1"/>
                   </a:solidFill>
@@ -19276,7 +19483,7 @@
                 </a:lnSpc>
               </a:pPr>
               <a:r>
-                <a:rPr lang="en-US" altLang="ko-KR" sz="1100" b="1" dirty="0" smtClean="0">
+                <a:rPr lang="en-US" altLang="ko-KR" sz="1100" b="1" dirty="0">
                   <a:solidFill>
                     <a:schemeClr val="bg1"/>
                   </a:solidFill>
@@ -19488,13 +19695,6 @@
                 </a:rPr>
                 <a:t>2</a:t>
               </a:r>
-              <a:endParaRPr lang="en-US" altLang="ko-KR" sz="1100" b="1" dirty="0" smtClean="0">
-                <a:solidFill>
-                  <a:schemeClr val="bg1"/>
-                </a:solidFill>
-                <a:latin typeface="맑은 고딕" pitchFamily="50" charset="-127"/>
-                <a:ea typeface="맑은 고딕" pitchFamily="50" charset="-127"/>
-              </a:endParaRPr>
             </a:p>
           </p:txBody>
         </p:sp>
@@ -19692,7 +19892,7 @@
                 </a:lnSpc>
               </a:pPr>
               <a:r>
-                <a:rPr lang="en-US" altLang="ko-KR" sz="1100" b="1" dirty="0" smtClean="0">
+                <a:rPr lang="en-US" altLang="ko-KR" sz="1100" b="1" dirty="0">
                   <a:solidFill>
                     <a:schemeClr val="bg1"/>
                   </a:solidFill>
@@ -19877,7 +20077,7 @@
               <a:defRPr/>
             </a:pPr>
             <a:r>
-              <a:rPr lang="en-US" altLang="ko-KR" sz="1100" b="1" dirty="0" smtClean="0">
+              <a:rPr lang="en-US" altLang="ko-KR" sz="1100" b="1" dirty="0">
                 <a:solidFill>
                   <a:schemeClr val="bg1"/>
                 </a:solidFill>
@@ -19924,7 +20124,7 @@
           <a:p>
             <a:pPr algn="ctr"/>
             <a:r>
-              <a:rPr lang="en-US" altLang="ko-KR" sz="1800" b="1" dirty="0" smtClean="0">
+              <a:rPr lang="en-US" altLang="ko-KR" sz="1800" b="1" dirty="0">
                 <a:solidFill>
                   <a:srgbClr val="0070C0"/>
                 </a:solidFill>
@@ -19933,7 +20133,7 @@
               </a:rPr>
               <a:t>3</a:t>
             </a:r>
-            <a:endParaRPr lang="ko-KR" altLang="en-US" sz="1800" b="1" dirty="0" smtClean="0">
+            <a:endParaRPr lang="ko-KR" altLang="en-US" sz="1800" b="1" dirty="0">
               <a:solidFill>
                 <a:srgbClr val="0070C0"/>
               </a:solidFill>
@@ -19966,42 +20166,42 @@
           <a:lstStyle/>
           <a:p>
             <a:r>
-              <a:rPr lang="ko-KR" altLang="en-US" sz="1800" dirty="0" smtClean="0">
+              <a:rPr lang="ko-KR" altLang="en-US" sz="1800" dirty="0">
                 <a:latin typeface="맑은 고딕" panose="020B0503020000020004" pitchFamily="50" charset="-127"/>
                 <a:ea typeface="맑은 고딕" panose="020B0503020000020004" pitchFamily="50" charset="-127"/>
               </a:rPr>
               <a:t>점선을 따라 자르면 </a:t>
             </a:r>
             <a:r>
-              <a:rPr lang="en-US" altLang="ko-KR" sz="1800" dirty="0" smtClean="0">
+              <a:rPr lang="en-US" altLang="ko-KR" sz="1800" dirty="0">
                 <a:latin typeface="맑은 고딕" panose="020B0503020000020004" pitchFamily="50" charset="-127"/>
                 <a:ea typeface="맑은 고딕" panose="020B0503020000020004" pitchFamily="50" charset="-127"/>
               </a:rPr>
               <a:t>( </a:t>
             </a:r>
             <a:r>
-              <a:rPr lang="ko-KR" altLang="en-US" sz="1800" dirty="0" smtClean="0">
+              <a:rPr lang="ko-KR" altLang="en-US" sz="1800" dirty="0">
                 <a:latin typeface="맑은 고딕" panose="020B0503020000020004" pitchFamily="50" charset="-127"/>
                 <a:ea typeface="맑은 고딕" panose="020B0503020000020004" pitchFamily="50" charset="-127"/>
               </a:rPr>
               <a:t>삼각형</a:t>
             </a:r>
             <a:r>
-              <a:rPr lang="en-US" altLang="ko-KR" sz="1800" dirty="0" smtClean="0">
+              <a:rPr lang="en-US" altLang="ko-KR" sz="1800" dirty="0">
                 <a:latin typeface="맑은 고딕" panose="020B0503020000020004" pitchFamily="50" charset="-127"/>
                 <a:ea typeface="맑은 고딕" panose="020B0503020000020004" pitchFamily="50" charset="-127"/>
               </a:rPr>
               <a:t>, </a:t>
             </a:r>
             <a:r>
-              <a:rPr lang="ko-KR" altLang="en-US" sz="1800" dirty="0" smtClean="0">
+              <a:rPr lang="ko-KR" altLang="en-US" sz="1800" dirty="0">
                 <a:latin typeface="맑은 고딕" panose="020B0503020000020004" pitchFamily="50" charset="-127"/>
                 <a:ea typeface="맑은 고딕" panose="020B0503020000020004" pitchFamily="50" charset="-127"/>
               </a:rPr>
               <a:t>사각형 </a:t>
             </a:r>
             <a:r>
-              <a:rPr lang="en-US" altLang="ko-KR" sz="1800" dirty="0" smtClean="0">
+              <a:rPr lang="en-US" altLang="ko-KR" sz="1800" dirty="0">
                 <a:latin typeface="맑은 고딕" panose="020B0503020000020004" pitchFamily="50" charset="-127"/>
                 <a:ea typeface="맑은 고딕" panose="020B0503020000020004" pitchFamily="50" charset="-127"/>
               </a:rPr>
@@ -20010,14 +20210,14 @@
           </a:p>
           <a:p>
             <a:r>
-              <a:rPr lang="ko-KR" altLang="en-US" sz="1800" dirty="0" smtClean="0">
+              <a:rPr lang="ko-KR" altLang="en-US" sz="1800" dirty="0">
                 <a:latin typeface="맑은 고딕" panose="020B0503020000020004" pitchFamily="50" charset="-127"/>
                 <a:ea typeface="맑은 고딕" panose="020B0503020000020004" pitchFamily="50" charset="-127"/>
               </a:rPr>
               <a:t>이      개 생깁니다</a:t>
             </a:r>
             <a:r>
-              <a:rPr lang="en-US" altLang="ko-KR" sz="1800" dirty="0" smtClean="0">
+              <a:rPr lang="en-US" altLang="ko-KR" sz="1800" dirty="0">
                 <a:latin typeface="맑은 고딕" panose="020B0503020000020004" pitchFamily="50" charset="-127"/>
                 <a:ea typeface="맑은 고딕" panose="020B0503020000020004" pitchFamily="50" charset="-127"/>
               </a:rPr>
@@ -20181,14 +20381,14 @@
           <a:p>
             <a:pPr algn="just"/>
             <a:r>
-              <a:rPr lang="ko-KR" altLang="en-US" sz="1100" dirty="0" smtClean="0">
+              <a:rPr lang="ko-KR" altLang="en-US" sz="1100" dirty="0">
                 <a:latin typeface="맑은 고딕" pitchFamily="50" charset="-127"/>
                 <a:ea typeface="맑은 고딕" pitchFamily="50" charset="-127"/>
               </a:rPr>
               <a:t>배운 내용을 기억하고 있나요 </a:t>
             </a:r>
             <a:r>
-              <a:rPr lang="ko-KR" altLang="en-US" sz="1100" dirty="0" smtClean="0">
+              <a:rPr lang="ko-KR" altLang="en-US" sz="1100" dirty="0">
                 <a:solidFill>
                   <a:srgbClr val="339933"/>
                 </a:solidFill>
@@ -20198,7 +20398,7 @@
               <a:t>│ </a:t>
             </a:r>
             <a:r>
-              <a:rPr lang="en-US" altLang="ko-KR" sz="1100" dirty="0" smtClean="0">
+              <a:rPr lang="en-US" altLang="ko-KR" sz="1100" dirty="0">
                 <a:solidFill>
                   <a:srgbClr val="339933"/>
                 </a:solidFill>
@@ -20208,7 +20408,7 @@
               <a:t>73</a:t>
             </a:r>
             <a:r>
-              <a:rPr lang="ko-KR" altLang="en-US" sz="1100" dirty="0" smtClean="0">
+              <a:rPr lang="ko-KR" altLang="en-US" sz="1100" dirty="0">
                 <a:solidFill>
                   <a:srgbClr val="339933"/>
                 </a:solidFill>
@@ -20217,7 +20417,7 @@
               </a:rPr>
               <a:t>쪽</a:t>
             </a:r>
-            <a:endParaRPr lang="en-US" altLang="ko-KR" sz="1100" dirty="0" smtClean="0">
+            <a:endParaRPr lang="en-US" altLang="ko-KR" sz="1100" dirty="0">
               <a:solidFill>
                 <a:srgbClr val="339933"/>
               </a:solidFill>
@@ -20543,14 +20743,14 @@
                 <a:gridCol w="858104">
                   <a:extLst>
                     <a:ext uri="{9D8B030D-6E8A-4147-A177-3AD203B41FA5}">
-                      <a16:colId xmlns="" xmlns:a16="http://schemas.microsoft.com/office/drawing/2014/main" val="20000"/>
+                      <a16:colId xmlns:a16="http://schemas.microsoft.com/office/drawing/2014/main" val="20000"/>
                     </a:ext>
                   </a:extLst>
                 </a:gridCol>
                 <a:gridCol w="5830760">
                   <a:extLst>
                     <a:ext uri="{9D8B030D-6E8A-4147-A177-3AD203B41FA5}">
-                      <a16:colId xmlns="" xmlns:a16="http://schemas.microsoft.com/office/drawing/2014/main" val="20001"/>
+                      <a16:colId xmlns:a16="http://schemas.microsoft.com/office/drawing/2014/main" val="20001"/>
                     </a:ext>
                   </a:extLst>
                 </a:gridCol>
@@ -20581,7 +20781,7 @@
                         </a:tabLst>
                       </a:pPr>
                       <a:r>
-                        <a:rPr kumimoji="1" lang="ko-KR" altLang="en-US" sz="1000" b="1" i="0" u="none" strike="noStrike" cap="none" normalizeH="0" baseline="0" dirty="0" smtClean="0">
+                        <a:rPr kumimoji="1" lang="ko-KR" altLang="en-US" sz="1000" b="1" i="0" u="none" strike="noStrike" cap="none" normalizeH="0" baseline="0" dirty="0">
                           <a:ln>
                             <a:noFill/>
                           </a:ln>
@@ -20594,7 +20794,7 @@
                         </a:rPr>
                         <a:t>삽화 파일명</a:t>
                       </a:r>
-                      <a:endParaRPr kumimoji="1" lang="en-US" altLang="ko-KR" sz="1000" b="1" i="0" u="none" strike="noStrike" cap="none" normalizeH="0" baseline="0" dirty="0" smtClean="0">
+                      <a:endParaRPr kumimoji="1" lang="en-US" altLang="ko-KR" sz="1000" b="1" i="0" u="none" strike="noStrike" cap="none" normalizeH="0" baseline="0" dirty="0">
                         <a:ln>
                           <a:noFill/>
                         </a:ln>
@@ -20681,7 +20881,7 @@
                         <a:defRPr/>
                       </a:pPr>
                       <a:r>
-                        <a:rPr kumimoji="0" lang="en-US" altLang="ko-KR" sz="1000" dirty="0" err="1" smtClean="0">
+                        <a:rPr kumimoji="0" lang="en-US" altLang="ko-KR" sz="1000" dirty="0" err="1">
                           <a:solidFill>
                             <a:schemeClr val="tx1"/>
                           </a:solidFill>
@@ -20690,7 +20890,7 @@
                         </a:rPr>
                         <a:t>bg.svg</a:t>
                       </a:r>
-                      <a:endParaRPr kumimoji="0" lang="en-US" altLang="ko-KR" sz="1000" dirty="0" smtClean="0">
+                      <a:endParaRPr kumimoji="0" lang="en-US" altLang="ko-KR" sz="1000" dirty="0">
                         <a:solidFill>
                           <a:schemeClr val="tx1"/>
                         </a:solidFill>
@@ -20717,7 +20917,7 @@
                         <a:defRPr/>
                       </a:pPr>
                       <a:r>
-                        <a:rPr kumimoji="0" lang="ko-KR" altLang="en-US" sz="1000" dirty="0" smtClean="0">
+                        <a:rPr kumimoji="0" lang="ko-KR" altLang="en-US" sz="1000" dirty="0">
                           <a:solidFill>
                             <a:schemeClr val="tx1"/>
                           </a:solidFill>
@@ -20727,7 +20927,7 @@
                         <a:t>박만구 수학 </a:t>
                       </a:r>
                       <a:r>
-                        <a:rPr kumimoji="0" lang="en-US" altLang="ko-KR" sz="1000" dirty="0" smtClean="0">
+                        <a:rPr kumimoji="0" lang="en-US" altLang="ko-KR" sz="1000" dirty="0">
                           <a:solidFill>
                             <a:schemeClr val="tx1"/>
                           </a:solidFill>
@@ -20737,7 +20937,7 @@
                         <a:t>3-1 </a:t>
                       </a:r>
                       <a:r>
-                        <a:rPr kumimoji="0" lang="ko-KR" altLang="en-US" sz="1000" dirty="0" smtClean="0">
+                        <a:rPr kumimoji="0" lang="ko-KR" altLang="en-US" sz="1000" dirty="0">
                           <a:solidFill>
                             <a:schemeClr val="tx1"/>
                           </a:solidFill>
@@ -20747,7 +20947,7 @@
                         <a:t>지도서</a:t>
                       </a:r>
                       <a:r>
-                        <a:rPr kumimoji="0" lang="en-US" altLang="ko-KR" sz="1000" dirty="0" smtClean="0">
+                        <a:rPr kumimoji="0" lang="en-US" altLang="ko-KR" sz="1000" dirty="0">
                           <a:solidFill>
                             <a:schemeClr val="tx1"/>
                           </a:solidFill>
@@ -20757,7 +20957,7 @@
                         <a:t>\app\resource\</a:t>
                       </a:r>
                       <a:r>
-                        <a:rPr kumimoji="0" lang="en-US" altLang="ko-KR" sz="1000" dirty="0" err="1" smtClean="0">
+                        <a:rPr kumimoji="0" lang="en-US" altLang="ko-KR" sz="1000" dirty="0" err="1">
                           <a:solidFill>
                             <a:schemeClr val="tx1"/>
                           </a:solidFill>
@@ -20767,7 +20967,7 @@
                         <a:t>contents_sub</a:t>
                       </a:r>
                       <a:r>
-                        <a:rPr kumimoji="0" lang="en-US" altLang="ko-KR" sz="1000" dirty="0" smtClean="0">
+                        <a:rPr kumimoji="0" lang="en-US" altLang="ko-KR" sz="1000" dirty="0">
                           <a:solidFill>
                             <a:schemeClr val="tx1"/>
                           </a:solidFill>
@@ -20819,7 +21019,7 @@
                 </a:tc>
                 <a:extLst>
                   <a:ext uri="{0D108BD9-81ED-4DB2-BD59-A6C34878D82A}">
-                    <a16:rowId xmlns="" xmlns:a16="http://schemas.microsoft.com/office/drawing/2014/main" val="10000"/>
+                    <a16:rowId xmlns:a16="http://schemas.microsoft.com/office/drawing/2014/main" val="10000"/>
                   </a:ext>
                 </a:extLst>
               </a:tr>
@@ -20856,23 +21056,19 @@
           <a:lstStyle/>
           <a:p>
             <a:r>
-              <a:rPr lang="en-US" altLang="ko-KR" sz="1000" dirty="0" smtClean="0">
+              <a:rPr lang="en-US" altLang="ko-KR" sz="1000" dirty="0">
                 <a:latin typeface="맑은 고딕" pitchFamily="50" charset="-127"/>
                 <a:ea typeface="맑은 고딕" pitchFamily="50" charset="-127"/>
               </a:rPr>
               <a:t>6. </a:t>
             </a:r>
             <a:r>
-              <a:rPr lang="ko-KR" altLang="en-US" sz="1000" dirty="0" smtClean="0">
+              <a:rPr lang="ko-KR" altLang="en-US" sz="1000" dirty="0">
                 <a:latin typeface="맑은 고딕" pitchFamily="50" charset="-127"/>
                 <a:ea typeface="맑은 고딕" pitchFamily="50" charset="-127"/>
               </a:rPr>
               <a:t>분수와 소수</a:t>
             </a:r>
-            <a:endParaRPr lang="ko-KR" altLang="en-US" sz="1000" dirty="0">
-              <a:latin typeface="맑은 고딕" pitchFamily="50" charset="-127"/>
-              <a:ea typeface="맑은 고딕" pitchFamily="50" charset="-127"/>
-            </a:endParaRPr>
           </a:p>
         </p:txBody>
       </p:sp>
@@ -21048,7 +21244,7 @@
               <a:defRPr/>
             </a:pPr>
             <a:r>
-              <a:rPr lang="en-US" altLang="ko-KR" sz="1100" b="1" smtClean="0">
+              <a:rPr lang="en-US" altLang="ko-KR" sz="1100" b="1">
                 <a:solidFill>
                   <a:schemeClr val="bg1"/>
                 </a:solidFill>
@@ -21077,13 +21273,6 @@
   <p:clrMapOvr>
     <a:masterClrMapping/>
   </p:clrMapOvr>
-  <p:timing>
-    <p:tnLst>
-      <p:par>
-        <p:cTn id="1" dur="indefinite" restart="never" nodeType="tmRoot"/>
-      </p:par>
-    </p:tnLst>
-  </p:timing>
 </p:sld>
 </file>
 
@@ -21121,7 +21310,13 @@
             <a:tbl>
               <a:tblPr/>
               <a:tblGrid>
-                <a:gridCol w="2016125"/>
+                <a:gridCol w="2016125">
+                  <a:extLst>
+                    <a:ext uri="{9D8B030D-6E8A-4147-A177-3AD203B41FA5}">
+                      <a16:colId xmlns:a16="http://schemas.microsoft.com/office/drawing/2014/main" val="20000"/>
+                    </a:ext>
+                  </a:extLst>
+                </a:gridCol>
               </a:tblGrid>
               <a:tr h="189064">
                 <a:tc>
@@ -21146,7 +21341,7 @@
                         <a:tabLst/>
                       </a:pPr>
                       <a:r>
-                        <a:rPr kumimoji="1" lang="en-US" altLang="ko-KR" sz="1000" b="0" i="0" u="none" strike="noStrike" cap="none" normalizeH="0" baseline="0" dirty="0" smtClean="0">
+                        <a:rPr kumimoji="1" lang="en-US" altLang="ko-KR" sz="1000" b="0" i="0" u="none" strike="noStrike" cap="none" normalizeH="0" baseline="0" dirty="0">
                           <a:ln>
                             <a:noFill/>
                           </a:ln>
@@ -21159,7 +21354,7 @@
                         </a:rPr>
                         <a:t>Θ Description &amp; Function</a:t>
                       </a:r>
-                      <a:endParaRPr kumimoji="1" lang="ko-KR" altLang="en-US" sz="1000" b="0" i="0" u="none" strike="noStrike" cap="none" normalizeH="0" baseline="0" dirty="0" smtClean="0">
+                      <a:endParaRPr kumimoji="1" lang="ko-KR" altLang="en-US" sz="1000" b="0" i="0" u="none" strike="noStrike" cap="none" normalizeH="0" baseline="0" dirty="0">
                         <a:ln>
                           <a:noFill/>
                         </a:ln>
@@ -21220,6 +21415,11 @@
                     </a:solidFill>
                   </a:tcPr>
                 </a:tc>
+                <a:extLst>
+                  <a:ext uri="{0D108BD9-81ED-4DB2-BD59-A6C34878D82A}">
+                    <a16:rowId xmlns:a16="http://schemas.microsoft.com/office/drawing/2014/main" val="10000"/>
+                  </a:ext>
+                </a:extLst>
               </a:tr>
             </a:tbl>
           </a:graphicData>
@@ -21254,16 +21454,12 @@
           <a:lstStyle/>
           <a:p>
             <a:r>
-              <a:rPr lang="en-US" altLang="ko-KR" sz="900" dirty="0" smtClean="0">
+              <a:rPr lang="en-US" altLang="ko-KR" sz="900" dirty="0">
                 <a:latin typeface="맑은 고딕" pitchFamily="50" charset="-127"/>
                 <a:ea typeface="맑은 고딕" pitchFamily="50" charset="-127"/>
               </a:rPr>
               <a:t>3-1	</a:t>
             </a:r>
-            <a:endParaRPr lang="en-US" altLang="ko-KR" sz="900" dirty="0">
-              <a:latin typeface="맑은 고딕" pitchFamily="50" charset="-127"/>
-              <a:ea typeface="맑은 고딕" pitchFamily="50" charset="-127"/>
-            </a:endParaRPr>
           </a:p>
         </p:txBody>
       </p:sp>
@@ -21424,23 +21620,19 @@
           <a:lstStyle/>
           <a:p>
             <a:r>
-              <a:rPr lang="en-US" altLang="ko-KR" sz="1000" dirty="0" smtClean="0">
+              <a:rPr lang="en-US" altLang="ko-KR" sz="1000" dirty="0">
                 <a:latin typeface="맑은 고딕" pitchFamily="50" charset="-127"/>
                 <a:ea typeface="맑은 고딕" pitchFamily="50" charset="-127"/>
               </a:rPr>
               <a:t>01 </a:t>
             </a:r>
             <a:r>
-              <a:rPr lang="ko-KR" altLang="en-US" sz="1000" dirty="0" smtClean="0">
+              <a:rPr lang="ko-KR" altLang="en-US" sz="1000" dirty="0">
                 <a:latin typeface="맑은 고딕" pitchFamily="50" charset="-127"/>
                 <a:ea typeface="맑은 고딕" pitchFamily="50" charset="-127"/>
               </a:rPr>
               <a:t>배운 내용을 기억하고 있나요</a:t>
             </a:r>
-            <a:endParaRPr lang="ko-KR" altLang="en-US" sz="1000" dirty="0">
-              <a:latin typeface="맑은 고딕" pitchFamily="50" charset="-127"/>
-              <a:ea typeface="맑은 고딕" pitchFamily="50" charset="-127"/>
-            </a:endParaRPr>
           </a:p>
         </p:txBody>
       </p:sp>
@@ -21478,7 +21670,7 @@
               <a:defRPr/>
             </a:pPr>
             <a:r>
-              <a:rPr kumimoji="0" lang="en-US" altLang="ko-KR" sz="1000" dirty="0" smtClean="0">
+              <a:rPr kumimoji="0" lang="en-US" altLang="ko-KR" sz="1000" dirty="0">
                 <a:latin typeface="맑은 고딕" pitchFamily="50" charset="-127"/>
                 <a:ea typeface="맑은 고딕" pitchFamily="50" charset="-127"/>
               </a:rPr>
@@ -21544,28 +21736,28 @@
           <a:lstStyle/>
           <a:p>
             <a:r>
-              <a:rPr lang="ko-KR" altLang="en-US" sz="2000" dirty="0" smtClean="0">
+              <a:rPr lang="ko-KR" altLang="en-US" sz="2000" dirty="0">
                 <a:latin typeface="맑은 고딕" panose="020B0503020000020004" pitchFamily="50" charset="-127"/>
                 <a:ea typeface="맑은 고딕" panose="020B0503020000020004" pitchFamily="50" charset="-127"/>
               </a:rPr>
               <a:t>알맞은 말에    표 하고</a:t>
             </a:r>
             <a:r>
-              <a:rPr lang="en-US" altLang="ko-KR" sz="2000" dirty="0" smtClean="0">
+              <a:rPr lang="en-US" altLang="ko-KR" sz="2000" dirty="0">
                 <a:latin typeface="맑은 고딕" panose="020B0503020000020004" pitchFamily="50" charset="-127"/>
                 <a:ea typeface="맑은 고딕" panose="020B0503020000020004" pitchFamily="50" charset="-127"/>
               </a:rPr>
               <a:t>,     </a:t>
             </a:r>
             <a:r>
-              <a:rPr lang="ko-KR" altLang="en-US" sz="2000" dirty="0" smtClean="0">
+              <a:rPr lang="ko-KR" altLang="en-US" sz="2000" dirty="0">
                 <a:latin typeface="맑은 고딕" panose="020B0503020000020004" pitchFamily="50" charset="-127"/>
                 <a:ea typeface="맑은 고딕" panose="020B0503020000020004" pitchFamily="50" charset="-127"/>
               </a:rPr>
               <a:t>안에 알맞은 수를 써넣으세요</a:t>
             </a:r>
             <a:r>
-              <a:rPr lang="en-US" altLang="ko-KR" sz="2000" dirty="0" smtClean="0">
+              <a:rPr lang="en-US" altLang="ko-KR" sz="2000" dirty="0">
                 <a:latin typeface="맑은 고딕" panose="020B0503020000020004" pitchFamily="50" charset="-127"/>
                 <a:ea typeface="맑은 고딕" panose="020B0503020000020004" pitchFamily="50" charset="-127"/>
               </a:rPr>
@@ -21771,7 +21963,7 @@
                 </a:lnSpc>
               </a:pPr>
               <a:r>
-                <a:rPr lang="en-US" altLang="ko-KR" sz="1100" b="1" dirty="0" smtClean="0">
+                <a:rPr lang="en-US" altLang="ko-KR" sz="1100" b="1" dirty="0">
                   <a:solidFill>
                     <a:schemeClr val="bg1"/>
                   </a:solidFill>
@@ -21977,7 +22169,7 @@
                 </a:lnSpc>
               </a:pPr>
               <a:r>
-                <a:rPr lang="en-US" altLang="ko-KR" sz="1100" b="1" dirty="0" smtClean="0">
+                <a:rPr lang="en-US" altLang="ko-KR" sz="1100" b="1" dirty="0">
                   <a:solidFill>
                     <a:schemeClr val="bg1"/>
                   </a:solidFill>
@@ -22189,13 +22381,6 @@
                 </a:rPr>
                 <a:t>2</a:t>
               </a:r>
-              <a:endParaRPr lang="en-US" altLang="ko-KR" sz="1100" b="1" dirty="0" smtClean="0">
-                <a:solidFill>
-                  <a:schemeClr val="bg1"/>
-                </a:solidFill>
-                <a:latin typeface="맑은 고딕" pitchFamily="50" charset="-127"/>
-                <a:ea typeface="맑은 고딕" pitchFamily="50" charset="-127"/>
-              </a:endParaRPr>
             </a:p>
           </p:txBody>
         </p:sp>
@@ -22393,7 +22578,7 @@
                 </a:lnSpc>
               </a:pPr>
               <a:r>
-                <a:rPr lang="en-US" altLang="ko-KR" sz="1100" b="1" dirty="0" smtClean="0">
+                <a:rPr lang="en-US" altLang="ko-KR" sz="1100" b="1" dirty="0">
                   <a:solidFill>
                     <a:schemeClr val="bg1"/>
                   </a:solidFill>
@@ -22434,7 +22619,7 @@
           <a:p>
             <a:pPr algn="ctr"/>
             <a:r>
-              <a:rPr lang="en-US" altLang="ko-KR" sz="1800" b="1" dirty="0" smtClean="0">
+              <a:rPr lang="en-US" altLang="ko-KR" sz="1800" b="1" dirty="0">
                 <a:solidFill>
                   <a:srgbClr val="0070C0"/>
                 </a:solidFill>
@@ -22443,7 +22628,7 @@
               </a:rPr>
               <a:t>3</a:t>
             </a:r>
-            <a:endParaRPr lang="ko-KR" altLang="en-US" sz="1800" b="1" dirty="0" smtClean="0">
+            <a:endParaRPr lang="ko-KR" altLang="en-US" sz="1800" b="1" dirty="0">
               <a:solidFill>
                 <a:srgbClr val="0070C0"/>
               </a:solidFill>
@@ -22476,42 +22661,42 @@
           <a:lstStyle/>
           <a:p>
             <a:r>
-              <a:rPr lang="ko-KR" altLang="en-US" sz="1800" dirty="0" smtClean="0">
+              <a:rPr lang="ko-KR" altLang="en-US" sz="1800" dirty="0">
                 <a:latin typeface="맑은 고딕" panose="020B0503020000020004" pitchFamily="50" charset="-127"/>
                 <a:ea typeface="맑은 고딕" panose="020B0503020000020004" pitchFamily="50" charset="-127"/>
               </a:rPr>
               <a:t>점선을 따라 자르면 </a:t>
             </a:r>
             <a:r>
-              <a:rPr lang="en-US" altLang="ko-KR" sz="1800" dirty="0" smtClean="0">
+              <a:rPr lang="en-US" altLang="ko-KR" sz="1800" dirty="0">
                 <a:latin typeface="맑은 고딕" panose="020B0503020000020004" pitchFamily="50" charset="-127"/>
                 <a:ea typeface="맑은 고딕" panose="020B0503020000020004" pitchFamily="50" charset="-127"/>
               </a:rPr>
               <a:t>( </a:t>
             </a:r>
             <a:r>
-              <a:rPr lang="ko-KR" altLang="en-US" sz="1800" dirty="0" smtClean="0">
+              <a:rPr lang="ko-KR" altLang="en-US" sz="1800" dirty="0">
                 <a:latin typeface="맑은 고딕" panose="020B0503020000020004" pitchFamily="50" charset="-127"/>
                 <a:ea typeface="맑은 고딕" panose="020B0503020000020004" pitchFamily="50" charset="-127"/>
               </a:rPr>
               <a:t>삼각형</a:t>
             </a:r>
             <a:r>
-              <a:rPr lang="en-US" altLang="ko-KR" sz="1800" dirty="0" smtClean="0">
+              <a:rPr lang="en-US" altLang="ko-KR" sz="1800" dirty="0">
                 <a:latin typeface="맑은 고딕" panose="020B0503020000020004" pitchFamily="50" charset="-127"/>
                 <a:ea typeface="맑은 고딕" panose="020B0503020000020004" pitchFamily="50" charset="-127"/>
               </a:rPr>
               <a:t>, </a:t>
             </a:r>
             <a:r>
-              <a:rPr lang="ko-KR" altLang="en-US" sz="1800" dirty="0" smtClean="0">
+              <a:rPr lang="ko-KR" altLang="en-US" sz="1800" dirty="0">
                 <a:latin typeface="맑은 고딕" panose="020B0503020000020004" pitchFamily="50" charset="-127"/>
                 <a:ea typeface="맑은 고딕" panose="020B0503020000020004" pitchFamily="50" charset="-127"/>
               </a:rPr>
               <a:t>사각형 </a:t>
             </a:r>
             <a:r>
-              <a:rPr lang="en-US" altLang="ko-KR" sz="1800" dirty="0" smtClean="0">
+              <a:rPr lang="en-US" altLang="ko-KR" sz="1800" dirty="0">
                 <a:latin typeface="맑은 고딕" panose="020B0503020000020004" pitchFamily="50" charset="-127"/>
                 <a:ea typeface="맑은 고딕" panose="020B0503020000020004" pitchFamily="50" charset="-127"/>
               </a:rPr>
@@ -22520,14 +22705,14 @@
           </a:p>
           <a:p>
             <a:r>
-              <a:rPr lang="ko-KR" altLang="en-US" sz="1800" dirty="0" smtClean="0">
+              <a:rPr lang="ko-KR" altLang="en-US" sz="1800" dirty="0">
                 <a:latin typeface="맑은 고딕" panose="020B0503020000020004" pitchFamily="50" charset="-127"/>
                 <a:ea typeface="맑은 고딕" panose="020B0503020000020004" pitchFamily="50" charset="-127"/>
               </a:rPr>
               <a:t>이      개 생깁니다</a:t>
             </a:r>
             <a:r>
-              <a:rPr lang="en-US" altLang="ko-KR" sz="1800" dirty="0" smtClean="0">
+              <a:rPr lang="en-US" altLang="ko-KR" sz="1800" dirty="0">
                 <a:latin typeface="맑은 고딕" panose="020B0503020000020004" pitchFamily="50" charset="-127"/>
                 <a:ea typeface="맑은 고딕" panose="020B0503020000020004" pitchFamily="50" charset="-127"/>
               </a:rPr>
@@ -22691,14 +22876,14 @@
           <a:p>
             <a:pPr algn="just"/>
             <a:r>
-              <a:rPr lang="ko-KR" altLang="en-US" sz="1100" dirty="0" smtClean="0">
+              <a:rPr lang="ko-KR" altLang="en-US" sz="1100" dirty="0">
                 <a:latin typeface="맑은 고딕" pitchFamily="50" charset="-127"/>
                 <a:ea typeface="맑은 고딕" pitchFamily="50" charset="-127"/>
               </a:rPr>
               <a:t>배운 내용을 기억하고 있나요 </a:t>
             </a:r>
             <a:r>
-              <a:rPr lang="ko-KR" altLang="en-US" sz="1100" dirty="0" smtClean="0">
+              <a:rPr lang="ko-KR" altLang="en-US" sz="1100" dirty="0">
                 <a:solidFill>
                   <a:srgbClr val="339933"/>
                 </a:solidFill>
@@ -22708,7 +22893,7 @@
               <a:t>│ </a:t>
             </a:r>
             <a:r>
-              <a:rPr lang="en-US" altLang="ko-KR" sz="1100" dirty="0" smtClean="0">
+              <a:rPr lang="en-US" altLang="ko-KR" sz="1100" dirty="0">
                 <a:solidFill>
                   <a:srgbClr val="339933"/>
                 </a:solidFill>
@@ -22718,7 +22903,7 @@
               <a:t>73</a:t>
             </a:r>
             <a:r>
-              <a:rPr lang="ko-KR" altLang="en-US" sz="1100" dirty="0" smtClean="0">
+              <a:rPr lang="ko-KR" altLang="en-US" sz="1100" dirty="0">
                 <a:solidFill>
                   <a:srgbClr val="339933"/>
                 </a:solidFill>
@@ -22727,7 +22912,7 @@
               </a:rPr>
               <a:t>쪽</a:t>
             </a:r>
-            <a:endParaRPr lang="en-US" altLang="ko-KR" sz="1100" dirty="0" smtClean="0">
+            <a:endParaRPr lang="en-US" altLang="ko-KR" sz="1100" dirty="0">
               <a:solidFill>
                 <a:srgbClr val="339933"/>
               </a:solidFill>
@@ -23124,7 +23309,7 @@
             <a:p>
               <a:pPr algn="ctr"/>
               <a:r>
-                <a:rPr lang="ko-KR" altLang="en-US" b="1" dirty="0" smtClean="0">
+                <a:rPr lang="ko-KR" altLang="en-US" b="1" dirty="0">
                   <a:solidFill>
                     <a:srgbClr val="FFFF00"/>
                   </a:solidFill>
@@ -23133,13 +23318,6 @@
                 </a:rPr>
                 <a:t>풀이</a:t>
               </a:r>
-              <a:endParaRPr lang="ko-KR" altLang="en-US" b="1" dirty="0">
-                <a:solidFill>
-                  <a:srgbClr val="FFFF00"/>
-                </a:solidFill>
-                <a:latin typeface="맑은 고딕" panose="020B0503020000020004" pitchFamily="50" charset="-127"/>
-                <a:ea typeface="맑은 고딕" panose="020B0503020000020004" pitchFamily="50" charset="-127"/>
-              </a:endParaRPr>
             </a:p>
           </p:txBody>
         </p:sp>
@@ -23294,28 +23472,28 @@
             <a:p>
               <a:pPr algn="just"/>
               <a:r>
-                <a:rPr lang="ko-KR" altLang="en-US" sz="1800" spc="-150" dirty="0" smtClean="0">
+                <a:rPr lang="ko-KR" altLang="en-US" sz="1800" spc="-150" dirty="0">
                   <a:latin typeface="맑은 고딕" pitchFamily="50" charset="-127"/>
                   <a:ea typeface="맑은 고딕" pitchFamily="50" charset="-127"/>
                 </a:rPr>
                 <a:t>점선을 따라 자르면 모양과 크기가 같은 삼각형이 </a:t>
               </a:r>
               <a:r>
-                <a:rPr lang="en-US" altLang="ko-KR" sz="1800" spc="-150" dirty="0" smtClean="0">
+                <a:rPr lang="en-US" altLang="ko-KR" sz="1800" spc="-150" dirty="0">
                   <a:latin typeface="맑은 고딕" pitchFamily="50" charset="-127"/>
                   <a:ea typeface="맑은 고딕" pitchFamily="50" charset="-127"/>
                 </a:rPr>
                 <a:t>3</a:t>
               </a:r>
               <a:r>
-                <a:rPr lang="ko-KR" altLang="en-US" sz="1800" spc="-150" dirty="0" smtClean="0">
+                <a:rPr lang="ko-KR" altLang="en-US" sz="1800" spc="-150" dirty="0">
                   <a:latin typeface="맑은 고딕" pitchFamily="50" charset="-127"/>
                   <a:ea typeface="맑은 고딕" pitchFamily="50" charset="-127"/>
                 </a:rPr>
                 <a:t>개 생깁니다</a:t>
               </a:r>
               <a:r>
-                <a:rPr lang="en-US" altLang="ko-KR" sz="1800" spc="-150" dirty="0" smtClean="0">
+                <a:rPr lang="en-US" altLang="ko-KR" sz="1800" spc="-150" dirty="0">
                   <a:latin typeface="맑은 고딕" pitchFamily="50" charset="-127"/>
                   <a:ea typeface="맑은 고딕" pitchFamily="50" charset="-127"/>
                 </a:rPr>
@@ -23354,23 +23532,228 @@
           <a:lstStyle/>
           <a:p>
             <a:r>
-              <a:rPr lang="en-US" altLang="ko-KR" sz="1000" dirty="0" smtClean="0">
+              <a:rPr lang="en-US" altLang="ko-KR" sz="1000" dirty="0">
                 <a:latin typeface="맑은 고딕" pitchFamily="50" charset="-127"/>
                 <a:ea typeface="맑은 고딕" pitchFamily="50" charset="-127"/>
               </a:rPr>
               <a:t>6. </a:t>
             </a:r>
             <a:r>
-              <a:rPr lang="ko-KR" altLang="en-US" sz="1000" dirty="0" smtClean="0">
+              <a:rPr lang="ko-KR" altLang="en-US" sz="1000" dirty="0">
                 <a:latin typeface="맑은 고딕" pitchFamily="50" charset="-127"/>
                 <a:ea typeface="맑은 고딕" pitchFamily="50" charset="-127"/>
               </a:rPr>
               <a:t>분수와 소수</a:t>
             </a:r>
-            <a:endParaRPr lang="ko-KR" altLang="en-US" sz="1000" dirty="0">
-              <a:latin typeface="맑은 고딕" pitchFamily="50" charset="-127"/>
-              <a:ea typeface="맑은 고딕" pitchFamily="50" charset="-127"/>
-            </a:endParaRPr>
+          </a:p>
+        </p:txBody>
+      </p:sp>
+      <p:sp>
+        <p:nvSpPr>
+          <p:cNvPr id="40" name="타원 39">
+            <a:extLst>
+              <a:ext uri="{FF2B5EF4-FFF2-40B4-BE49-F238E27FC236}">
+                <a16:creationId xmlns:a16="http://schemas.microsoft.com/office/drawing/2014/main" id="{C7DAD630-3E4B-4F03-BF01-A6AE15061BF1}"/>
+              </a:ext>
+            </a:extLst>
+          </p:cNvPr>
+          <p:cNvSpPr/>
+          <p:nvPr/>
+        </p:nvSpPr>
+        <p:spPr bwMode="auto">
+          <a:xfrm>
+            <a:off x="7470272" y="5121188"/>
+            <a:ext cx="1188132" cy="1188132"/>
+          </a:xfrm>
+          <a:prstGeom prst="ellipse">
+            <a:avLst/>
+          </a:prstGeom>
+          <a:solidFill>
+            <a:srgbClr val="FF0000"/>
+          </a:solidFill>
+          <a:ln>
+            <a:noFill/>
+            <a:headEnd type="none" w="med" len="med"/>
+            <a:tailEnd type="none" w="med" len="med"/>
+          </a:ln>
+        </p:spPr>
+        <p:style>
+          <a:lnRef idx="2">
+            <a:schemeClr val="accent2"/>
+          </a:lnRef>
+          <a:fillRef idx="1">
+            <a:schemeClr val="lt1"/>
+          </a:fillRef>
+          <a:effectRef idx="0">
+            <a:schemeClr val="accent2"/>
+          </a:effectRef>
+          <a:fontRef idx="minor">
+            <a:schemeClr val="dk1"/>
+          </a:fontRef>
+        </p:style>
+        <p:txBody>
+          <a:bodyPr vert="horz" wrap="square" lIns="91440" tIns="45720" rIns="91440" bIns="45720" numCol="1" rtlCol="0" anchor="ctr" anchorCtr="0" compatLnSpc="1">
+            <a:prstTxWarp prst="textNoShape">
+              <a:avLst/>
+            </a:prstTxWarp>
+            <a:noAutofit/>
+          </a:bodyPr>
+          <a:lstStyle>
+            <a:defPPr>
+              <a:defRPr lang="ko-KR"/>
+            </a:defPPr>
+            <a:lvl1pPr algn="l" rtl="0" fontAlgn="base" latinLnBrk="1">
+              <a:spcBef>
+                <a:spcPct val="0"/>
+              </a:spcBef>
+              <a:spcAft>
+                <a:spcPct val="0"/>
+              </a:spcAft>
+              <a:defRPr kumimoji="1" sz="1200" kern="1200">
+                <a:solidFill>
+                  <a:schemeClr val="dk1"/>
+                </a:solidFill>
+                <a:latin typeface="+mn-lt"/>
+                <a:ea typeface="+mn-ea"/>
+                <a:cs typeface="+mn-cs"/>
+              </a:defRPr>
+            </a:lvl1pPr>
+            <a:lvl2pPr marL="457200" algn="l" rtl="0" fontAlgn="base" latinLnBrk="1">
+              <a:spcBef>
+                <a:spcPct val="0"/>
+              </a:spcBef>
+              <a:spcAft>
+                <a:spcPct val="0"/>
+              </a:spcAft>
+              <a:defRPr kumimoji="1" sz="1200" kern="1200">
+                <a:solidFill>
+                  <a:schemeClr val="dk1"/>
+                </a:solidFill>
+                <a:latin typeface="+mn-lt"/>
+                <a:ea typeface="+mn-ea"/>
+                <a:cs typeface="+mn-cs"/>
+              </a:defRPr>
+            </a:lvl2pPr>
+            <a:lvl3pPr marL="914400" algn="l" rtl="0" fontAlgn="base" latinLnBrk="1">
+              <a:spcBef>
+                <a:spcPct val="0"/>
+              </a:spcBef>
+              <a:spcAft>
+                <a:spcPct val="0"/>
+              </a:spcAft>
+              <a:defRPr kumimoji="1" sz="1200" kern="1200">
+                <a:solidFill>
+                  <a:schemeClr val="dk1"/>
+                </a:solidFill>
+                <a:latin typeface="+mn-lt"/>
+                <a:ea typeface="+mn-ea"/>
+                <a:cs typeface="+mn-cs"/>
+              </a:defRPr>
+            </a:lvl3pPr>
+            <a:lvl4pPr marL="1371600" algn="l" rtl="0" fontAlgn="base" latinLnBrk="1">
+              <a:spcBef>
+                <a:spcPct val="0"/>
+              </a:spcBef>
+              <a:spcAft>
+                <a:spcPct val="0"/>
+              </a:spcAft>
+              <a:defRPr kumimoji="1" sz="1200" kern="1200">
+                <a:solidFill>
+                  <a:schemeClr val="dk1"/>
+                </a:solidFill>
+                <a:latin typeface="+mn-lt"/>
+                <a:ea typeface="+mn-ea"/>
+                <a:cs typeface="+mn-cs"/>
+              </a:defRPr>
+            </a:lvl4pPr>
+            <a:lvl5pPr marL="1828800" algn="l" rtl="0" fontAlgn="base" latinLnBrk="1">
+              <a:spcBef>
+                <a:spcPct val="0"/>
+              </a:spcBef>
+              <a:spcAft>
+                <a:spcPct val="0"/>
+              </a:spcAft>
+              <a:defRPr kumimoji="1" sz="1200" kern="1200">
+                <a:solidFill>
+                  <a:schemeClr val="dk1"/>
+                </a:solidFill>
+                <a:latin typeface="+mn-lt"/>
+                <a:ea typeface="+mn-ea"/>
+                <a:cs typeface="+mn-cs"/>
+              </a:defRPr>
+            </a:lvl5pPr>
+            <a:lvl6pPr marL="2286000" algn="l" defTabSz="914400" rtl="0" eaLnBrk="1" latinLnBrk="1" hangingPunct="1">
+              <a:defRPr kumimoji="1" sz="1200" kern="1200">
+                <a:solidFill>
+                  <a:schemeClr val="dk1"/>
+                </a:solidFill>
+                <a:latin typeface="+mn-lt"/>
+                <a:ea typeface="+mn-ea"/>
+                <a:cs typeface="+mn-cs"/>
+              </a:defRPr>
+            </a:lvl6pPr>
+            <a:lvl7pPr marL="2743200" algn="l" defTabSz="914400" rtl="0" eaLnBrk="1" latinLnBrk="1" hangingPunct="1">
+              <a:defRPr kumimoji="1" sz="1200" kern="1200">
+                <a:solidFill>
+                  <a:schemeClr val="dk1"/>
+                </a:solidFill>
+                <a:latin typeface="+mn-lt"/>
+                <a:ea typeface="+mn-ea"/>
+                <a:cs typeface="+mn-cs"/>
+              </a:defRPr>
+            </a:lvl7pPr>
+            <a:lvl8pPr marL="3200400" algn="l" defTabSz="914400" rtl="0" eaLnBrk="1" latinLnBrk="1" hangingPunct="1">
+              <a:defRPr kumimoji="1" sz="1200" kern="1200">
+                <a:solidFill>
+                  <a:schemeClr val="dk1"/>
+                </a:solidFill>
+                <a:latin typeface="+mn-lt"/>
+                <a:ea typeface="+mn-ea"/>
+                <a:cs typeface="+mn-cs"/>
+              </a:defRPr>
+            </a:lvl8pPr>
+            <a:lvl9pPr marL="3657600" algn="l" defTabSz="914400" rtl="0" eaLnBrk="1" latinLnBrk="1" hangingPunct="1">
+              <a:defRPr kumimoji="1" sz="1200" kern="1200">
+                <a:solidFill>
+                  <a:schemeClr val="dk1"/>
+                </a:solidFill>
+                <a:latin typeface="+mn-lt"/>
+                <a:ea typeface="+mn-ea"/>
+                <a:cs typeface="+mn-cs"/>
+              </a:defRPr>
+            </a:lvl9pPr>
+          </a:lstStyle>
+          <a:p>
+            <a:pPr marL="0" marR="0" indent="0" algn="ctr" defTabSz="914400" rtl="0" eaLnBrk="1" fontAlgn="base" latinLnBrk="1" hangingPunct="1">
+              <a:lnSpc>
+                <a:spcPct val="100000"/>
+              </a:lnSpc>
+              <a:spcBef>
+                <a:spcPct val="50000"/>
+              </a:spcBef>
+              <a:spcAft>
+                <a:spcPct val="0"/>
+              </a:spcAft>
+              <a:buClrTx/>
+              <a:buSzTx/>
+              <a:buFontTx/>
+              <a:buNone/>
+              <a:tabLst/>
+            </a:pPr>
+            <a:r>
+              <a:rPr kumimoji="1" lang="ko-KR" altLang="en-US" sz="1800" b="1" i="0" u="none" strike="noStrike" cap="none" normalizeH="0" baseline="0" dirty="0">
+                <a:ln>
+                  <a:noFill/>
+                </a:ln>
+                <a:solidFill>
+                  <a:schemeClr val="bg1"/>
+                </a:solidFill>
+                <a:effectLst/>
+                <a:latin typeface="맑은 고딕" panose="020B0503020000020004" pitchFamily="50" charset="-127"/>
+                <a:ea typeface="맑은 고딕" panose="020B0503020000020004" pitchFamily="50" charset="-127"/>
+              </a:rPr>
+              <a:t>완료</a:t>
+            </a:r>
           </a:p>
         </p:txBody>
       </p:sp>
@@ -23384,13 +23767,6 @@
   <p:clrMapOvr>
     <a:masterClrMapping/>
   </p:clrMapOvr>
-  <p:timing>
-    <p:tnLst>
-      <p:par>
-        <p:cTn id="1" dur="indefinite" restart="never" nodeType="tmRoot"/>
-      </p:par>
-    </p:tnLst>
-  </p:timing>
 </p:sld>
 </file>
 
@@ -23428,7 +23804,13 @@
             <a:tbl>
               <a:tblPr/>
               <a:tblGrid>
-                <a:gridCol w="2016125"/>
+                <a:gridCol w="2016125">
+                  <a:extLst>
+                    <a:ext uri="{9D8B030D-6E8A-4147-A177-3AD203B41FA5}">
+                      <a16:colId xmlns:a16="http://schemas.microsoft.com/office/drawing/2014/main" val="20000"/>
+                    </a:ext>
+                  </a:extLst>
+                </a:gridCol>
               </a:tblGrid>
               <a:tr h="189064">
                 <a:tc>
@@ -23453,7 +23835,7 @@
                         <a:tabLst/>
                       </a:pPr>
                       <a:r>
-                        <a:rPr kumimoji="1" lang="en-US" altLang="ko-KR" sz="1000" b="0" i="0" u="none" strike="noStrike" cap="none" normalizeH="0" baseline="0" dirty="0" smtClean="0">
+                        <a:rPr kumimoji="1" lang="en-US" altLang="ko-KR" sz="1000" b="0" i="0" u="none" strike="noStrike" cap="none" normalizeH="0" baseline="0" dirty="0">
                           <a:ln>
                             <a:noFill/>
                           </a:ln>
@@ -23466,7 +23848,7 @@
                         </a:rPr>
                         <a:t>Θ Description &amp; Function</a:t>
                       </a:r>
-                      <a:endParaRPr kumimoji="1" lang="ko-KR" altLang="en-US" sz="1000" b="0" i="0" u="none" strike="noStrike" cap="none" normalizeH="0" baseline="0" dirty="0" smtClean="0">
+                      <a:endParaRPr kumimoji="1" lang="ko-KR" altLang="en-US" sz="1000" b="0" i="0" u="none" strike="noStrike" cap="none" normalizeH="0" baseline="0" dirty="0">
                         <a:ln>
                           <a:noFill/>
                         </a:ln>
@@ -23527,6 +23909,11 @@
                     </a:solidFill>
                   </a:tcPr>
                 </a:tc>
+                <a:extLst>
+                  <a:ext uri="{0D108BD9-81ED-4DB2-BD59-A6C34878D82A}">
+                    <a16:rowId xmlns:a16="http://schemas.microsoft.com/office/drawing/2014/main" val="10000"/>
+                  </a:ext>
+                </a:extLst>
               </a:tr>
             </a:tbl>
           </a:graphicData>
@@ -23561,16 +23948,12 @@
           <a:lstStyle/>
           <a:p>
             <a:r>
-              <a:rPr lang="en-US" altLang="ko-KR" sz="900" dirty="0" smtClean="0">
+              <a:rPr lang="en-US" altLang="ko-KR" sz="900" dirty="0">
                 <a:latin typeface="맑은 고딕" pitchFamily="50" charset="-127"/>
                 <a:ea typeface="맑은 고딕" pitchFamily="50" charset="-127"/>
               </a:rPr>
               <a:t>3-1	</a:t>
             </a:r>
-            <a:endParaRPr lang="en-US" altLang="ko-KR" sz="900" dirty="0">
-              <a:latin typeface="맑은 고딕" pitchFamily="50" charset="-127"/>
-              <a:ea typeface="맑은 고딕" pitchFamily="50" charset="-127"/>
-            </a:endParaRPr>
           </a:p>
         </p:txBody>
       </p:sp>
@@ -23603,23 +23986,19 @@
           <a:lstStyle/>
           <a:p>
             <a:r>
-              <a:rPr lang="en-US" altLang="ko-KR" sz="1000" dirty="0" smtClean="0">
+              <a:rPr lang="en-US" altLang="ko-KR" sz="1000" dirty="0">
                 <a:latin typeface="맑은 고딕" pitchFamily="50" charset="-127"/>
                 <a:ea typeface="맑은 고딕" pitchFamily="50" charset="-127"/>
               </a:rPr>
               <a:t>01 </a:t>
             </a:r>
             <a:r>
-              <a:rPr lang="ko-KR" altLang="en-US" sz="1000" dirty="0" smtClean="0">
+              <a:rPr lang="ko-KR" altLang="en-US" sz="1000" dirty="0">
                 <a:latin typeface="맑은 고딕" pitchFamily="50" charset="-127"/>
                 <a:ea typeface="맑은 고딕" pitchFamily="50" charset="-127"/>
               </a:rPr>
               <a:t>배운 내용을 기억하고 있나요</a:t>
             </a:r>
-            <a:endParaRPr lang="ko-KR" altLang="en-US" sz="1000" dirty="0">
-              <a:latin typeface="맑은 고딕" pitchFamily="50" charset="-127"/>
-              <a:ea typeface="맑은 고딕" pitchFamily="50" charset="-127"/>
-            </a:endParaRPr>
           </a:p>
         </p:txBody>
       </p:sp>
@@ -23657,7 +24036,7 @@
               <a:defRPr/>
             </a:pPr>
             <a:r>
-              <a:rPr kumimoji="0" lang="en-US" altLang="ko-KR" sz="1000" dirty="0" smtClean="0">
+              <a:rPr kumimoji="0" lang="en-US" altLang="ko-KR" sz="1000" dirty="0">
                 <a:latin typeface="맑은 고딕" pitchFamily="50" charset="-127"/>
                 <a:ea typeface="맑은 고딕" pitchFamily="50" charset="-127"/>
               </a:rPr>
@@ -23754,28 +24133,28 @@
           <a:p>
             <a:pPr algn="just"/>
             <a:r>
-              <a:rPr lang="en-US" altLang="ko-KR" sz="2000" smtClean="0">
+              <a:rPr lang="en-US" altLang="ko-KR" sz="2000">
                 <a:latin typeface="맑은 고딕" panose="020B0503020000020004" pitchFamily="50" charset="-127"/>
                 <a:ea typeface="맑은 고딕" panose="020B0503020000020004" pitchFamily="50" charset="-127"/>
               </a:rPr>
               <a:t>     </a:t>
             </a:r>
             <a:r>
-              <a:rPr lang="ko-KR" altLang="en-US" sz="2000" smtClean="0">
+              <a:rPr lang="ko-KR" altLang="en-US" sz="2000">
                 <a:latin typeface="맑은 고딕" panose="020B0503020000020004" pitchFamily="50" charset="-127"/>
                 <a:ea typeface="맑은 고딕" panose="020B0503020000020004" pitchFamily="50" charset="-127"/>
               </a:rPr>
               <a:t>의 </a:t>
             </a:r>
             <a:r>
-              <a:rPr lang="ko-KR" altLang="en-US" sz="2000" dirty="0" smtClean="0">
+              <a:rPr lang="ko-KR" altLang="en-US" sz="2000" dirty="0">
                 <a:latin typeface="맑은 고딕" panose="020B0503020000020004" pitchFamily="50" charset="-127"/>
                 <a:ea typeface="맑은 고딕" panose="020B0503020000020004" pitchFamily="50" charset="-127"/>
               </a:rPr>
               <a:t>모양을 만들 수 없는 조각을 찾아     표 하세요</a:t>
             </a:r>
             <a:r>
-              <a:rPr lang="en-US" altLang="ko-KR" sz="2000" dirty="0" smtClean="0">
+              <a:rPr lang="en-US" altLang="ko-KR" sz="2000" dirty="0">
                 <a:latin typeface="맑은 고딕" panose="020B0503020000020004" pitchFamily="50" charset="-127"/>
                 <a:ea typeface="맑은 고딕" panose="020B0503020000020004" pitchFamily="50" charset="-127"/>
               </a:rPr>
@@ -23853,7 +24232,7 @@
             <a:pPr marL="228600" indent="-228600" algn="just">
               <a:buAutoNum type="arabicPeriod"/>
             </a:pPr>
-            <a:endParaRPr lang="en-US" altLang="ko-KR" sz="1000" smtClean="0">
+            <a:endParaRPr lang="en-US" altLang="ko-KR" sz="1000">
               <a:latin typeface="맑은 고딕" pitchFamily="50" charset="-127"/>
               <a:ea typeface="맑은 고딕" pitchFamily="50" charset="-127"/>
             </a:endParaRPr>
@@ -23863,35 +24242,35 @@
               <a:buAutoNum type="arabicPeriod"/>
             </a:pPr>
             <a:r>
-              <a:rPr lang="ko-KR" altLang="en-US" sz="1000" smtClean="0">
+              <a:rPr lang="ko-KR" altLang="en-US" sz="1000">
                 <a:latin typeface="맑은 고딕" pitchFamily="50" charset="-127"/>
                 <a:ea typeface="맑은 고딕" pitchFamily="50" charset="-127"/>
               </a:rPr>
               <a:t>정답 확인 클릭하면 </a:t>
             </a:r>
             <a:r>
-              <a:rPr lang="en-US" altLang="ko-KR" sz="1000" smtClean="0">
+              <a:rPr lang="en-US" altLang="ko-KR" sz="1000">
                 <a:latin typeface="맑은 고딕" pitchFamily="50" charset="-127"/>
                 <a:ea typeface="맑은 고딕" pitchFamily="50" charset="-127"/>
               </a:rPr>
               <a:t>O</a:t>
             </a:r>
             <a:r>
-              <a:rPr lang="ko-KR" altLang="en-US" sz="1000" smtClean="0">
+              <a:rPr lang="ko-KR" altLang="en-US" sz="1000">
                 <a:latin typeface="맑은 고딕" pitchFamily="50" charset="-127"/>
                 <a:ea typeface="맑은 고딕" pitchFamily="50" charset="-127"/>
               </a:rPr>
               <a:t>약물만 나타남</a:t>
             </a:r>
             <a:r>
-              <a:rPr lang="en-US" altLang="ko-KR" sz="1000" smtClean="0">
+              <a:rPr lang="en-US" altLang="ko-KR" sz="1000">
                 <a:latin typeface="맑은 고딕" pitchFamily="50" charset="-127"/>
                 <a:ea typeface="맑은 고딕" pitchFamily="50" charset="-127"/>
               </a:rPr>
               <a:t>. </a:t>
             </a:r>
             <a:r>
-              <a:rPr lang="ko-KR" altLang="en-US" sz="1000" smtClean="0">
+              <a:rPr lang="ko-KR" altLang="en-US" sz="1000">
                 <a:latin typeface="맑은 고딕" pitchFamily="50" charset="-127"/>
                 <a:ea typeface="맑은 고딕" pitchFamily="50" charset="-127"/>
               </a:rPr>
@@ -23940,7 +24319,7 @@
               <a:t>됨</a:t>
             </a:r>
             <a:r>
-              <a:rPr lang="en-US" altLang="ko-KR" sz="1000" smtClean="0">
+              <a:rPr lang="en-US" altLang="ko-KR" sz="1000">
                 <a:latin typeface="맑은 고딕" pitchFamily="50" charset="-127"/>
                 <a:ea typeface="맑은 고딕" pitchFamily="50" charset="-127"/>
               </a:rPr>
@@ -23961,35 +24340,35 @@
               <a:buAutoNum type="arabicPeriod"/>
             </a:pPr>
             <a:r>
-              <a:rPr lang="ko-KR" altLang="en-US" sz="1000" smtClean="0">
+              <a:rPr lang="ko-KR" altLang="en-US" sz="1000">
                 <a:latin typeface="맑은 고딕" pitchFamily="50" charset="-127"/>
                 <a:ea typeface="맑은 고딕" pitchFamily="50" charset="-127"/>
               </a:rPr>
               <a:t>정오답 소스 사용</a:t>
             </a:r>
             <a:r>
-              <a:rPr lang="en-US" altLang="ko-KR" sz="1000" smtClean="0">
+              <a:rPr lang="en-US" altLang="ko-KR" sz="1000">
                 <a:latin typeface="맑은 고딕" pitchFamily="50" charset="-127"/>
                 <a:ea typeface="맑은 고딕" pitchFamily="50" charset="-127"/>
               </a:rPr>
               <a:t>. </a:t>
             </a:r>
             <a:r>
-              <a:rPr lang="ko-KR" altLang="en-US" sz="1000" smtClean="0">
+              <a:rPr lang="ko-KR" altLang="en-US" sz="1000">
                 <a:latin typeface="맑은 고딕" pitchFamily="50" charset="-127"/>
                 <a:ea typeface="맑은 고딕" pitchFamily="50" charset="-127"/>
               </a:rPr>
               <a:t>클릭음 있음</a:t>
             </a:r>
             <a:r>
-              <a:rPr lang="en-US" altLang="ko-KR" sz="1000" smtClean="0">
+              <a:rPr lang="en-US" altLang="ko-KR" sz="1000">
                 <a:latin typeface="맑은 고딕" pitchFamily="50" charset="-127"/>
                 <a:ea typeface="맑은 고딕" pitchFamily="50" charset="-127"/>
               </a:rPr>
               <a:t>. X</a:t>
             </a:r>
             <a:r>
-              <a:rPr lang="ko-KR" altLang="en-US" sz="1000" smtClean="0">
+              <a:rPr lang="ko-KR" altLang="en-US" sz="1000">
                 <a:latin typeface="맑은 고딕" pitchFamily="50" charset="-127"/>
                 <a:ea typeface="맑은 고딕" pitchFamily="50" charset="-127"/>
               </a:rPr>
@@ -24202,7 +24581,7 @@
                 </a:lnSpc>
               </a:pPr>
               <a:r>
-                <a:rPr lang="en-US" altLang="ko-KR" sz="1100" b="1" dirty="0" smtClean="0">
+                <a:rPr lang="en-US" altLang="ko-KR" sz="1100" b="1" dirty="0">
                   <a:solidFill>
                     <a:schemeClr val="bg1"/>
                   </a:solidFill>
@@ -24405,7 +24784,7 @@
                 </a:lnSpc>
               </a:pPr>
               <a:r>
-                <a:rPr lang="en-US" altLang="ko-KR" sz="1100" b="1" dirty="0" smtClean="0">
+                <a:rPr lang="en-US" altLang="ko-KR" sz="1100" b="1" dirty="0">
                   <a:solidFill>
                     <a:schemeClr val="bg1"/>
                   </a:solidFill>
@@ -24620,13 +24999,6 @@
                 </a:rPr>
                 <a:t>2</a:t>
               </a:r>
-              <a:endParaRPr lang="en-US" altLang="ko-KR" sz="1100" b="1" dirty="0" smtClean="0">
-                <a:solidFill>
-                  <a:schemeClr val="bg1"/>
-                </a:solidFill>
-                <a:latin typeface="맑은 고딕" pitchFamily="50" charset="-127"/>
-                <a:ea typeface="맑은 고딕" pitchFamily="50" charset="-127"/>
-              </a:endParaRPr>
             </a:p>
           </p:txBody>
         </p:sp>
@@ -24824,7 +25196,7 @@
                 </a:lnSpc>
               </a:pPr>
               <a:r>
-                <a:rPr lang="en-US" altLang="ko-KR" sz="1100" b="1" dirty="0" smtClean="0">
+                <a:rPr lang="en-US" altLang="ko-KR" sz="1100" b="1" dirty="0">
                   <a:solidFill>
                     <a:schemeClr val="bg1"/>
                   </a:solidFill>
@@ -25137,7 +25509,7 @@
               <a:defRPr/>
             </a:pPr>
             <a:r>
-              <a:rPr lang="en-US" altLang="ko-KR" sz="1100" b="1" dirty="0" smtClean="0">
+              <a:rPr lang="en-US" altLang="ko-KR" sz="1100" b="1" dirty="0">
                 <a:solidFill>
                   <a:schemeClr val="bg1"/>
                 </a:solidFill>
@@ -25328,7 +25700,7 @@
               <a:defRPr/>
             </a:pPr>
             <a:r>
-              <a:rPr lang="en-US" altLang="ko-KR" sz="1100" b="1" dirty="0" smtClean="0">
+              <a:rPr lang="en-US" altLang="ko-KR" sz="1100" b="1" dirty="0">
                 <a:solidFill>
                   <a:schemeClr val="bg1"/>
                 </a:solidFill>
@@ -25373,14 +25745,14 @@
                 <a:gridCol w="858104">
                   <a:extLst>
                     <a:ext uri="{9D8B030D-6E8A-4147-A177-3AD203B41FA5}">
-                      <a16:colId xmlns="" xmlns:a16="http://schemas.microsoft.com/office/drawing/2014/main" val="20000"/>
+                      <a16:colId xmlns:a16="http://schemas.microsoft.com/office/drawing/2014/main" val="20000"/>
                     </a:ext>
                   </a:extLst>
                 </a:gridCol>
                 <a:gridCol w="5830760">
                   <a:extLst>
                     <a:ext uri="{9D8B030D-6E8A-4147-A177-3AD203B41FA5}">
-                      <a16:colId xmlns="" xmlns:a16="http://schemas.microsoft.com/office/drawing/2014/main" val="20001"/>
+                      <a16:colId xmlns:a16="http://schemas.microsoft.com/office/drawing/2014/main" val="20001"/>
                     </a:ext>
                   </a:extLst>
                 </a:gridCol>
@@ -25411,7 +25783,7 @@
                         </a:tabLst>
                       </a:pPr>
                       <a:r>
-                        <a:rPr kumimoji="1" lang="ko-KR" altLang="en-US" sz="1000" b="1" i="0" u="none" strike="noStrike" cap="none" normalizeH="0" baseline="0" dirty="0" smtClean="0">
+                        <a:rPr kumimoji="1" lang="ko-KR" altLang="en-US" sz="1000" b="1" i="0" u="none" strike="noStrike" cap="none" normalizeH="0" baseline="0" dirty="0">
                           <a:ln>
                             <a:noFill/>
                           </a:ln>
@@ -25424,7 +25796,7 @@
                         </a:rPr>
                         <a:t>삽화 파일명</a:t>
                       </a:r>
-                      <a:endParaRPr kumimoji="1" lang="en-US" altLang="ko-KR" sz="1000" b="1" i="0" u="none" strike="noStrike" cap="none" normalizeH="0" baseline="0" dirty="0" smtClean="0">
+                      <a:endParaRPr kumimoji="1" lang="en-US" altLang="ko-KR" sz="1000" b="1" i="0" u="none" strike="noStrike" cap="none" normalizeH="0" baseline="0" dirty="0">
                         <a:ln>
                           <a:noFill/>
                         </a:ln>
@@ -25511,7 +25883,7 @@
                         <a:defRPr/>
                       </a:pPr>
                       <a:r>
-                        <a:rPr kumimoji="0" lang="en-US" altLang="ko-KR" sz="1000" dirty="0" err="1" smtClean="0">
+                        <a:rPr kumimoji="0" lang="en-US" altLang="ko-KR" sz="1000" dirty="0" err="1">
                           <a:solidFill>
                             <a:schemeClr val="tx1"/>
                           </a:solidFill>
@@ -25520,7 +25892,7 @@
                         </a:rPr>
                         <a:t>bg.svg</a:t>
                       </a:r>
-                      <a:endParaRPr kumimoji="0" lang="en-US" altLang="ko-KR" sz="1000" dirty="0" smtClean="0">
+                      <a:endParaRPr kumimoji="0" lang="en-US" altLang="ko-KR" sz="1000" dirty="0">
                         <a:solidFill>
                           <a:schemeClr val="tx1"/>
                         </a:solidFill>
@@ -25547,7 +25919,7 @@
                         <a:defRPr/>
                       </a:pPr>
                       <a:r>
-                        <a:rPr kumimoji="0" lang="ko-KR" altLang="en-US" sz="1000" dirty="0" smtClean="0">
+                        <a:rPr kumimoji="0" lang="ko-KR" altLang="en-US" sz="1000" dirty="0">
                           <a:solidFill>
                             <a:schemeClr val="tx1"/>
                           </a:solidFill>
@@ -25557,7 +25929,7 @@
                         <a:t>박만구 수학 </a:t>
                       </a:r>
                       <a:r>
-                        <a:rPr kumimoji="0" lang="en-US" altLang="ko-KR" sz="1000" dirty="0" smtClean="0">
+                        <a:rPr kumimoji="0" lang="en-US" altLang="ko-KR" sz="1000" dirty="0">
                           <a:solidFill>
                             <a:schemeClr val="tx1"/>
                           </a:solidFill>
@@ -25567,7 +25939,7 @@
                         <a:t>3-1 </a:t>
                       </a:r>
                       <a:r>
-                        <a:rPr kumimoji="0" lang="ko-KR" altLang="en-US" sz="1000" dirty="0" smtClean="0">
+                        <a:rPr kumimoji="0" lang="ko-KR" altLang="en-US" sz="1000" dirty="0">
                           <a:solidFill>
                             <a:schemeClr val="tx1"/>
                           </a:solidFill>
@@ -25577,7 +25949,7 @@
                         <a:t>지도서</a:t>
                       </a:r>
                       <a:r>
-                        <a:rPr kumimoji="0" lang="en-US" altLang="ko-KR" sz="1000" dirty="0" smtClean="0">
+                        <a:rPr kumimoji="0" lang="en-US" altLang="ko-KR" sz="1000" dirty="0">
                           <a:solidFill>
                             <a:schemeClr val="tx1"/>
                           </a:solidFill>
@@ -25587,7 +25959,7 @@
                         <a:t>\app\resource\</a:t>
                       </a:r>
                       <a:r>
-                        <a:rPr kumimoji="0" lang="en-US" altLang="ko-KR" sz="1000" dirty="0" err="1" smtClean="0">
+                        <a:rPr kumimoji="0" lang="en-US" altLang="ko-KR" sz="1000" dirty="0" err="1">
                           <a:solidFill>
                             <a:schemeClr val="tx1"/>
                           </a:solidFill>
@@ -25597,7 +25969,7 @@
                         <a:t>contents_sub</a:t>
                       </a:r>
                       <a:r>
-                        <a:rPr kumimoji="0" lang="en-US" altLang="ko-KR" sz="1000" dirty="0" smtClean="0">
+                        <a:rPr kumimoji="0" lang="en-US" altLang="ko-KR" sz="1000" dirty="0">
                           <a:solidFill>
                             <a:schemeClr val="tx1"/>
                           </a:solidFill>
@@ -25649,7 +26021,7 @@
                 </a:tc>
                 <a:extLst>
                   <a:ext uri="{0D108BD9-81ED-4DB2-BD59-A6C34878D82A}">
-                    <a16:rowId xmlns="" xmlns:a16="http://schemas.microsoft.com/office/drawing/2014/main" val="10000"/>
+                    <a16:rowId xmlns:a16="http://schemas.microsoft.com/office/drawing/2014/main" val="10000"/>
                   </a:ext>
                 </a:extLst>
               </a:tr>
@@ -25808,14 +26180,14 @@
           <a:p>
             <a:pPr algn="just"/>
             <a:r>
-              <a:rPr lang="ko-KR" altLang="en-US" sz="1100" dirty="0" smtClean="0">
+              <a:rPr lang="ko-KR" altLang="en-US" sz="1100" dirty="0">
                 <a:latin typeface="맑은 고딕" pitchFamily="50" charset="-127"/>
                 <a:ea typeface="맑은 고딕" pitchFamily="50" charset="-127"/>
               </a:rPr>
               <a:t>배운 내용을 기억하고 있나요 </a:t>
             </a:r>
             <a:r>
-              <a:rPr lang="ko-KR" altLang="en-US" sz="1100" dirty="0" smtClean="0">
+              <a:rPr lang="ko-KR" altLang="en-US" sz="1100" dirty="0">
                 <a:solidFill>
                   <a:srgbClr val="339933"/>
                 </a:solidFill>
@@ -25825,7 +26197,7 @@
               <a:t>│ </a:t>
             </a:r>
             <a:r>
-              <a:rPr lang="en-US" altLang="ko-KR" sz="1100" dirty="0" smtClean="0">
+              <a:rPr lang="en-US" altLang="ko-KR" sz="1100" dirty="0">
                 <a:solidFill>
                   <a:srgbClr val="339933"/>
                 </a:solidFill>
@@ -25835,7 +26207,7 @@
               <a:t>73</a:t>
             </a:r>
             <a:r>
-              <a:rPr lang="ko-KR" altLang="en-US" sz="1100" dirty="0" smtClean="0">
+              <a:rPr lang="ko-KR" altLang="en-US" sz="1100" dirty="0">
                 <a:solidFill>
                   <a:srgbClr val="339933"/>
                 </a:solidFill>
@@ -25844,7 +26216,7 @@
               </a:rPr>
               <a:t>쪽</a:t>
             </a:r>
-            <a:endParaRPr lang="en-US" altLang="ko-KR" sz="1100" dirty="0" smtClean="0">
+            <a:endParaRPr lang="en-US" altLang="ko-KR" sz="1100" dirty="0">
               <a:solidFill>
                 <a:srgbClr val="339933"/>
               </a:solidFill>
@@ -26109,23 +26481,19 @@
           <a:lstStyle/>
           <a:p>
             <a:r>
-              <a:rPr lang="en-US" altLang="ko-KR" sz="1000" dirty="0" smtClean="0">
+              <a:rPr lang="en-US" altLang="ko-KR" sz="1000" dirty="0">
                 <a:latin typeface="맑은 고딕" pitchFamily="50" charset="-127"/>
                 <a:ea typeface="맑은 고딕" pitchFamily="50" charset="-127"/>
               </a:rPr>
               <a:t>6. </a:t>
             </a:r>
             <a:r>
-              <a:rPr lang="ko-KR" altLang="en-US" sz="1000" dirty="0" smtClean="0">
+              <a:rPr lang="ko-KR" altLang="en-US" sz="1000" dirty="0">
                 <a:latin typeface="맑은 고딕" pitchFamily="50" charset="-127"/>
                 <a:ea typeface="맑은 고딕" pitchFamily="50" charset="-127"/>
               </a:rPr>
               <a:t>분수와 소수</a:t>
             </a:r>
-            <a:endParaRPr lang="ko-KR" altLang="en-US" sz="1000" dirty="0">
-              <a:latin typeface="맑은 고딕" pitchFamily="50" charset="-127"/>
-              <a:ea typeface="맑은 고딕" pitchFamily="50" charset="-127"/>
-            </a:endParaRPr>
           </a:p>
         </p:txBody>
       </p:sp>
@@ -26470,7 +26838,7 @@
               <a:defRPr/>
             </a:pPr>
             <a:r>
-              <a:rPr lang="en-US" altLang="ko-KR" sz="1100" b="1" smtClean="0">
+              <a:rPr lang="en-US" altLang="ko-KR" sz="1100" b="1">
                 <a:solidFill>
                   <a:schemeClr val="bg1"/>
                 </a:solidFill>
@@ -26499,13 +26867,6 @@
   <p:clrMapOvr>
     <a:masterClrMapping/>
   </p:clrMapOvr>
-  <p:timing>
-    <p:tnLst>
-      <p:par>
-        <p:cTn id="1" dur="indefinite" restart="never" nodeType="tmRoot"/>
-      </p:par>
-    </p:tnLst>
-  </p:timing>
 </p:sld>
 </file>
 
@@ -26543,7 +26904,13 @@
             <a:tbl>
               <a:tblPr/>
               <a:tblGrid>
-                <a:gridCol w="2016125"/>
+                <a:gridCol w="2016125">
+                  <a:extLst>
+                    <a:ext uri="{9D8B030D-6E8A-4147-A177-3AD203B41FA5}">
+                      <a16:colId xmlns:a16="http://schemas.microsoft.com/office/drawing/2014/main" val="20000"/>
+                    </a:ext>
+                  </a:extLst>
+                </a:gridCol>
               </a:tblGrid>
               <a:tr h="189064">
                 <a:tc>
@@ -26568,7 +26935,7 @@
                         <a:tabLst/>
                       </a:pPr>
                       <a:r>
-                        <a:rPr kumimoji="1" lang="en-US" altLang="ko-KR" sz="1000" b="0" i="0" u="none" strike="noStrike" cap="none" normalizeH="0" baseline="0" dirty="0" smtClean="0">
+                        <a:rPr kumimoji="1" lang="en-US" altLang="ko-KR" sz="1000" b="0" i="0" u="none" strike="noStrike" cap="none" normalizeH="0" baseline="0" dirty="0">
                           <a:ln>
                             <a:noFill/>
                           </a:ln>
@@ -26581,7 +26948,7 @@
                         </a:rPr>
                         <a:t>Θ Description &amp; Function</a:t>
                       </a:r>
-                      <a:endParaRPr kumimoji="1" lang="ko-KR" altLang="en-US" sz="1000" b="0" i="0" u="none" strike="noStrike" cap="none" normalizeH="0" baseline="0" dirty="0" smtClean="0">
+                      <a:endParaRPr kumimoji="1" lang="ko-KR" altLang="en-US" sz="1000" b="0" i="0" u="none" strike="noStrike" cap="none" normalizeH="0" baseline="0" dirty="0">
                         <a:ln>
                           <a:noFill/>
                         </a:ln>
@@ -26642,6 +27009,11 @@
                     </a:solidFill>
                   </a:tcPr>
                 </a:tc>
+                <a:extLst>
+                  <a:ext uri="{0D108BD9-81ED-4DB2-BD59-A6C34878D82A}">
+                    <a16:rowId xmlns:a16="http://schemas.microsoft.com/office/drawing/2014/main" val="10000"/>
+                  </a:ext>
+                </a:extLst>
               </a:tr>
             </a:tbl>
           </a:graphicData>
@@ -26676,16 +27048,12 @@
           <a:lstStyle/>
           <a:p>
             <a:r>
-              <a:rPr lang="en-US" altLang="ko-KR" sz="900" dirty="0" smtClean="0">
+              <a:rPr lang="en-US" altLang="ko-KR" sz="900" dirty="0">
                 <a:latin typeface="맑은 고딕" pitchFamily="50" charset="-127"/>
                 <a:ea typeface="맑은 고딕" pitchFamily="50" charset="-127"/>
               </a:rPr>
               <a:t>3-1	</a:t>
             </a:r>
-            <a:endParaRPr lang="en-US" altLang="ko-KR" sz="900" dirty="0">
-              <a:latin typeface="맑은 고딕" pitchFamily="50" charset="-127"/>
-              <a:ea typeface="맑은 고딕" pitchFamily="50" charset="-127"/>
-            </a:endParaRPr>
           </a:p>
         </p:txBody>
       </p:sp>
@@ -26718,23 +27086,19 @@
           <a:lstStyle/>
           <a:p>
             <a:r>
-              <a:rPr lang="en-US" altLang="ko-KR" sz="1000" dirty="0" smtClean="0">
+              <a:rPr lang="en-US" altLang="ko-KR" sz="1000" dirty="0">
                 <a:latin typeface="맑은 고딕" pitchFamily="50" charset="-127"/>
                 <a:ea typeface="맑은 고딕" pitchFamily="50" charset="-127"/>
               </a:rPr>
               <a:t>01 </a:t>
             </a:r>
             <a:r>
-              <a:rPr lang="ko-KR" altLang="en-US" sz="1000" dirty="0" smtClean="0">
+              <a:rPr lang="ko-KR" altLang="en-US" sz="1000" dirty="0">
                 <a:latin typeface="맑은 고딕" pitchFamily="50" charset="-127"/>
                 <a:ea typeface="맑은 고딕" pitchFamily="50" charset="-127"/>
               </a:rPr>
               <a:t>배운 내용을 기억하고 있나요</a:t>
             </a:r>
-            <a:endParaRPr lang="ko-KR" altLang="en-US" sz="1000" dirty="0">
-              <a:latin typeface="맑은 고딕" pitchFamily="50" charset="-127"/>
-              <a:ea typeface="맑은 고딕" pitchFamily="50" charset="-127"/>
-            </a:endParaRPr>
           </a:p>
         </p:txBody>
       </p:sp>
@@ -26822,28 +27186,28 @@
           <a:p>
             <a:pPr algn="just"/>
             <a:r>
-              <a:rPr lang="en-US" altLang="ko-KR" sz="2000" smtClean="0">
+              <a:rPr lang="en-US" altLang="ko-KR" sz="2000">
                 <a:latin typeface="맑은 고딕" panose="020B0503020000020004" pitchFamily="50" charset="-127"/>
                 <a:ea typeface="맑은 고딕" panose="020B0503020000020004" pitchFamily="50" charset="-127"/>
               </a:rPr>
               <a:t>     </a:t>
             </a:r>
             <a:r>
-              <a:rPr lang="ko-KR" altLang="en-US" sz="2000" smtClean="0">
+              <a:rPr lang="ko-KR" altLang="en-US" sz="2000">
                 <a:latin typeface="맑은 고딕" panose="020B0503020000020004" pitchFamily="50" charset="-127"/>
                 <a:ea typeface="맑은 고딕" panose="020B0503020000020004" pitchFamily="50" charset="-127"/>
               </a:rPr>
               <a:t>의 </a:t>
             </a:r>
             <a:r>
-              <a:rPr lang="ko-KR" altLang="en-US" sz="2000" dirty="0" smtClean="0">
+              <a:rPr lang="ko-KR" altLang="en-US" sz="2000" dirty="0">
                 <a:latin typeface="맑은 고딕" panose="020B0503020000020004" pitchFamily="50" charset="-127"/>
                 <a:ea typeface="맑은 고딕" panose="020B0503020000020004" pitchFamily="50" charset="-127"/>
               </a:rPr>
               <a:t>모양을 만들 수 없는 조각을 찾아     표 하세요</a:t>
             </a:r>
             <a:r>
-              <a:rPr lang="en-US" altLang="ko-KR" sz="2000" dirty="0" smtClean="0">
+              <a:rPr lang="en-US" altLang="ko-KR" sz="2000" dirty="0">
                 <a:latin typeface="맑은 고딕" panose="020B0503020000020004" pitchFamily="50" charset="-127"/>
                 <a:ea typeface="맑은 고딕" panose="020B0503020000020004" pitchFamily="50" charset="-127"/>
               </a:rPr>
@@ -27049,7 +27413,7 @@
                 </a:lnSpc>
               </a:pPr>
               <a:r>
-                <a:rPr lang="en-US" altLang="ko-KR" sz="1100" b="1" dirty="0" smtClean="0">
+                <a:rPr lang="en-US" altLang="ko-KR" sz="1100" b="1" dirty="0">
                   <a:solidFill>
                     <a:schemeClr val="bg1"/>
                   </a:solidFill>
@@ -27252,7 +27616,7 @@
                 </a:lnSpc>
               </a:pPr>
               <a:r>
-                <a:rPr lang="en-US" altLang="ko-KR" sz="1100" b="1" dirty="0" smtClean="0">
+                <a:rPr lang="en-US" altLang="ko-KR" sz="1100" b="1" dirty="0">
                   <a:solidFill>
                     <a:schemeClr val="bg1"/>
                   </a:solidFill>
@@ -27467,13 +27831,6 @@
                 </a:rPr>
                 <a:t>2</a:t>
               </a:r>
-              <a:endParaRPr lang="en-US" altLang="ko-KR" sz="1100" b="1" dirty="0" smtClean="0">
-                <a:solidFill>
-                  <a:schemeClr val="bg1"/>
-                </a:solidFill>
-                <a:latin typeface="맑은 고딕" pitchFamily="50" charset="-127"/>
-                <a:ea typeface="맑은 고딕" pitchFamily="50" charset="-127"/>
-              </a:endParaRPr>
             </a:p>
           </p:txBody>
         </p:sp>
@@ -27671,7 +28028,7 @@
                 </a:lnSpc>
               </a:pPr>
               <a:r>
-                <a:rPr lang="en-US" altLang="ko-KR" sz="1100" b="1" dirty="0" smtClean="0">
+                <a:rPr lang="en-US" altLang="ko-KR" sz="1100" b="1" dirty="0">
                   <a:solidFill>
                     <a:schemeClr val="bg1"/>
                   </a:solidFill>
@@ -27963,14 +28320,14 @@
           <a:p>
             <a:pPr algn="just"/>
             <a:r>
-              <a:rPr lang="ko-KR" altLang="en-US" sz="1100" dirty="0" smtClean="0">
+              <a:rPr lang="ko-KR" altLang="en-US" sz="1100" dirty="0">
                 <a:latin typeface="맑은 고딕" pitchFamily="50" charset="-127"/>
                 <a:ea typeface="맑은 고딕" pitchFamily="50" charset="-127"/>
               </a:rPr>
               <a:t>배운 내용을 기억하고 있나요 </a:t>
             </a:r>
             <a:r>
-              <a:rPr lang="ko-KR" altLang="en-US" sz="1100" dirty="0" smtClean="0">
+              <a:rPr lang="ko-KR" altLang="en-US" sz="1100" dirty="0">
                 <a:solidFill>
                   <a:srgbClr val="339933"/>
                 </a:solidFill>
@@ -27980,7 +28337,7 @@
               <a:t>│ </a:t>
             </a:r>
             <a:r>
-              <a:rPr lang="en-US" altLang="ko-KR" sz="1100" dirty="0" smtClean="0">
+              <a:rPr lang="en-US" altLang="ko-KR" sz="1100" dirty="0">
                 <a:solidFill>
                   <a:srgbClr val="339933"/>
                 </a:solidFill>
@@ -27990,7 +28347,7 @@
               <a:t>73</a:t>
             </a:r>
             <a:r>
-              <a:rPr lang="ko-KR" altLang="en-US" sz="1100" dirty="0" smtClean="0">
+              <a:rPr lang="ko-KR" altLang="en-US" sz="1100" dirty="0">
                 <a:solidFill>
                   <a:srgbClr val="339933"/>
                 </a:solidFill>
@@ -27999,7 +28356,7 @@
               </a:rPr>
               <a:t>쪽</a:t>
             </a:r>
-            <a:endParaRPr lang="en-US" altLang="ko-KR" sz="1100" dirty="0" smtClean="0">
+            <a:endParaRPr lang="en-US" altLang="ko-KR" sz="1100" dirty="0">
               <a:solidFill>
                 <a:srgbClr val="339933"/>
               </a:solidFill>
@@ -28419,7 +28776,7 @@
             <a:p>
               <a:pPr algn="ctr"/>
               <a:r>
-                <a:rPr lang="ko-KR" altLang="en-US" b="1" dirty="0" smtClean="0">
+                <a:rPr lang="ko-KR" altLang="en-US" b="1" dirty="0">
                   <a:solidFill>
                     <a:srgbClr val="FFFF00"/>
                   </a:solidFill>
@@ -28428,13 +28785,6 @@
                 </a:rPr>
                 <a:t>풀이</a:t>
               </a:r>
-              <a:endParaRPr lang="ko-KR" altLang="en-US" b="1" dirty="0">
-                <a:solidFill>
-                  <a:srgbClr val="FFFF00"/>
-                </a:solidFill>
-                <a:latin typeface="맑은 고딕" panose="020B0503020000020004" pitchFamily="50" charset="-127"/>
-                <a:ea typeface="맑은 고딕" panose="020B0503020000020004" pitchFamily="50" charset="-127"/>
-              </a:endParaRPr>
             </a:p>
           </p:txBody>
         </p:sp>
@@ -28548,7 +28898,7 @@
               <a:defRPr/>
             </a:pPr>
             <a:r>
-              <a:rPr kumimoji="0" lang="en-US" altLang="ko-KR" sz="1000" dirty="0" smtClean="0">
+              <a:rPr kumimoji="0" lang="en-US" altLang="ko-KR" sz="1000" dirty="0">
                 <a:latin typeface="맑은 고딕" pitchFamily="50" charset="-127"/>
                 <a:ea typeface="맑은 고딕" pitchFamily="50" charset="-127"/>
               </a:rPr>
@@ -28590,23 +28940,19 @@
           <a:lstStyle/>
           <a:p>
             <a:r>
-              <a:rPr lang="en-US" altLang="ko-KR" sz="1000" dirty="0" smtClean="0">
+              <a:rPr lang="en-US" altLang="ko-KR" sz="1000" dirty="0">
                 <a:latin typeface="맑은 고딕" pitchFamily="50" charset="-127"/>
                 <a:ea typeface="맑은 고딕" pitchFamily="50" charset="-127"/>
               </a:rPr>
               <a:t>6. </a:t>
             </a:r>
             <a:r>
-              <a:rPr lang="ko-KR" altLang="en-US" sz="1000" dirty="0" smtClean="0">
+              <a:rPr lang="ko-KR" altLang="en-US" sz="1000" dirty="0">
                 <a:latin typeface="맑은 고딕" pitchFamily="50" charset="-127"/>
                 <a:ea typeface="맑은 고딕" pitchFamily="50" charset="-127"/>
               </a:rPr>
               <a:t>분수와 소수</a:t>
             </a:r>
-            <a:endParaRPr lang="ko-KR" altLang="en-US" sz="1000" dirty="0">
-              <a:latin typeface="맑은 고딕" pitchFamily="50" charset="-127"/>
-              <a:ea typeface="맑은 고딕" pitchFamily="50" charset="-127"/>
-            </a:endParaRPr>
           </a:p>
         </p:txBody>
       </p:sp>
@@ -28636,14 +28982,14 @@
                 <a:gridCol w="858104">
                   <a:extLst>
                     <a:ext uri="{9D8B030D-6E8A-4147-A177-3AD203B41FA5}">
-                      <a16:colId xmlns="" xmlns:a16="http://schemas.microsoft.com/office/drawing/2014/main" val="20000"/>
+                      <a16:colId xmlns:a16="http://schemas.microsoft.com/office/drawing/2014/main" val="20000"/>
                     </a:ext>
                   </a:extLst>
                 </a:gridCol>
                 <a:gridCol w="5830760">
                   <a:extLst>
                     <a:ext uri="{9D8B030D-6E8A-4147-A177-3AD203B41FA5}">
-                      <a16:colId xmlns="" xmlns:a16="http://schemas.microsoft.com/office/drawing/2014/main" val="20001"/>
+                      <a16:colId xmlns:a16="http://schemas.microsoft.com/office/drawing/2014/main" val="20001"/>
                     </a:ext>
                   </a:extLst>
                 </a:gridCol>
@@ -28674,7 +29020,7 @@
                         </a:tabLst>
                       </a:pPr>
                       <a:r>
-                        <a:rPr kumimoji="1" lang="ko-KR" altLang="en-US" sz="1000" b="1" i="0" u="none" strike="noStrike" cap="none" normalizeH="0" baseline="0" dirty="0" smtClean="0">
+                        <a:rPr kumimoji="1" lang="ko-KR" altLang="en-US" sz="1000" b="1" i="0" u="none" strike="noStrike" cap="none" normalizeH="0" baseline="0" dirty="0">
                           <a:ln>
                             <a:noFill/>
                           </a:ln>
@@ -28687,7 +29033,7 @@
                         </a:rPr>
                         <a:t>삽화 파일명</a:t>
                       </a:r>
-                      <a:endParaRPr kumimoji="1" lang="en-US" altLang="ko-KR" sz="1000" b="1" i="0" u="none" strike="noStrike" cap="none" normalizeH="0" baseline="0" dirty="0" smtClean="0">
+                      <a:endParaRPr kumimoji="1" lang="en-US" altLang="ko-KR" sz="1000" b="1" i="0" u="none" strike="noStrike" cap="none" normalizeH="0" baseline="0" dirty="0">
                         <a:ln>
                           <a:noFill/>
                         </a:ln>
@@ -28774,7 +29120,7 @@
                         <a:defRPr/>
                       </a:pPr>
                       <a:r>
-                        <a:rPr kumimoji="0" lang="en-US" altLang="ko-KR" sz="1000" dirty="0" err="1" smtClean="0">
+                        <a:rPr kumimoji="0" lang="en-US" altLang="ko-KR" sz="1000" dirty="0" err="1">
                           <a:solidFill>
                             <a:schemeClr val="tx1"/>
                           </a:solidFill>
@@ -28784,7 +29130,7 @@
                         <a:t>bg.svg</a:t>
                       </a:r>
                       <a:r>
-                        <a:rPr kumimoji="0" lang="en-US" altLang="ko-KR" sz="1000" dirty="0" smtClean="0">
+                        <a:rPr kumimoji="0" lang="en-US" altLang="ko-KR" sz="1000" dirty="0">
                           <a:solidFill>
                             <a:schemeClr val="tx1"/>
                           </a:solidFill>
@@ -28813,7 +29159,7 @@
                         <a:defRPr/>
                       </a:pPr>
                       <a:r>
-                        <a:rPr kumimoji="0" lang="ko-KR" altLang="en-US" sz="1000" dirty="0" smtClean="0">
+                        <a:rPr kumimoji="0" lang="ko-KR" altLang="en-US" sz="1000" dirty="0">
                           <a:solidFill>
                             <a:schemeClr val="tx1"/>
                           </a:solidFill>
@@ -28823,7 +29169,7 @@
                         <a:t>박만구 수학 </a:t>
                       </a:r>
                       <a:r>
-                        <a:rPr kumimoji="0" lang="en-US" altLang="ko-KR" sz="1000" dirty="0" smtClean="0">
+                        <a:rPr kumimoji="0" lang="en-US" altLang="ko-KR" sz="1000" dirty="0">
                           <a:solidFill>
                             <a:schemeClr val="tx1"/>
                           </a:solidFill>
@@ -28833,7 +29179,7 @@
                         <a:t>3-1 </a:t>
                       </a:r>
                       <a:r>
-                        <a:rPr kumimoji="0" lang="ko-KR" altLang="en-US" sz="1000" dirty="0" smtClean="0">
+                        <a:rPr kumimoji="0" lang="ko-KR" altLang="en-US" sz="1000" dirty="0">
                           <a:solidFill>
                             <a:schemeClr val="tx1"/>
                           </a:solidFill>
@@ -28843,7 +29189,7 @@
                         <a:t>지도서</a:t>
                       </a:r>
                       <a:r>
-                        <a:rPr kumimoji="0" lang="en-US" altLang="ko-KR" sz="1000" dirty="0" smtClean="0">
+                        <a:rPr kumimoji="0" lang="en-US" altLang="ko-KR" sz="1000" dirty="0">
                           <a:solidFill>
                             <a:schemeClr val="tx1"/>
                           </a:solidFill>
@@ -28853,7 +29199,7 @@
                         <a:t>\app\resource\</a:t>
                       </a:r>
                       <a:r>
-                        <a:rPr kumimoji="0" lang="en-US" altLang="ko-KR" sz="1000" dirty="0" err="1" smtClean="0">
+                        <a:rPr kumimoji="0" lang="en-US" altLang="ko-KR" sz="1000" dirty="0" err="1">
                           <a:solidFill>
                             <a:schemeClr val="tx1"/>
                           </a:solidFill>
@@ -28863,7 +29209,7 @@
                         <a:t>contents_sub</a:t>
                       </a:r>
                       <a:r>
-                        <a:rPr kumimoji="0" lang="en-US" altLang="ko-KR" sz="1000" dirty="0" smtClean="0">
+                        <a:rPr kumimoji="0" lang="en-US" altLang="ko-KR" sz="1000" dirty="0">
                           <a:solidFill>
                             <a:schemeClr val="tx1"/>
                           </a:solidFill>
@@ -28915,7 +29261,7 @@
                 </a:tc>
                 <a:extLst>
                   <a:ext uri="{0D108BD9-81ED-4DB2-BD59-A6C34878D82A}">
-                    <a16:rowId xmlns="" xmlns:a16="http://schemas.microsoft.com/office/drawing/2014/main" val="10000"/>
+                    <a16:rowId xmlns:a16="http://schemas.microsoft.com/office/drawing/2014/main" val="10000"/>
                   </a:ext>
                 </a:extLst>
               </a:tr>
@@ -28933,13 +29279,6 @@
   <p:clrMapOvr>
     <a:masterClrMapping/>
   </p:clrMapOvr>
-  <p:timing>
-    <p:tnLst>
-      <p:par>
-        <p:cTn id="1" dur="indefinite" restart="never" nodeType="tmRoot"/>
-      </p:par>
-    </p:tnLst>
-  </p:timing>
 </p:sld>
 </file>
 
